--- a/LTI_ASPNET_MVC/PPT/WebAPIDetails.pptx
+++ b/LTI_ASPNET_MVC/PPT/WebAPIDetails.pptx
@@ -158,7 +158,7 @@
   </p:defaultTextStyle>
   <p:extLst>
     <p:ext uri="{EFAFB233-063F-42B5-8137-9DF3F51BA10A}">
-      <p15:sldGuideLst xmlns:p15="http://schemas.microsoft.com/office/powerpoint/2012/main"/>
+      <p15:sldGuideLst xmlns:p15="http://schemas.microsoft.com/office/powerpoint/2012/main" xmlns=""/>
     </p:ext>
   </p:extLst>
 </p:presentation>
@@ -186,7 +186,7 @@
           <p:cNvPr id="7" name="Rectangle 6">
             <a:extLst>
               <a:ext uri="{FF2B5EF4-FFF2-40B4-BE49-F238E27FC236}">
-                <a16:creationId xmlns:a16="http://schemas.microsoft.com/office/drawing/2014/main" id="{FB45BD54-D254-4322-AF58-CAE8257A3F82}"/>
+                <a16:creationId xmlns:a16="http://schemas.microsoft.com/office/drawing/2014/main" xmlns="" id="{FB45BD54-D254-4322-AF58-CAE8257A3F82}"/>
               </a:ext>
             </a:extLst>
           </p:cNvPr>
@@ -238,7 +238,7 @@
           <p:cNvPr id="8" name="Rectangle 7">
             <a:extLst>
               <a:ext uri="{FF2B5EF4-FFF2-40B4-BE49-F238E27FC236}">
-                <a16:creationId xmlns:a16="http://schemas.microsoft.com/office/drawing/2014/main" id="{F10DB2E3-BEBB-417E-9A38-25C15BFBA35A}"/>
+                <a16:creationId xmlns:a16="http://schemas.microsoft.com/office/drawing/2014/main" xmlns="" id="{F10DB2E3-BEBB-417E-9A38-25C15BFBA35A}"/>
               </a:ext>
             </a:extLst>
           </p:cNvPr>
@@ -295,7 +295,7 @@
           <p:cNvPr id="9" name="Picture 8">
             <a:extLst>
               <a:ext uri="{FF2B5EF4-FFF2-40B4-BE49-F238E27FC236}">
-                <a16:creationId xmlns:a16="http://schemas.microsoft.com/office/drawing/2014/main" id="{D263A75F-78DF-42A9-BC21-1C7D5E55C115}"/>
+                <a16:creationId xmlns:a16="http://schemas.microsoft.com/office/drawing/2014/main" xmlns="" id="{D263A75F-78DF-42A9-BC21-1C7D5E55C115}"/>
               </a:ext>
             </a:extLst>
           </p:cNvPr>
@@ -305,11 +305,11 @@
           <p:nvPr/>
         </p:nvPicPr>
         <p:blipFill>
-          <a:blip r:embed="rId2">
+          <a:blip r:embed="rId2" cstate="print">
             <a:biLevel thresh="25000"/>
             <a:extLst>
               <a:ext uri="{28A0092B-C50C-407E-A947-70E740481C1C}">
-                <a14:useLocalDpi xmlns:a14="http://schemas.microsoft.com/office/drawing/2010/main" val="0"/>
+                <a14:useLocalDpi xmlns:a14="http://schemas.microsoft.com/office/drawing/2010/main" xmlns="" val="0"/>
               </a:ext>
             </a:extLst>
           </a:blip>
@@ -332,7 +332,7 @@
           <p:cNvPr id="10" name="Rectangle 9">
             <a:extLst>
               <a:ext uri="{FF2B5EF4-FFF2-40B4-BE49-F238E27FC236}">
-                <a16:creationId xmlns:a16="http://schemas.microsoft.com/office/drawing/2014/main" id="{2B1FEF01-CFDC-4705-BBAE-88BD256BEE19}"/>
+                <a16:creationId xmlns:a16="http://schemas.microsoft.com/office/drawing/2014/main" xmlns="" id="{2B1FEF01-CFDC-4705-BBAE-88BD256BEE19}"/>
               </a:ext>
             </a:extLst>
           </p:cNvPr>
@@ -394,7 +394,7 @@
           <p:cNvPr id="11" name="Rectangle 10">
             <a:extLst>
               <a:ext uri="{FF2B5EF4-FFF2-40B4-BE49-F238E27FC236}">
-                <a16:creationId xmlns:a16="http://schemas.microsoft.com/office/drawing/2014/main" id="{776D622D-9BE6-4C9D-8064-B078A5E909E2}"/>
+                <a16:creationId xmlns:a16="http://schemas.microsoft.com/office/drawing/2014/main" xmlns="" id="{776D622D-9BE6-4C9D-8064-B078A5E909E2}"/>
               </a:ext>
             </a:extLst>
           </p:cNvPr>
@@ -456,7 +456,7 @@
           <p:cNvPr id="12" name="Rectangle 11">
             <a:extLst>
               <a:ext uri="{FF2B5EF4-FFF2-40B4-BE49-F238E27FC236}">
-                <a16:creationId xmlns:a16="http://schemas.microsoft.com/office/drawing/2014/main" id="{7B9C8AFD-31CF-44B5-815D-F706827DA94E}"/>
+                <a16:creationId xmlns:a16="http://schemas.microsoft.com/office/drawing/2014/main" xmlns="" id="{7B9C8AFD-31CF-44B5-815D-F706827DA94E}"/>
               </a:ext>
             </a:extLst>
           </p:cNvPr>
@@ -518,7 +518,7 @@
           <p:cNvPr id="13" name="Rectangle 12">
             <a:extLst>
               <a:ext uri="{FF2B5EF4-FFF2-40B4-BE49-F238E27FC236}">
-                <a16:creationId xmlns:a16="http://schemas.microsoft.com/office/drawing/2014/main" id="{CCB5F93B-4C98-41CB-94D6-75C066006312}"/>
+                <a16:creationId xmlns:a16="http://schemas.microsoft.com/office/drawing/2014/main" xmlns="" id="{CCB5F93B-4C98-41CB-94D6-75C066006312}"/>
               </a:ext>
             </a:extLst>
           </p:cNvPr>
@@ -580,7 +580,7 @@
           <p:cNvPr id="14" name="Picture 13">
             <a:extLst>
               <a:ext uri="{FF2B5EF4-FFF2-40B4-BE49-F238E27FC236}">
-                <a16:creationId xmlns:a16="http://schemas.microsoft.com/office/drawing/2014/main" id="{0F325318-E234-4F36-8B87-16BA513E587C}"/>
+                <a16:creationId xmlns:a16="http://schemas.microsoft.com/office/drawing/2014/main" xmlns="" id="{0F325318-E234-4F36-8B87-16BA513E587C}"/>
               </a:ext>
             </a:extLst>
           </p:cNvPr>
@@ -590,10 +590,10 @@
           <p:nvPr/>
         </p:nvPicPr>
         <p:blipFill>
-          <a:blip r:embed="rId3">
+          <a:blip r:embed="rId3" cstate="print">
             <a:extLst>
               <a:ext uri="{28A0092B-C50C-407E-A947-70E740481C1C}">
-                <a14:useLocalDpi xmlns:a14="http://schemas.microsoft.com/office/drawing/2010/main" val="0"/>
+                <a14:useLocalDpi xmlns:a14="http://schemas.microsoft.com/office/drawing/2010/main" xmlns="" val="0"/>
               </a:ext>
             </a:extLst>
           </a:blip>
@@ -616,7 +616,7 @@
           <p:cNvPr id="15" name="Picture 14">
             <a:extLst>
               <a:ext uri="{FF2B5EF4-FFF2-40B4-BE49-F238E27FC236}">
-                <a16:creationId xmlns:a16="http://schemas.microsoft.com/office/drawing/2014/main" id="{33C151AA-4A07-419B-9ED6-CEF6AC61C135}"/>
+                <a16:creationId xmlns:a16="http://schemas.microsoft.com/office/drawing/2014/main" xmlns="" id="{33C151AA-4A07-419B-9ED6-CEF6AC61C135}"/>
               </a:ext>
             </a:extLst>
           </p:cNvPr>
@@ -626,10 +626,10 @@
           <p:nvPr/>
         </p:nvPicPr>
         <p:blipFill>
-          <a:blip r:embed="rId4">
+          <a:blip r:embed="rId4" cstate="print">
             <a:extLst>
               <a:ext uri="{28A0092B-C50C-407E-A947-70E740481C1C}">
-                <a14:useLocalDpi xmlns:a14="http://schemas.microsoft.com/office/drawing/2010/main" val="0"/>
+                <a14:useLocalDpi xmlns:a14="http://schemas.microsoft.com/office/drawing/2010/main" xmlns="" val="0"/>
               </a:ext>
             </a:extLst>
           </a:blip>
@@ -652,7 +652,7 @@
           <p:cNvPr id="2" name="Title 1">
             <a:extLst>
               <a:ext uri="{FF2B5EF4-FFF2-40B4-BE49-F238E27FC236}">
-                <a16:creationId xmlns:a16="http://schemas.microsoft.com/office/drawing/2014/main" id="{357F1B1E-B7D1-4F84-BC64-4CE0DB37DA10}"/>
+                <a16:creationId xmlns:a16="http://schemas.microsoft.com/office/drawing/2014/main" xmlns="" id="{357F1B1E-B7D1-4F84-BC64-4CE0DB37DA10}"/>
               </a:ext>
             </a:extLst>
           </p:cNvPr>
@@ -700,7 +700,7 @@
           <p:cNvPr id="3" name="Subtitle 2">
             <a:extLst>
               <a:ext uri="{FF2B5EF4-FFF2-40B4-BE49-F238E27FC236}">
-                <a16:creationId xmlns:a16="http://schemas.microsoft.com/office/drawing/2014/main" id="{EE486D6E-6BA8-4C52-924A-59253267AF57}"/>
+                <a16:creationId xmlns:a16="http://schemas.microsoft.com/office/drawing/2014/main" xmlns="" id="{EE486D6E-6BA8-4C52-924A-59253267AF57}"/>
               </a:ext>
             </a:extLst>
           </p:cNvPr>
@@ -776,7 +776,7 @@
           <p:cNvPr id="4" name="Date Placeholder 3">
             <a:extLst>
               <a:ext uri="{FF2B5EF4-FFF2-40B4-BE49-F238E27FC236}">
-                <a16:creationId xmlns:a16="http://schemas.microsoft.com/office/drawing/2014/main" id="{D3A3C5C8-6BE2-42E9-8B5A-2ED21D041198}"/>
+                <a16:creationId xmlns:a16="http://schemas.microsoft.com/office/drawing/2014/main" xmlns="" id="{D3A3C5C8-6BE2-42E9-8B5A-2ED21D041198}"/>
               </a:ext>
             </a:extLst>
           </p:cNvPr>
@@ -794,7 +794,8 @@
           <a:p>
             <a:fld id="{D2474CCF-98B4-411A-8810-C31E8C29E19B}" type="datetimeFigureOut">
               <a:rPr lang="en-US" smtClean="0"/>
-              <a:t>11/10/2022</a:t>
+              <a:pPr/>
+              <a:t>9/10/2023</a:t>
             </a:fld>
             <a:endParaRPr lang="en-US"/>
           </a:p>
@@ -805,7 +806,7 @@
           <p:cNvPr id="5" name="Footer Placeholder 4">
             <a:extLst>
               <a:ext uri="{FF2B5EF4-FFF2-40B4-BE49-F238E27FC236}">
-                <a16:creationId xmlns:a16="http://schemas.microsoft.com/office/drawing/2014/main" id="{5318EDC7-CDC2-4407-9F8F-C0CEAA400966}"/>
+                <a16:creationId xmlns:a16="http://schemas.microsoft.com/office/drawing/2014/main" xmlns="" id="{5318EDC7-CDC2-4407-9F8F-C0CEAA400966}"/>
               </a:ext>
             </a:extLst>
           </p:cNvPr>
@@ -830,7 +831,7 @@
           <p:cNvPr id="6" name="Slide Number Placeholder 5">
             <a:extLst>
               <a:ext uri="{FF2B5EF4-FFF2-40B4-BE49-F238E27FC236}">
-                <a16:creationId xmlns:a16="http://schemas.microsoft.com/office/drawing/2014/main" id="{B6F695F3-58FF-4760-B1DC-C5025EA66D87}"/>
+                <a16:creationId xmlns:a16="http://schemas.microsoft.com/office/drawing/2014/main" xmlns="" id="{B6F695F3-58FF-4760-B1DC-C5025EA66D87}"/>
               </a:ext>
             </a:extLst>
           </p:cNvPr>
@@ -848,6 +849,7 @@
           <a:p>
             <a:fld id="{A1FD0E78-183D-4F7D-A18B-8A4BED7B6988}" type="slidenum">
               <a:rPr lang="en-US" smtClean="0"/>
+              <a:pPr/>
               <a:t>‹#›</a:t>
             </a:fld>
             <a:endParaRPr lang="en-US"/>
@@ -859,7 +861,7 @@
           <p:cNvPr id="17" name="Straight Connector 16">
             <a:extLst>
               <a:ext uri="{FF2B5EF4-FFF2-40B4-BE49-F238E27FC236}">
-                <a16:creationId xmlns:a16="http://schemas.microsoft.com/office/drawing/2014/main" id="{70565CEE-49E5-468C-A0B4-83E886C61D84}"/>
+                <a16:creationId xmlns:a16="http://schemas.microsoft.com/office/drawing/2014/main" xmlns="" id="{70565CEE-49E5-468C-A0B4-83E886C61D84}"/>
               </a:ext>
             </a:extLst>
           </p:cNvPr>
@@ -895,7 +897,7 @@
           <p:cNvPr id="18" name="Freeform: Shape 17">
             <a:extLst>
               <a:ext uri="{FF2B5EF4-FFF2-40B4-BE49-F238E27FC236}">
-                <a16:creationId xmlns:a16="http://schemas.microsoft.com/office/drawing/2014/main" id="{740C7E80-A24C-4396-B051-437EF1D79AB8}"/>
+                <a16:creationId xmlns:a16="http://schemas.microsoft.com/office/drawing/2014/main" xmlns="" id="{740C7E80-A24C-4396-B051-437EF1D79AB8}"/>
               </a:ext>
             </a:extLst>
           </p:cNvPr>
@@ -992,7 +994,7 @@
           <p:cNvPr id="19" name="Freeform: Shape 18">
             <a:extLst>
               <a:ext uri="{FF2B5EF4-FFF2-40B4-BE49-F238E27FC236}">
-                <a16:creationId xmlns:a16="http://schemas.microsoft.com/office/drawing/2014/main" id="{C52EBDC4-1E90-4F52-92F1-8C4F5999C539}"/>
+                <a16:creationId xmlns:a16="http://schemas.microsoft.com/office/drawing/2014/main" xmlns="" id="{C52EBDC4-1E90-4F52-92F1-8C4F5999C539}"/>
               </a:ext>
             </a:extLst>
           </p:cNvPr>
@@ -1087,7 +1089,7 @@
     </p:spTree>
     <p:extLst>
       <p:ext uri="{BB962C8B-B14F-4D97-AF65-F5344CB8AC3E}">
-        <p14:creationId xmlns:p14="http://schemas.microsoft.com/office/powerpoint/2010/main" val="1137530690"/>
+        <p14:creationId xmlns:p14="http://schemas.microsoft.com/office/powerpoint/2010/main" xmlns="" val="1137530690"/>
       </p:ext>
     </p:extLst>
   </p:cSld>
@@ -1119,7 +1121,7 @@
           <p:cNvPr id="2" name="Title 1">
             <a:extLst>
               <a:ext uri="{FF2B5EF4-FFF2-40B4-BE49-F238E27FC236}">
-                <a16:creationId xmlns:a16="http://schemas.microsoft.com/office/drawing/2014/main" id="{954B1346-0FB6-45C7-A96E-DBDDF4C7C069}"/>
+                <a16:creationId xmlns:a16="http://schemas.microsoft.com/office/drawing/2014/main" xmlns="" id="{954B1346-0FB6-45C7-A96E-DBDDF4C7C069}"/>
               </a:ext>
             </a:extLst>
           </p:cNvPr>
@@ -1147,7 +1149,7 @@
           <p:cNvPr id="3" name="Vertical Text Placeholder 2">
             <a:extLst>
               <a:ext uri="{FF2B5EF4-FFF2-40B4-BE49-F238E27FC236}">
-                <a16:creationId xmlns:a16="http://schemas.microsoft.com/office/drawing/2014/main" id="{5C29AF55-8DB4-4235-B18B-7CA1658AEA7D}"/>
+                <a16:creationId xmlns:a16="http://schemas.microsoft.com/office/drawing/2014/main" xmlns="" id="{5C29AF55-8DB4-4235-B18B-7CA1658AEA7D}"/>
               </a:ext>
             </a:extLst>
           </p:cNvPr>
@@ -1204,7 +1206,7 @@
           <p:cNvPr id="4" name="Date Placeholder 3">
             <a:extLst>
               <a:ext uri="{FF2B5EF4-FFF2-40B4-BE49-F238E27FC236}">
-                <a16:creationId xmlns:a16="http://schemas.microsoft.com/office/drawing/2014/main" id="{1AF36DFF-55B4-41FE-BF5D-FC115ECB708B}"/>
+                <a16:creationId xmlns:a16="http://schemas.microsoft.com/office/drawing/2014/main" xmlns="" id="{1AF36DFF-55B4-41FE-BF5D-FC115ECB708B}"/>
               </a:ext>
             </a:extLst>
           </p:cNvPr>
@@ -1222,7 +1224,8 @@
           <a:p>
             <a:fld id="{D2474CCF-98B4-411A-8810-C31E8C29E19B}" type="datetimeFigureOut">
               <a:rPr lang="en-US" smtClean="0"/>
-              <a:t>11/10/2022</a:t>
+              <a:pPr/>
+              <a:t>9/10/2023</a:t>
             </a:fld>
             <a:endParaRPr lang="en-US"/>
           </a:p>
@@ -1233,7 +1236,7 @@
           <p:cNvPr id="5" name="Footer Placeholder 4">
             <a:extLst>
               <a:ext uri="{FF2B5EF4-FFF2-40B4-BE49-F238E27FC236}">
-                <a16:creationId xmlns:a16="http://schemas.microsoft.com/office/drawing/2014/main" id="{CB1B04A8-2C06-4BAA-A780-6380C576F998}"/>
+                <a16:creationId xmlns:a16="http://schemas.microsoft.com/office/drawing/2014/main" xmlns="" id="{CB1B04A8-2C06-4BAA-A780-6380C576F998}"/>
               </a:ext>
             </a:extLst>
           </p:cNvPr>
@@ -1258,7 +1261,7 @@
           <p:cNvPr id="6" name="Slide Number Placeholder 5">
             <a:extLst>
               <a:ext uri="{FF2B5EF4-FFF2-40B4-BE49-F238E27FC236}">
-                <a16:creationId xmlns:a16="http://schemas.microsoft.com/office/drawing/2014/main" id="{5A3476E6-F3EA-4F13-B40F-1978B532D33E}"/>
+                <a16:creationId xmlns:a16="http://schemas.microsoft.com/office/drawing/2014/main" xmlns="" id="{5A3476E6-F3EA-4F13-B40F-1978B532D33E}"/>
               </a:ext>
             </a:extLst>
           </p:cNvPr>
@@ -1276,6 +1279,7 @@
           <a:p>
             <a:fld id="{A1FD0E78-183D-4F7D-A18B-8A4BED7B6988}" type="slidenum">
               <a:rPr lang="en-US" smtClean="0"/>
+              <a:pPr/>
               <a:t>‹#›</a:t>
             </a:fld>
             <a:endParaRPr lang="en-US"/>
@@ -1285,7 +1289,7 @@
     </p:spTree>
     <p:extLst>
       <p:ext uri="{BB962C8B-B14F-4D97-AF65-F5344CB8AC3E}">
-        <p14:creationId xmlns:p14="http://schemas.microsoft.com/office/powerpoint/2010/main" val="1738558996"/>
+        <p14:creationId xmlns:p14="http://schemas.microsoft.com/office/powerpoint/2010/main" xmlns="" val="1738558996"/>
       </p:ext>
     </p:extLst>
   </p:cSld>
@@ -1317,7 +1321,7 @@
           <p:cNvPr id="2" name="Vertical Title 1">
             <a:extLst>
               <a:ext uri="{FF2B5EF4-FFF2-40B4-BE49-F238E27FC236}">
-                <a16:creationId xmlns:a16="http://schemas.microsoft.com/office/drawing/2014/main" id="{8BDEE29A-7B74-4351-AF12-4B1C4A1C76B4}"/>
+                <a16:creationId xmlns:a16="http://schemas.microsoft.com/office/drawing/2014/main" xmlns="" id="{8BDEE29A-7B74-4351-AF12-4B1C4A1C76B4}"/>
               </a:ext>
             </a:extLst>
           </p:cNvPr>
@@ -1350,7 +1354,7 @@
           <p:cNvPr id="3" name="Vertical Text Placeholder 2">
             <a:extLst>
               <a:ext uri="{FF2B5EF4-FFF2-40B4-BE49-F238E27FC236}">
-                <a16:creationId xmlns:a16="http://schemas.microsoft.com/office/drawing/2014/main" id="{003DBD61-8BBB-4413-B521-69C6BA2EBDB8}"/>
+                <a16:creationId xmlns:a16="http://schemas.microsoft.com/office/drawing/2014/main" xmlns="" id="{003DBD61-8BBB-4413-B521-69C6BA2EBDB8}"/>
               </a:ext>
             </a:extLst>
           </p:cNvPr>
@@ -1412,7 +1416,7 @@
           <p:cNvPr id="4" name="Date Placeholder 3">
             <a:extLst>
               <a:ext uri="{FF2B5EF4-FFF2-40B4-BE49-F238E27FC236}">
-                <a16:creationId xmlns:a16="http://schemas.microsoft.com/office/drawing/2014/main" id="{83B486CF-3404-43E2-AAB7-B052FC466837}"/>
+                <a16:creationId xmlns:a16="http://schemas.microsoft.com/office/drawing/2014/main" xmlns="" id="{83B486CF-3404-43E2-AAB7-B052FC466837}"/>
               </a:ext>
             </a:extLst>
           </p:cNvPr>
@@ -1430,7 +1434,8 @@
           <a:p>
             <a:fld id="{D2474CCF-98B4-411A-8810-C31E8C29E19B}" type="datetimeFigureOut">
               <a:rPr lang="en-US" smtClean="0"/>
-              <a:t>11/10/2022</a:t>
+              <a:pPr/>
+              <a:t>9/10/2023</a:t>
             </a:fld>
             <a:endParaRPr lang="en-US"/>
           </a:p>
@@ -1441,7 +1446,7 @@
           <p:cNvPr id="5" name="Footer Placeholder 4">
             <a:extLst>
               <a:ext uri="{FF2B5EF4-FFF2-40B4-BE49-F238E27FC236}">
-                <a16:creationId xmlns:a16="http://schemas.microsoft.com/office/drawing/2014/main" id="{F37AE448-840B-441A-88AC-D0E89CE174BF}"/>
+                <a16:creationId xmlns:a16="http://schemas.microsoft.com/office/drawing/2014/main" xmlns="" id="{F37AE448-840B-441A-88AC-D0E89CE174BF}"/>
               </a:ext>
             </a:extLst>
           </p:cNvPr>
@@ -1466,7 +1471,7 @@
           <p:cNvPr id="6" name="Slide Number Placeholder 5">
             <a:extLst>
               <a:ext uri="{FF2B5EF4-FFF2-40B4-BE49-F238E27FC236}">
-                <a16:creationId xmlns:a16="http://schemas.microsoft.com/office/drawing/2014/main" id="{E3356B10-E457-4193-8E4C-4179814527ED}"/>
+                <a16:creationId xmlns:a16="http://schemas.microsoft.com/office/drawing/2014/main" xmlns="" id="{E3356B10-E457-4193-8E4C-4179814527ED}"/>
               </a:ext>
             </a:extLst>
           </p:cNvPr>
@@ -1484,6 +1489,7 @@
           <a:p>
             <a:fld id="{A1FD0E78-183D-4F7D-A18B-8A4BED7B6988}" type="slidenum">
               <a:rPr lang="en-US" smtClean="0"/>
+              <a:pPr/>
               <a:t>‹#›</a:t>
             </a:fld>
             <a:endParaRPr lang="en-US"/>
@@ -1493,7 +1499,7 @@
     </p:spTree>
     <p:extLst>
       <p:ext uri="{BB962C8B-B14F-4D97-AF65-F5344CB8AC3E}">
-        <p14:creationId xmlns:p14="http://schemas.microsoft.com/office/powerpoint/2010/main" val="1506037322"/>
+        <p14:creationId xmlns:p14="http://schemas.microsoft.com/office/powerpoint/2010/main" xmlns="" val="1506037322"/>
       </p:ext>
     </p:extLst>
   </p:cSld>
@@ -1525,7 +1531,7 @@
           <p:cNvPr id="7" name="Rectangle 6">
             <a:extLst>
               <a:ext uri="{FF2B5EF4-FFF2-40B4-BE49-F238E27FC236}">
-                <a16:creationId xmlns:a16="http://schemas.microsoft.com/office/drawing/2014/main" id="{A8C48660-697D-4BB9-97F6-A5BB6C764668}"/>
+                <a16:creationId xmlns:a16="http://schemas.microsoft.com/office/drawing/2014/main" xmlns="" id="{A8C48660-697D-4BB9-97F6-A5BB6C764668}"/>
               </a:ext>
             </a:extLst>
           </p:cNvPr>
@@ -1574,7 +1580,7 @@
           <p:cNvPr id="8" name="Rectangle 7">
             <a:extLst>
               <a:ext uri="{FF2B5EF4-FFF2-40B4-BE49-F238E27FC236}">
-                <a16:creationId xmlns:a16="http://schemas.microsoft.com/office/drawing/2014/main" id="{BD0BE8EE-2EB2-435C-9D5A-AAA15842A36C}"/>
+                <a16:creationId xmlns:a16="http://schemas.microsoft.com/office/drawing/2014/main" xmlns="" id="{BD0BE8EE-2EB2-435C-9D5A-AAA15842A36C}"/>
               </a:ext>
             </a:extLst>
           </p:cNvPr>
@@ -1631,7 +1637,7 @@
           <p:cNvPr id="9" name="Rectangle 8">
             <a:extLst>
               <a:ext uri="{FF2B5EF4-FFF2-40B4-BE49-F238E27FC236}">
-                <a16:creationId xmlns:a16="http://schemas.microsoft.com/office/drawing/2014/main" id="{423355C8-5657-4103-B600-59803F24DBFF}"/>
+                <a16:creationId xmlns:a16="http://schemas.microsoft.com/office/drawing/2014/main" xmlns="" id="{423355C8-5657-4103-B600-59803F24DBFF}"/>
               </a:ext>
             </a:extLst>
           </p:cNvPr>
@@ -1693,7 +1699,7 @@
           <p:cNvPr id="10" name="Rectangle 9">
             <a:extLst>
               <a:ext uri="{FF2B5EF4-FFF2-40B4-BE49-F238E27FC236}">
-                <a16:creationId xmlns:a16="http://schemas.microsoft.com/office/drawing/2014/main" id="{CFF2C038-CD71-4DD5-AD56-49FB9C0E8AF6}"/>
+                <a16:creationId xmlns:a16="http://schemas.microsoft.com/office/drawing/2014/main" xmlns="" id="{CFF2C038-CD71-4DD5-AD56-49FB9C0E8AF6}"/>
               </a:ext>
             </a:extLst>
           </p:cNvPr>
@@ -1755,7 +1761,7 @@
           <p:cNvPr id="11" name="Rectangle 10">
             <a:extLst>
               <a:ext uri="{FF2B5EF4-FFF2-40B4-BE49-F238E27FC236}">
-                <a16:creationId xmlns:a16="http://schemas.microsoft.com/office/drawing/2014/main" id="{D626EA1A-6BCF-4846-ABF3-498AD8F1EC82}"/>
+                <a16:creationId xmlns:a16="http://schemas.microsoft.com/office/drawing/2014/main" xmlns="" id="{D626EA1A-6BCF-4846-ABF3-498AD8F1EC82}"/>
               </a:ext>
             </a:extLst>
           </p:cNvPr>
@@ -1817,7 +1823,7 @@
           <p:cNvPr id="12" name="Rectangle 11">
             <a:extLst>
               <a:ext uri="{FF2B5EF4-FFF2-40B4-BE49-F238E27FC236}">
-                <a16:creationId xmlns:a16="http://schemas.microsoft.com/office/drawing/2014/main" id="{E91F1E9A-33FE-49BA-B69E-30EA3CC61DB9}"/>
+                <a16:creationId xmlns:a16="http://schemas.microsoft.com/office/drawing/2014/main" xmlns="" id="{E91F1E9A-33FE-49BA-B69E-30EA3CC61DB9}"/>
               </a:ext>
             </a:extLst>
           </p:cNvPr>
@@ -1879,7 +1885,7 @@
           <p:cNvPr id="13" name="Picture 12">
             <a:extLst>
               <a:ext uri="{FF2B5EF4-FFF2-40B4-BE49-F238E27FC236}">
-                <a16:creationId xmlns:a16="http://schemas.microsoft.com/office/drawing/2014/main" id="{B9CD68B3-2898-4D6B-B5C2-F62D51C485D5}"/>
+                <a16:creationId xmlns:a16="http://schemas.microsoft.com/office/drawing/2014/main" xmlns="" id="{B9CD68B3-2898-4D6B-B5C2-F62D51C485D5}"/>
               </a:ext>
             </a:extLst>
           </p:cNvPr>
@@ -1889,10 +1895,10 @@
           <p:nvPr/>
         </p:nvPicPr>
         <p:blipFill>
-          <a:blip r:embed="rId2">
+          <a:blip r:embed="rId2" cstate="print">
             <a:extLst>
               <a:ext uri="{28A0092B-C50C-407E-A947-70E740481C1C}">
-                <a14:useLocalDpi xmlns:a14="http://schemas.microsoft.com/office/drawing/2010/main" val="0"/>
+                <a14:useLocalDpi xmlns:a14="http://schemas.microsoft.com/office/drawing/2010/main" xmlns="" val="0"/>
               </a:ext>
             </a:extLst>
           </a:blip>
@@ -1915,7 +1921,7 @@
           <p:cNvPr id="14" name="Group 13">
             <a:extLst>
               <a:ext uri="{FF2B5EF4-FFF2-40B4-BE49-F238E27FC236}">
-                <a16:creationId xmlns:a16="http://schemas.microsoft.com/office/drawing/2014/main" id="{C4873B59-2742-4F87-99A9-E1AA8FCD8E50}"/>
+                <a16:creationId xmlns:a16="http://schemas.microsoft.com/office/drawing/2014/main" xmlns="" id="{C4873B59-2742-4F87-99A9-E1AA8FCD8E50}"/>
               </a:ext>
             </a:extLst>
           </p:cNvPr>
@@ -1935,7 +1941,7 @@
             <p:cNvPr id="15" name="Picture 14">
               <a:extLst>
                 <a:ext uri="{FF2B5EF4-FFF2-40B4-BE49-F238E27FC236}">
-                  <a16:creationId xmlns:a16="http://schemas.microsoft.com/office/drawing/2014/main" id="{289441B2-4EF5-4599-887F-42F7A59ADD20}"/>
+                  <a16:creationId xmlns:a16="http://schemas.microsoft.com/office/drawing/2014/main" xmlns="" id="{289441B2-4EF5-4599-887F-42F7A59ADD20}"/>
                 </a:ext>
               </a:extLst>
             </p:cNvPr>
@@ -1948,7 +1954,7 @@
             <a:blip r:embed="rId3">
               <a:extLst>
                 <a:ext uri="{28A0092B-C50C-407E-A947-70E740481C1C}">
-                  <a14:useLocalDpi xmlns:a14="http://schemas.microsoft.com/office/drawing/2010/main" val="0"/>
+                  <a14:useLocalDpi xmlns:a14="http://schemas.microsoft.com/office/drawing/2010/main" xmlns="" val="0"/>
                 </a:ext>
               </a:extLst>
             </a:blip>
@@ -1971,7 +1977,7 @@
             <p:cNvPr id="16" name="Rectangle 15">
               <a:extLst>
                 <a:ext uri="{FF2B5EF4-FFF2-40B4-BE49-F238E27FC236}">
-                  <a16:creationId xmlns:a16="http://schemas.microsoft.com/office/drawing/2014/main" id="{C4F730E1-3FAD-4138-ACCA-276E0BBA031B}"/>
+                  <a16:creationId xmlns:a16="http://schemas.microsoft.com/office/drawing/2014/main" xmlns="" id="{C4F730E1-3FAD-4138-ACCA-276E0BBA031B}"/>
                 </a:ext>
               </a:extLst>
             </p:cNvPr>
@@ -2026,7 +2032,7 @@
           <p:cNvPr id="2" name="Title 1">
             <a:extLst>
               <a:ext uri="{FF2B5EF4-FFF2-40B4-BE49-F238E27FC236}">
-                <a16:creationId xmlns:a16="http://schemas.microsoft.com/office/drawing/2014/main" id="{3F08D64F-302C-4B73-A9F2-946CA338260A}"/>
+                <a16:creationId xmlns:a16="http://schemas.microsoft.com/office/drawing/2014/main" xmlns="" id="{3F08D64F-302C-4B73-A9F2-946CA338260A}"/>
               </a:ext>
             </a:extLst>
           </p:cNvPr>
@@ -2072,7 +2078,7 @@
           <p:cNvPr id="3" name="Content Placeholder 2">
             <a:extLst>
               <a:ext uri="{FF2B5EF4-FFF2-40B4-BE49-F238E27FC236}">
-                <a16:creationId xmlns:a16="http://schemas.microsoft.com/office/drawing/2014/main" id="{372EB2DC-2ADD-4476-921C-5457C12D154E}"/>
+                <a16:creationId xmlns:a16="http://schemas.microsoft.com/office/drawing/2014/main" xmlns="" id="{372EB2DC-2ADD-4476-921C-5457C12D154E}"/>
               </a:ext>
             </a:extLst>
           </p:cNvPr>
@@ -2188,7 +2194,7 @@
           <p:cNvPr id="4" name="Date Placeholder 3">
             <a:extLst>
               <a:ext uri="{FF2B5EF4-FFF2-40B4-BE49-F238E27FC236}">
-                <a16:creationId xmlns:a16="http://schemas.microsoft.com/office/drawing/2014/main" id="{C68B0C41-3748-45BA-AC12-3356750D6CCC}"/>
+                <a16:creationId xmlns:a16="http://schemas.microsoft.com/office/drawing/2014/main" xmlns="" id="{C68B0C41-3748-45BA-AC12-3356750D6CCC}"/>
               </a:ext>
             </a:extLst>
           </p:cNvPr>
@@ -2206,7 +2212,8 @@
           <a:p>
             <a:fld id="{D2474CCF-98B4-411A-8810-C31E8C29E19B}" type="datetimeFigureOut">
               <a:rPr lang="en-US" smtClean="0"/>
-              <a:t>11/10/2022</a:t>
+              <a:pPr/>
+              <a:t>9/10/2023</a:t>
             </a:fld>
             <a:endParaRPr lang="en-US"/>
           </a:p>
@@ -2217,7 +2224,7 @@
           <p:cNvPr id="5" name="Footer Placeholder 4">
             <a:extLst>
               <a:ext uri="{FF2B5EF4-FFF2-40B4-BE49-F238E27FC236}">
-                <a16:creationId xmlns:a16="http://schemas.microsoft.com/office/drawing/2014/main" id="{B2BC5298-80C2-435C-BE19-55A311B75B01}"/>
+                <a16:creationId xmlns:a16="http://schemas.microsoft.com/office/drawing/2014/main" xmlns="" id="{B2BC5298-80C2-435C-BE19-55A311B75B01}"/>
               </a:ext>
             </a:extLst>
           </p:cNvPr>
@@ -2242,7 +2249,7 @@
           <p:cNvPr id="6" name="Slide Number Placeholder 5">
             <a:extLst>
               <a:ext uri="{FF2B5EF4-FFF2-40B4-BE49-F238E27FC236}">
-                <a16:creationId xmlns:a16="http://schemas.microsoft.com/office/drawing/2014/main" id="{81E8E2F2-0AF5-4302-9483-8FB2AC4A12E3}"/>
+                <a16:creationId xmlns:a16="http://schemas.microsoft.com/office/drawing/2014/main" xmlns="" id="{81E8E2F2-0AF5-4302-9483-8FB2AC4A12E3}"/>
               </a:ext>
             </a:extLst>
           </p:cNvPr>
@@ -2260,6 +2267,7 @@
           <a:p>
             <a:fld id="{A1FD0E78-183D-4F7D-A18B-8A4BED7B6988}" type="slidenum">
               <a:rPr lang="en-US" smtClean="0"/>
+              <a:pPr/>
               <a:t>‹#›</a:t>
             </a:fld>
             <a:endParaRPr lang="en-US"/>
@@ -2269,7 +2277,7 @@
     </p:spTree>
     <p:extLst>
       <p:ext uri="{BB962C8B-B14F-4D97-AF65-F5344CB8AC3E}">
-        <p14:creationId xmlns:p14="http://schemas.microsoft.com/office/powerpoint/2010/main" val="4191452652"/>
+        <p14:creationId xmlns:p14="http://schemas.microsoft.com/office/powerpoint/2010/main" xmlns="" val="4191452652"/>
       </p:ext>
     </p:extLst>
   </p:cSld>
@@ -2301,7 +2309,7 @@
           <p:cNvPr id="7" name="Rectangle 6">
             <a:extLst>
               <a:ext uri="{FF2B5EF4-FFF2-40B4-BE49-F238E27FC236}">
-                <a16:creationId xmlns:a16="http://schemas.microsoft.com/office/drawing/2014/main" id="{CD1C76EB-EFA3-4D98-BF85-9CBAD51246C3}"/>
+                <a16:creationId xmlns:a16="http://schemas.microsoft.com/office/drawing/2014/main" xmlns="" id="{CD1C76EB-EFA3-4D98-BF85-9CBAD51246C3}"/>
               </a:ext>
             </a:extLst>
           </p:cNvPr>
@@ -2353,7 +2361,7 @@
           <p:cNvPr id="8" name="Rectangle 7">
             <a:extLst>
               <a:ext uri="{FF2B5EF4-FFF2-40B4-BE49-F238E27FC236}">
-                <a16:creationId xmlns:a16="http://schemas.microsoft.com/office/drawing/2014/main" id="{70F9218A-B816-4B5F-A0BE-D0AAD688BCDE}"/>
+                <a16:creationId xmlns:a16="http://schemas.microsoft.com/office/drawing/2014/main" xmlns="" id="{70F9218A-B816-4B5F-A0BE-D0AAD688BCDE}"/>
               </a:ext>
             </a:extLst>
           </p:cNvPr>
@@ -2410,7 +2418,7 @@
           <p:cNvPr id="9" name="Picture 8">
             <a:extLst>
               <a:ext uri="{FF2B5EF4-FFF2-40B4-BE49-F238E27FC236}">
-                <a16:creationId xmlns:a16="http://schemas.microsoft.com/office/drawing/2014/main" id="{07792D18-2682-4285-9429-837643BCD1C7}"/>
+                <a16:creationId xmlns:a16="http://schemas.microsoft.com/office/drawing/2014/main" xmlns="" id="{07792D18-2682-4285-9429-837643BCD1C7}"/>
               </a:ext>
             </a:extLst>
           </p:cNvPr>
@@ -2420,11 +2428,11 @@
           <p:nvPr/>
         </p:nvPicPr>
         <p:blipFill>
-          <a:blip r:embed="rId2">
+          <a:blip r:embed="rId2" cstate="print">
             <a:biLevel thresh="25000"/>
             <a:extLst>
               <a:ext uri="{28A0092B-C50C-407E-A947-70E740481C1C}">
-                <a14:useLocalDpi xmlns:a14="http://schemas.microsoft.com/office/drawing/2010/main" val="0"/>
+                <a14:useLocalDpi xmlns:a14="http://schemas.microsoft.com/office/drawing/2010/main" xmlns="" val="0"/>
               </a:ext>
             </a:extLst>
           </a:blip>
@@ -2447,7 +2455,7 @@
           <p:cNvPr id="10" name="Rectangle 9">
             <a:extLst>
               <a:ext uri="{FF2B5EF4-FFF2-40B4-BE49-F238E27FC236}">
-                <a16:creationId xmlns:a16="http://schemas.microsoft.com/office/drawing/2014/main" id="{31E5457F-D05E-4FBC-AA16-B4542B833804}"/>
+                <a16:creationId xmlns:a16="http://schemas.microsoft.com/office/drawing/2014/main" xmlns="" id="{31E5457F-D05E-4FBC-AA16-B4542B833804}"/>
               </a:ext>
             </a:extLst>
           </p:cNvPr>
@@ -2509,7 +2517,7 @@
           <p:cNvPr id="11" name="Rectangle 10">
             <a:extLst>
               <a:ext uri="{FF2B5EF4-FFF2-40B4-BE49-F238E27FC236}">
-                <a16:creationId xmlns:a16="http://schemas.microsoft.com/office/drawing/2014/main" id="{3D20450F-F92F-43A7-B557-0485260B48EC}"/>
+                <a16:creationId xmlns:a16="http://schemas.microsoft.com/office/drawing/2014/main" xmlns="" id="{3D20450F-F92F-43A7-B557-0485260B48EC}"/>
               </a:ext>
             </a:extLst>
           </p:cNvPr>
@@ -2571,7 +2579,7 @@
           <p:cNvPr id="12" name="Rectangle 11">
             <a:extLst>
               <a:ext uri="{FF2B5EF4-FFF2-40B4-BE49-F238E27FC236}">
-                <a16:creationId xmlns:a16="http://schemas.microsoft.com/office/drawing/2014/main" id="{20D495CD-0755-4CD0-952C-38FDFD818912}"/>
+                <a16:creationId xmlns:a16="http://schemas.microsoft.com/office/drawing/2014/main" xmlns="" id="{20D495CD-0755-4CD0-952C-38FDFD818912}"/>
               </a:ext>
             </a:extLst>
           </p:cNvPr>
@@ -2633,7 +2641,7 @@
           <p:cNvPr id="13" name="Rectangle 12">
             <a:extLst>
               <a:ext uri="{FF2B5EF4-FFF2-40B4-BE49-F238E27FC236}">
-                <a16:creationId xmlns:a16="http://schemas.microsoft.com/office/drawing/2014/main" id="{F756530E-6471-4A98-9409-D28702635498}"/>
+                <a16:creationId xmlns:a16="http://schemas.microsoft.com/office/drawing/2014/main" xmlns="" id="{F756530E-6471-4A98-9409-D28702635498}"/>
               </a:ext>
             </a:extLst>
           </p:cNvPr>
@@ -2695,7 +2703,7 @@
           <p:cNvPr id="2" name="Title 1">
             <a:extLst>
               <a:ext uri="{FF2B5EF4-FFF2-40B4-BE49-F238E27FC236}">
-                <a16:creationId xmlns:a16="http://schemas.microsoft.com/office/drawing/2014/main" id="{54E16744-0EC5-4409-8030-9D707EE1A1D6}"/>
+                <a16:creationId xmlns:a16="http://schemas.microsoft.com/office/drawing/2014/main" xmlns="" id="{54E16744-0EC5-4409-8030-9D707EE1A1D6}"/>
               </a:ext>
             </a:extLst>
           </p:cNvPr>
@@ -2740,7 +2748,7 @@
           <p:cNvPr id="3" name="Text Placeholder 2">
             <a:extLst>
               <a:ext uri="{FF2B5EF4-FFF2-40B4-BE49-F238E27FC236}">
-                <a16:creationId xmlns:a16="http://schemas.microsoft.com/office/drawing/2014/main" id="{C98CF225-F19A-40FE-9134-ADAC53A2CB8E}"/>
+                <a16:creationId xmlns:a16="http://schemas.microsoft.com/office/drawing/2014/main" xmlns="" id="{C98CF225-F19A-40FE-9134-ADAC53A2CB8E}"/>
               </a:ext>
             </a:extLst>
           </p:cNvPr>
@@ -2866,7 +2874,7 @@
           <p:cNvPr id="4" name="Date Placeholder 3">
             <a:extLst>
               <a:ext uri="{FF2B5EF4-FFF2-40B4-BE49-F238E27FC236}">
-                <a16:creationId xmlns:a16="http://schemas.microsoft.com/office/drawing/2014/main" id="{E6052890-A463-40F0-8781-AB9ECF34701B}"/>
+                <a16:creationId xmlns:a16="http://schemas.microsoft.com/office/drawing/2014/main" xmlns="" id="{E6052890-A463-40F0-8781-AB9ECF34701B}"/>
               </a:ext>
             </a:extLst>
           </p:cNvPr>
@@ -2884,7 +2892,8 @@
           <a:p>
             <a:fld id="{D2474CCF-98B4-411A-8810-C31E8C29E19B}" type="datetimeFigureOut">
               <a:rPr lang="en-US" smtClean="0"/>
-              <a:t>11/10/2022</a:t>
+              <a:pPr/>
+              <a:t>9/10/2023</a:t>
             </a:fld>
             <a:endParaRPr lang="en-US"/>
           </a:p>
@@ -2895,7 +2904,7 @@
           <p:cNvPr id="5" name="Footer Placeholder 4">
             <a:extLst>
               <a:ext uri="{FF2B5EF4-FFF2-40B4-BE49-F238E27FC236}">
-                <a16:creationId xmlns:a16="http://schemas.microsoft.com/office/drawing/2014/main" id="{4B4EBFC2-28E7-4B50-9949-2BDA85E26BB6}"/>
+                <a16:creationId xmlns:a16="http://schemas.microsoft.com/office/drawing/2014/main" xmlns="" id="{4B4EBFC2-28E7-4B50-9949-2BDA85E26BB6}"/>
               </a:ext>
             </a:extLst>
           </p:cNvPr>
@@ -2920,7 +2929,7 @@
           <p:cNvPr id="6" name="Slide Number Placeholder 5">
             <a:extLst>
               <a:ext uri="{FF2B5EF4-FFF2-40B4-BE49-F238E27FC236}">
-                <a16:creationId xmlns:a16="http://schemas.microsoft.com/office/drawing/2014/main" id="{90C98516-7864-4AE1-84EA-04757DF14368}"/>
+                <a16:creationId xmlns:a16="http://schemas.microsoft.com/office/drawing/2014/main" xmlns="" id="{90C98516-7864-4AE1-84EA-04757DF14368}"/>
               </a:ext>
             </a:extLst>
           </p:cNvPr>
@@ -2938,6 +2947,7 @@
           <a:p>
             <a:fld id="{A1FD0E78-183D-4F7D-A18B-8A4BED7B6988}" type="slidenum">
               <a:rPr lang="en-US" smtClean="0"/>
+              <a:pPr/>
               <a:t>‹#›</a:t>
             </a:fld>
             <a:endParaRPr lang="en-US"/>
@@ -2949,7 +2959,7 @@
           <p:cNvPr id="14" name="Straight Connector 13">
             <a:extLst>
               <a:ext uri="{FF2B5EF4-FFF2-40B4-BE49-F238E27FC236}">
-                <a16:creationId xmlns:a16="http://schemas.microsoft.com/office/drawing/2014/main" id="{709AA055-0DD5-4F16-B6C2-4900CC928098}"/>
+                <a16:creationId xmlns:a16="http://schemas.microsoft.com/office/drawing/2014/main" xmlns="" id="{709AA055-0DD5-4F16-B6C2-4900CC928098}"/>
               </a:ext>
             </a:extLst>
           </p:cNvPr>
@@ -2983,7 +2993,7 @@
     </p:spTree>
     <p:extLst>
       <p:ext uri="{BB962C8B-B14F-4D97-AF65-F5344CB8AC3E}">
-        <p14:creationId xmlns:p14="http://schemas.microsoft.com/office/powerpoint/2010/main" val="3753181276"/>
+        <p14:creationId xmlns:p14="http://schemas.microsoft.com/office/powerpoint/2010/main" xmlns="" val="3753181276"/>
       </p:ext>
     </p:extLst>
   </p:cSld>
@@ -3015,7 +3025,7 @@
           <p:cNvPr id="8" name="Rectangle 7">
             <a:extLst>
               <a:ext uri="{FF2B5EF4-FFF2-40B4-BE49-F238E27FC236}">
-                <a16:creationId xmlns:a16="http://schemas.microsoft.com/office/drawing/2014/main" id="{428ED813-B8D0-48D3-B71C-48DF5BDC9A90}"/>
+                <a16:creationId xmlns:a16="http://schemas.microsoft.com/office/drawing/2014/main" xmlns="" id="{428ED813-B8D0-48D3-B71C-48DF5BDC9A90}"/>
               </a:ext>
             </a:extLst>
           </p:cNvPr>
@@ -3064,7 +3074,7 @@
           <p:cNvPr id="9" name="Rectangle 8">
             <a:extLst>
               <a:ext uri="{FF2B5EF4-FFF2-40B4-BE49-F238E27FC236}">
-                <a16:creationId xmlns:a16="http://schemas.microsoft.com/office/drawing/2014/main" id="{FDF0879C-37D2-4E04-A609-4FEBD2EB69A2}"/>
+                <a16:creationId xmlns:a16="http://schemas.microsoft.com/office/drawing/2014/main" xmlns="" id="{FDF0879C-37D2-4E04-A609-4FEBD2EB69A2}"/>
               </a:ext>
             </a:extLst>
           </p:cNvPr>
@@ -3121,7 +3131,7 @@
           <p:cNvPr id="10" name="Rectangle 9">
             <a:extLst>
               <a:ext uri="{FF2B5EF4-FFF2-40B4-BE49-F238E27FC236}">
-                <a16:creationId xmlns:a16="http://schemas.microsoft.com/office/drawing/2014/main" id="{94C859E1-EF9A-419B-B3AC-AEA4B510D174}"/>
+                <a16:creationId xmlns:a16="http://schemas.microsoft.com/office/drawing/2014/main" xmlns="" id="{94C859E1-EF9A-419B-B3AC-AEA4B510D174}"/>
               </a:ext>
             </a:extLst>
           </p:cNvPr>
@@ -3183,7 +3193,7 @@
           <p:cNvPr id="11" name="Rectangle 10">
             <a:extLst>
               <a:ext uri="{FF2B5EF4-FFF2-40B4-BE49-F238E27FC236}">
-                <a16:creationId xmlns:a16="http://schemas.microsoft.com/office/drawing/2014/main" id="{D14C3DBE-5B2C-4C2D-8079-CF803A046CD5}"/>
+                <a16:creationId xmlns:a16="http://schemas.microsoft.com/office/drawing/2014/main" xmlns="" id="{D14C3DBE-5B2C-4C2D-8079-CF803A046CD5}"/>
               </a:ext>
             </a:extLst>
           </p:cNvPr>
@@ -3245,7 +3255,7 @@
           <p:cNvPr id="12" name="Rectangle 11">
             <a:extLst>
               <a:ext uri="{FF2B5EF4-FFF2-40B4-BE49-F238E27FC236}">
-                <a16:creationId xmlns:a16="http://schemas.microsoft.com/office/drawing/2014/main" id="{ECE1258E-5E7B-49D9-AB2A-3FCE6F2AE3D9}"/>
+                <a16:creationId xmlns:a16="http://schemas.microsoft.com/office/drawing/2014/main" xmlns="" id="{ECE1258E-5E7B-49D9-AB2A-3FCE6F2AE3D9}"/>
               </a:ext>
             </a:extLst>
           </p:cNvPr>
@@ -3307,7 +3317,7 @@
           <p:cNvPr id="13" name="Rectangle 12">
             <a:extLst>
               <a:ext uri="{FF2B5EF4-FFF2-40B4-BE49-F238E27FC236}">
-                <a16:creationId xmlns:a16="http://schemas.microsoft.com/office/drawing/2014/main" id="{EF2A0B40-AB4B-42CA-AD19-364DF8432A34}"/>
+                <a16:creationId xmlns:a16="http://schemas.microsoft.com/office/drawing/2014/main" xmlns="" id="{EF2A0B40-AB4B-42CA-AD19-364DF8432A34}"/>
               </a:ext>
             </a:extLst>
           </p:cNvPr>
@@ -3369,7 +3379,7 @@
           <p:cNvPr id="14" name="Picture 13">
             <a:extLst>
               <a:ext uri="{FF2B5EF4-FFF2-40B4-BE49-F238E27FC236}">
-                <a16:creationId xmlns:a16="http://schemas.microsoft.com/office/drawing/2014/main" id="{5ACF1E32-F9E6-49E7-B655-4856AC619B36}"/>
+                <a16:creationId xmlns:a16="http://schemas.microsoft.com/office/drawing/2014/main" xmlns="" id="{5ACF1E32-F9E6-49E7-B655-4856AC619B36}"/>
               </a:ext>
             </a:extLst>
           </p:cNvPr>
@@ -3379,10 +3389,10 @@
           <p:nvPr/>
         </p:nvPicPr>
         <p:blipFill>
-          <a:blip r:embed="rId2">
+          <a:blip r:embed="rId2" cstate="print">
             <a:extLst>
               <a:ext uri="{28A0092B-C50C-407E-A947-70E740481C1C}">
-                <a14:useLocalDpi xmlns:a14="http://schemas.microsoft.com/office/drawing/2010/main" val="0"/>
+                <a14:useLocalDpi xmlns:a14="http://schemas.microsoft.com/office/drawing/2010/main" xmlns="" val="0"/>
               </a:ext>
             </a:extLst>
           </a:blip>
@@ -3405,7 +3415,7 @@
           <p:cNvPr id="2" name="Title 1">
             <a:extLst>
               <a:ext uri="{FF2B5EF4-FFF2-40B4-BE49-F238E27FC236}">
-                <a16:creationId xmlns:a16="http://schemas.microsoft.com/office/drawing/2014/main" id="{F3355067-D68C-4E9D-814B-94F341ACA832}"/>
+                <a16:creationId xmlns:a16="http://schemas.microsoft.com/office/drawing/2014/main" xmlns="" id="{F3355067-D68C-4E9D-814B-94F341ACA832}"/>
               </a:ext>
             </a:extLst>
           </p:cNvPr>
@@ -3433,7 +3443,7 @@
           <p:cNvPr id="3" name="Content Placeholder 2">
             <a:extLst>
               <a:ext uri="{FF2B5EF4-FFF2-40B4-BE49-F238E27FC236}">
-                <a16:creationId xmlns:a16="http://schemas.microsoft.com/office/drawing/2014/main" id="{E7E56A77-566F-415D-85B3-C170D979EF12}"/>
+                <a16:creationId xmlns:a16="http://schemas.microsoft.com/office/drawing/2014/main" xmlns="" id="{E7E56A77-566F-415D-85B3-C170D979EF12}"/>
               </a:ext>
             </a:extLst>
           </p:cNvPr>
@@ -3495,7 +3505,7 @@
           <p:cNvPr id="4" name="Content Placeholder 3">
             <a:extLst>
               <a:ext uri="{FF2B5EF4-FFF2-40B4-BE49-F238E27FC236}">
-                <a16:creationId xmlns:a16="http://schemas.microsoft.com/office/drawing/2014/main" id="{B022F81A-5D76-4DBF-9DF9-92CD90E7067D}"/>
+                <a16:creationId xmlns:a16="http://schemas.microsoft.com/office/drawing/2014/main" xmlns="" id="{B022F81A-5D76-4DBF-9DF9-92CD90E7067D}"/>
               </a:ext>
             </a:extLst>
           </p:cNvPr>
@@ -3557,7 +3567,7 @@
           <p:cNvPr id="5" name="Date Placeholder 4">
             <a:extLst>
               <a:ext uri="{FF2B5EF4-FFF2-40B4-BE49-F238E27FC236}">
-                <a16:creationId xmlns:a16="http://schemas.microsoft.com/office/drawing/2014/main" id="{F71F8005-F81C-45EB-B6F5-872E765EC87A}"/>
+                <a16:creationId xmlns:a16="http://schemas.microsoft.com/office/drawing/2014/main" xmlns="" id="{F71F8005-F81C-45EB-B6F5-872E765EC87A}"/>
               </a:ext>
             </a:extLst>
           </p:cNvPr>
@@ -3575,7 +3585,8 @@
           <a:p>
             <a:fld id="{D2474CCF-98B4-411A-8810-C31E8C29E19B}" type="datetimeFigureOut">
               <a:rPr lang="en-US" smtClean="0"/>
-              <a:t>11/10/2022</a:t>
+              <a:pPr/>
+              <a:t>9/10/2023</a:t>
             </a:fld>
             <a:endParaRPr lang="en-US"/>
           </a:p>
@@ -3586,7 +3597,7 @@
           <p:cNvPr id="6" name="Footer Placeholder 5">
             <a:extLst>
               <a:ext uri="{FF2B5EF4-FFF2-40B4-BE49-F238E27FC236}">
-                <a16:creationId xmlns:a16="http://schemas.microsoft.com/office/drawing/2014/main" id="{2062E53F-F0E3-4A6E-B3B1-F5491F54889A}"/>
+                <a16:creationId xmlns:a16="http://schemas.microsoft.com/office/drawing/2014/main" xmlns="" id="{2062E53F-F0E3-4A6E-B3B1-F5491F54889A}"/>
               </a:ext>
             </a:extLst>
           </p:cNvPr>
@@ -3611,7 +3622,7 @@
           <p:cNvPr id="7" name="Slide Number Placeholder 6">
             <a:extLst>
               <a:ext uri="{FF2B5EF4-FFF2-40B4-BE49-F238E27FC236}">
-                <a16:creationId xmlns:a16="http://schemas.microsoft.com/office/drawing/2014/main" id="{A8B69BF3-2B4A-42F7-B934-99F11627F82D}"/>
+                <a16:creationId xmlns:a16="http://schemas.microsoft.com/office/drawing/2014/main" xmlns="" id="{A8B69BF3-2B4A-42F7-B934-99F11627F82D}"/>
               </a:ext>
             </a:extLst>
           </p:cNvPr>
@@ -3629,6 +3640,7 @@
           <a:p>
             <a:fld id="{A1FD0E78-183D-4F7D-A18B-8A4BED7B6988}" type="slidenum">
               <a:rPr lang="en-US" smtClean="0"/>
+              <a:pPr/>
               <a:t>‹#›</a:t>
             </a:fld>
             <a:endParaRPr lang="en-US"/>
@@ -3638,7 +3650,7 @@
     </p:spTree>
     <p:extLst>
       <p:ext uri="{BB962C8B-B14F-4D97-AF65-F5344CB8AC3E}">
-        <p14:creationId xmlns:p14="http://schemas.microsoft.com/office/powerpoint/2010/main" val="2838539625"/>
+        <p14:creationId xmlns:p14="http://schemas.microsoft.com/office/powerpoint/2010/main" xmlns="" val="2838539625"/>
       </p:ext>
     </p:extLst>
   </p:cSld>
@@ -3670,7 +3682,7 @@
           <p:cNvPr id="10" name="Rectangle 9">
             <a:extLst>
               <a:ext uri="{FF2B5EF4-FFF2-40B4-BE49-F238E27FC236}">
-                <a16:creationId xmlns:a16="http://schemas.microsoft.com/office/drawing/2014/main" id="{5894546B-A81A-48D4-B4C5-7E2E6285F424}"/>
+                <a16:creationId xmlns:a16="http://schemas.microsoft.com/office/drawing/2014/main" xmlns="" id="{5894546B-A81A-48D4-B4C5-7E2E6285F424}"/>
               </a:ext>
             </a:extLst>
           </p:cNvPr>
@@ -3719,7 +3731,7 @@
           <p:cNvPr id="11" name="Rectangle 10">
             <a:extLst>
               <a:ext uri="{FF2B5EF4-FFF2-40B4-BE49-F238E27FC236}">
-                <a16:creationId xmlns:a16="http://schemas.microsoft.com/office/drawing/2014/main" id="{39C06CAA-5E4F-43E2-8A98-36361486A3A4}"/>
+                <a16:creationId xmlns:a16="http://schemas.microsoft.com/office/drawing/2014/main" xmlns="" id="{39C06CAA-5E4F-43E2-8A98-36361486A3A4}"/>
               </a:ext>
             </a:extLst>
           </p:cNvPr>
@@ -3776,7 +3788,7 @@
           <p:cNvPr id="12" name="Rectangle 11">
             <a:extLst>
               <a:ext uri="{FF2B5EF4-FFF2-40B4-BE49-F238E27FC236}">
-                <a16:creationId xmlns:a16="http://schemas.microsoft.com/office/drawing/2014/main" id="{128E28CB-622A-4807-91B6-87A76E180121}"/>
+                <a16:creationId xmlns:a16="http://schemas.microsoft.com/office/drawing/2014/main" xmlns="" id="{128E28CB-622A-4807-91B6-87A76E180121}"/>
               </a:ext>
             </a:extLst>
           </p:cNvPr>
@@ -3838,7 +3850,7 @@
           <p:cNvPr id="13" name="Rectangle 12">
             <a:extLst>
               <a:ext uri="{FF2B5EF4-FFF2-40B4-BE49-F238E27FC236}">
-                <a16:creationId xmlns:a16="http://schemas.microsoft.com/office/drawing/2014/main" id="{9C30D63E-AE12-491E-81E4-B3C25BA710AC}"/>
+                <a16:creationId xmlns:a16="http://schemas.microsoft.com/office/drawing/2014/main" xmlns="" id="{9C30D63E-AE12-491E-81E4-B3C25BA710AC}"/>
               </a:ext>
             </a:extLst>
           </p:cNvPr>
@@ -3900,7 +3912,7 @@
           <p:cNvPr id="14" name="Rectangle 13">
             <a:extLst>
               <a:ext uri="{FF2B5EF4-FFF2-40B4-BE49-F238E27FC236}">
-                <a16:creationId xmlns:a16="http://schemas.microsoft.com/office/drawing/2014/main" id="{BEA4929A-0E7F-4B2B-81BC-6899210E604F}"/>
+                <a16:creationId xmlns:a16="http://schemas.microsoft.com/office/drawing/2014/main" xmlns="" id="{BEA4929A-0E7F-4B2B-81BC-6899210E604F}"/>
               </a:ext>
             </a:extLst>
           </p:cNvPr>
@@ -3962,7 +3974,7 @@
           <p:cNvPr id="15" name="Rectangle 14">
             <a:extLst>
               <a:ext uri="{FF2B5EF4-FFF2-40B4-BE49-F238E27FC236}">
-                <a16:creationId xmlns:a16="http://schemas.microsoft.com/office/drawing/2014/main" id="{4C27A026-FFDC-4CB9-9AB8-BB4B31660FD8}"/>
+                <a16:creationId xmlns:a16="http://schemas.microsoft.com/office/drawing/2014/main" xmlns="" id="{4C27A026-FFDC-4CB9-9AB8-BB4B31660FD8}"/>
               </a:ext>
             </a:extLst>
           </p:cNvPr>
@@ -4024,7 +4036,7 @@
           <p:cNvPr id="16" name="Picture 15">
             <a:extLst>
               <a:ext uri="{FF2B5EF4-FFF2-40B4-BE49-F238E27FC236}">
-                <a16:creationId xmlns:a16="http://schemas.microsoft.com/office/drawing/2014/main" id="{CE0FBF31-43A4-4034-8688-BF6697211B67}"/>
+                <a16:creationId xmlns:a16="http://schemas.microsoft.com/office/drawing/2014/main" xmlns="" id="{CE0FBF31-43A4-4034-8688-BF6697211B67}"/>
               </a:ext>
             </a:extLst>
           </p:cNvPr>
@@ -4034,10 +4046,10 @@
           <p:nvPr/>
         </p:nvPicPr>
         <p:blipFill>
-          <a:blip r:embed="rId2">
+          <a:blip r:embed="rId2" cstate="print">
             <a:extLst>
               <a:ext uri="{28A0092B-C50C-407E-A947-70E740481C1C}">
-                <a14:useLocalDpi xmlns:a14="http://schemas.microsoft.com/office/drawing/2010/main" val="0"/>
+                <a14:useLocalDpi xmlns:a14="http://schemas.microsoft.com/office/drawing/2010/main" xmlns="" val="0"/>
               </a:ext>
             </a:extLst>
           </a:blip>
@@ -4060,7 +4072,7 @@
           <p:cNvPr id="2" name="Title 1">
             <a:extLst>
               <a:ext uri="{FF2B5EF4-FFF2-40B4-BE49-F238E27FC236}">
-                <a16:creationId xmlns:a16="http://schemas.microsoft.com/office/drawing/2014/main" id="{FA67B1EE-D3B9-4A72-BB78-BEAFBE1FD62F}"/>
+                <a16:creationId xmlns:a16="http://schemas.microsoft.com/office/drawing/2014/main" xmlns="" id="{FA67B1EE-D3B9-4A72-BB78-BEAFBE1FD62F}"/>
               </a:ext>
             </a:extLst>
           </p:cNvPr>
@@ -4093,7 +4105,7 @@
           <p:cNvPr id="3" name="Text Placeholder 2">
             <a:extLst>
               <a:ext uri="{FF2B5EF4-FFF2-40B4-BE49-F238E27FC236}">
-                <a16:creationId xmlns:a16="http://schemas.microsoft.com/office/drawing/2014/main" id="{53C1261F-F460-4F19-99F4-F65B97B6FB44}"/>
+                <a16:creationId xmlns:a16="http://schemas.microsoft.com/office/drawing/2014/main" xmlns="" id="{53C1261F-F460-4F19-99F4-F65B97B6FB44}"/>
               </a:ext>
             </a:extLst>
           </p:cNvPr>
@@ -4164,7 +4176,7 @@
           <p:cNvPr id="4" name="Content Placeholder 3">
             <a:extLst>
               <a:ext uri="{FF2B5EF4-FFF2-40B4-BE49-F238E27FC236}">
-                <a16:creationId xmlns:a16="http://schemas.microsoft.com/office/drawing/2014/main" id="{D0C84E1E-AD39-414E-A630-BB5F20BC8A9B}"/>
+                <a16:creationId xmlns:a16="http://schemas.microsoft.com/office/drawing/2014/main" xmlns="" id="{D0C84E1E-AD39-414E-A630-BB5F20BC8A9B}"/>
               </a:ext>
             </a:extLst>
           </p:cNvPr>
@@ -4226,7 +4238,7 @@
           <p:cNvPr id="5" name="Text Placeholder 4">
             <a:extLst>
               <a:ext uri="{FF2B5EF4-FFF2-40B4-BE49-F238E27FC236}">
-                <a16:creationId xmlns:a16="http://schemas.microsoft.com/office/drawing/2014/main" id="{9EEA01E5-2430-4A1C-8323-5D191529BD67}"/>
+                <a16:creationId xmlns:a16="http://schemas.microsoft.com/office/drawing/2014/main" xmlns="" id="{9EEA01E5-2430-4A1C-8323-5D191529BD67}"/>
               </a:ext>
             </a:extLst>
           </p:cNvPr>
@@ -4297,7 +4309,7 @@
           <p:cNvPr id="6" name="Content Placeholder 5">
             <a:extLst>
               <a:ext uri="{FF2B5EF4-FFF2-40B4-BE49-F238E27FC236}">
-                <a16:creationId xmlns:a16="http://schemas.microsoft.com/office/drawing/2014/main" id="{B4C4A9DA-01AC-4343-9532-A824358CD679}"/>
+                <a16:creationId xmlns:a16="http://schemas.microsoft.com/office/drawing/2014/main" xmlns="" id="{B4C4A9DA-01AC-4343-9532-A824358CD679}"/>
               </a:ext>
             </a:extLst>
           </p:cNvPr>
@@ -4359,7 +4371,7 @@
           <p:cNvPr id="7" name="Date Placeholder 6">
             <a:extLst>
               <a:ext uri="{FF2B5EF4-FFF2-40B4-BE49-F238E27FC236}">
-                <a16:creationId xmlns:a16="http://schemas.microsoft.com/office/drawing/2014/main" id="{CA9BA755-AEE2-4001-8DE6-415A8DBF9673}"/>
+                <a16:creationId xmlns:a16="http://schemas.microsoft.com/office/drawing/2014/main" xmlns="" id="{CA9BA755-AEE2-4001-8DE6-415A8DBF9673}"/>
               </a:ext>
             </a:extLst>
           </p:cNvPr>
@@ -4377,7 +4389,8 @@
           <a:p>
             <a:fld id="{D2474CCF-98B4-411A-8810-C31E8C29E19B}" type="datetimeFigureOut">
               <a:rPr lang="en-US" smtClean="0"/>
-              <a:t>11/10/2022</a:t>
+              <a:pPr/>
+              <a:t>9/10/2023</a:t>
             </a:fld>
             <a:endParaRPr lang="en-US"/>
           </a:p>
@@ -4388,7 +4401,7 @@
           <p:cNvPr id="8" name="Footer Placeholder 7">
             <a:extLst>
               <a:ext uri="{FF2B5EF4-FFF2-40B4-BE49-F238E27FC236}">
-                <a16:creationId xmlns:a16="http://schemas.microsoft.com/office/drawing/2014/main" id="{823B665F-223D-495A-BDBB-E3363CAFC9D8}"/>
+                <a16:creationId xmlns:a16="http://schemas.microsoft.com/office/drawing/2014/main" xmlns="" id="{823B665F-223D-495A-BDBB-E3363CAFC9D8}"/>
               </a:ext>
             </a:extLst>
           </p:cNvPr>
@@ -4413,7 +4426,7 @@
           <p:cNvPr id="9" name="Slide Number Placeholder 8">
             <a:extLst>
               <a:ext uri="{FF2B5EF4-FFF2-40B4-BE49-F238E27FC236}">
-                <a16:creationId xmlns:a16="http://schemas.microsoft.com/office/drawing/2014/main" id="{B19B297C-3F38-49A1-953B-17E3F6F667AE}"/>
+                <a16:creationId xmlns:a16="http://schemas.microsoft.com/office/drawing/2014/main" xmlns="" id="{B19B297C-3F38-49A1-953B-17E3F6F667AE}"/>
               </a:ext>
             </a:extLst>
           </p:cNvPr>
@@ -4431,6 +4444,7 @@
           <a:p>
             <a:fld id="{A1FD0E78-183D-4F7D-A18B-8A4BED7B6988}" type="slidenum">
               <a:rPr lang="en-US" smtClean="0"/>
+              <a:pPr/>
               <a:t>‹#›</a:t>
             </a:fld>
             <a:endParaRPr lang="en-US"/>
@@ -4440,7 +4454,7 @@
     </p:spTree>
     <p:extLst>
       <p:ext uri="{BB962C8B-B14F-4D97-AF65-F5344CB8AC3E}">
-        <p14:creationId xmlns:p14="http://schemas.microsoft.com/office/powerpoint/2010/main" val="265057621"/>
+        <p14:creationId xmlns:p14="http://schemas.microsoft.com/office/powerpoint/2010/main" xmlns="" val="265057621"/>
       </p:ext>
     </p:extLst>
   </p:cSld>
@@ -4472,7 +4486,7 @@
           <p:cNvPr id="6" name="Rectangle 5">
             <a:extLst>
               <a:ext uri="{FF2B5EF4-FFF2-40B4-BE49-F238E27FC236}">
-                <a16:creationId xmlns:a16="http://schemas.microsoft.com/office/drawing/2014/main" id="{37856098-1DA3-49E8-91B8-CAA5CDB7382E}"/>
+                <a16:creationId xmlns:a16="http://schemas.microsoft.com/office/drawing/2014/main" xmlns="" id="{37856098-1DA3-49E8-91B8-CAA5CDB7382E}"/>
               </a:ext>
             </a:extLst>
           </p:cNvPr>
@@ -4521,7 +4535,7 @@
           <p:cNvPr id="7" name="Rectangle 6">
             <a:extLst>
               <a:ext uri="{FF2B5EF4-FFF2-40B4-BE49-F238E27FC236}">
-                <a16:creationId xmlns:a16="http://schemas.microsoft.com/office/drawing/2014/main" id="{8AD2C0DA-73C9-4A83-97A2-EB4541745B64}"/>
+                <a16:creationId xmlns:a16="http://schemas.microsoft.com/office/drawing/2014/main" xmlns="" id="{8AD2C0DA-73C9-4A83-97A2-EB4541745B64}"/>
               </a:ext>
             </a:extLst>
           </p:cNvPr>
@@ -4578,7 +4592,7 @@
           <p:cNvPr id="8" name="Rectangle 7">
             <a:extLst>
               <a:ext uri="{FF2B5EF4-FFF2-40B4-BE49-F238E27FC236}">
-                <a16:creationId xmlns:a16="http://schemas.microsoft.com/office/drawing/2014/main" id="{B83A0938-3C8A-4ACA-8AD0-352B444392A9}"/>
+                <a16:creationId xmlns:a16="http://schemas.microsoft.com/office/drawing/2014/main" xmlns="" id="{B83A0938-3C8A-4ACA-8AD0-352B444392A9}"/>
               </a:ext>
             </a:extLst>
           </p:cNvPr>
@@ -4640,7 +4654,7 @@
           <p:cNvPr id="9" name="Rectangle 8">
             <a:extLst>
               <a:ext uri="{FF2B5EF4-FFF2-40B4-BE49-F238E27FC236}">
-                <a16:creationId xmlns:a16="http://schemas.microsoft.com/office/drawing/2014/main" id="{2FE9A254-00DC-4FF4-ABF3-8D548470A822}"/>
+                <a16:creationId xmlns:a16="http://schemas.microsoft.com/office/drawing/2014/main" xmlns="" id="{2FE9A254-00DC-4FF4-ABF3-8D548470A822}"/>
               </a:ext>
             </a:extLst>
           </p:cNvPr>
@@ -4702,7 +4716,7 @@
           <p:cNvPr id="10" name="Rectangle 9">
             <a:extLst>
               <a:ext uri="{FF2B5EF4-FFF2-40B4-BE49-F238E27FC236}">
-                <a16:creationId xmlns:a16="http://schemas.microsoft.com/office/drawing/2014/main" id="{27E83A17-368C-4CF3-93EE-956780C13754}"/>
+                <a16:creationId xmlns:a16="http://schemas.microsoft.com/office/drawing/2014/main" xmlns="" id="{27E83A17-368C-4CF3-93EE-956780C13754}"/>
               </a:ext>
             </a:extLst>
           </p:cNvPr>
@@ -4764,7 +4778,7 @@
           <p:cNvPr id="11" name="Rectangle 10">
             <a:extLst>
               <a:ext uri="{FF2B5EF4-FFF2-40B4-BE49-F238E27FC236}">
-                <a16:creationId xmlns:a16="http://schemas.microsoft.com/office/drawing/2014/main" id="{F86DDFCB-6B13-4853-B2B2-7FDD576847E1}"/>
+                <a16:creationId xmlns:a16="http://schemas.microsoft.com/office/drawing/2014/main" xmlns="" id="{F86DDFCB-6B13-4853-B2B2-7FDD576847E1}"/>
               </a:ext>
             </a:extLst>
           </p:cNvPr>
@@ -4826,7 +4840,7 @@
           <p:cNvPr id="12" name="Picture 11">
             <a:extLst>
               <a:ext uri="{FF2B5EF4-FFF2-40B4-BE49-F238E27FC236}">
-                <a16:creationId xmlns:a16="http://schemas.microsoft.com/office/drawing/2014/main" id="{64C8E1E0-E974-41E1-9F43-DEF84D8A1F22}"/>
+                <a16:creationId xmlns:a16="http://schemas.microsoft.com/office/drawing/2014/main" xmlns="" id="{64C8E1E0-E974-41E1-9F43-DEF84D8A1F22}"/>
               </a:ext>
             </a:extLst>
           </p:cNvPr>
@@ -4836,10 +4850,10 @@
           <p:nvPr/>
         </p:nvPicPr>
         <p:blipFill>
-          <a:blip r:embed="rId2">
+          <a:blip r:embed="rId2" cstate="print">
             <a:extLst>
               <a:ext uri="{28A0092B-C50C-407E-A947-70E740481C1C}">
-                <a14:useLocalDpi xmlns:a14="http://schemas.microsoft.com/office/drawing/2010/main" val="0"/>
+                <a14:useLocalDpi xmlns:a14="http://schemas.microsoft.com/office/drawing/2010/main" xmlns="" val="0"/>
               </a:ext>
             </a:extLst>
           </a:blip>
@@ -4862,7 +4876,7 @@
           <p:cNvPr id="2" name="Title 1">
             <a:extLst>
               <a:ext uri="{FF2B5EF4-FFF2-40B4-BE49-F238E27FC236}">
-                <a16:creationId xmlns:a16="http://schemas.microsoft.com/office/drawing/2014/main" id="{634473C1-75AC-4CC3-97E1-56E2CDDB9EEA}"/>
+                <a16:creationId xmlns:a16="http://schemas.microsoft.com/office/drawing/2014/main" xmlns="" id="{634473C1-75AC-4CC3-97E1-56E2CDDB9EEA}"/>
               </a:ext>
             </a:extLst>
           </p:cNvPr>
@@ -4890,7 +4904,7 @@
           <p:cNvPr id="3" name="Date Placeholder 2">
             <a:extLst>
               <a:ext uri="{FF2B5EF4-FFF2-40B4-BE49-F238E27FC236}">
-                <a16:creationId xmlns:a16="http://schemas.microsoft.com/office/drawing/2014/main" id="{8027F37E-14E1-44B3-BCD8-AEBD153A14BA}"/>
+                <a16:creationId xmlns:a16="http://schemas.microsoft.com/office/drawing/2014/main" xmlns="" id="{8027F37E-14E1-44B3-BCD8-AEBD153A14BA}"/>
               </a:ext>
             </a:extLst>
           </p:cNvPr>
@@ -4908,7 +4922,8 @@
           <a:p>
             <a:fld id="{D2474CCF-98B4-411A-8810-C31E8C29E19B}" type="datetimeFigureOut">
               <a:rPr lang="en-US" smtClean="0"/>
-              <a:t>11/10/2022</a:t>
+              <a:pPr/>
+              <a:t>9/10/2023</a:t>
             </a:fld>
             <a:endParaRPr lang="en-US"/>
           </a:p>
@@ -4919,7 +4934,7 @@
           <p:cNvPr id="4" name="Footer Placeholder 3">
             <a:extLst>
               <a:ext uri="{FF2B5EF4-FFF2-40B4-BE49-F238E27FC236}">
-                <a16:creationId xmlns:a16="http://schemas.microsoft.com/office/drawing/2014/main" id="{3EEB09FB-ACF3-4E2F-B66D-3E13733A5B2B}"/>
+                <a16:creationId xmlns:a16="http://schemas.microsoft.com/office/drawing/2014/main" xmlns="" id="{3EEB09FB-ACF3-4E2F-B66D-3E13733A5B2B}"/>
               </a:ext>
             </a:extLst>
           </p:cNvPr>
@@ -4944,7 +4959,7 @@
           <p:cNvPr id="5" name="Slide Number Placeholder 4">
             <a:extLst>
               <a:ext uri="{FF2B5EF4-FFF2-40B4-BE49-F238E27FC236}">
-                <a16:creationId xmlns:a16="http://schemas.microsoft.com/office/drawing/2014/main" id="{00D82C6C-9BFE-4C90-A547-8C325C55EAA2}"/>
+                <a16:creationId xmlns:a16="http://schemas.microsoft.com/office/drawing/2014/main" xmlns="" id="{00D82C6C-9BFE-4C90-A547-8C325C55EAA2}"/>
               </a:ext>
             </a:extLst>
           </p:cNvPr>
@@ -4962,6 +4977,7 @@
           <a:p>
             <a:fld id="{A1FD0E78-183D-4F7D-A18B-8A4BED7B6988}" type="slidenum">
               <a:rPr lang="en-US" smtClean="0"/>
+              <a:pPr/>
               <a:t>‹#›</a:t>
             </a:fld>
             <a:endParaRPr lang="en-US"/>
@@ -4971,7 +4987,7 @@
     </p:spTree>
     <p:extLst>
       <p:ext uri="{BB962C8B-B14F-4D97-AF65-F5344CB8AC3E}">
-        <p14:creationId xmlns:p14="http://schemas.microsoft.com/office/powerpoint/2010/main" val="3783065093"/>
+        <p14:creationId xmlns:p14="http://schemas.microsoft.com/office/powerpoint/2010/main" xmlns="" val="3783065093"/>
       </p:ext>
     </p:extLst>
   </p:cSld>
@@ -5003,7 +5019,7 @@
           <p:cNvPr id="5" name="Rectangle 4">
             <a:extLst>
               <a:ext uri="{FF2B5EF4-FFF2-40B4-BE49-F238E27FC236}">
-                <a16:creationId xmlns:a16="http://schemas.microsoft.com/office/drawing/2014/main" id="{F2FA0252-28E1-40E5-ACE6-20D14F5256B9}"/>
+                <a16:creationId xmlns:a16="http://schemas.microsoft.com/office/drawing/2014/main" xmlns="" id="{F2FA0252-28E1-40E5-ACE6-20D14F5256B9}"/>
               </a:ext>
             </a:extLst>
           </p:cNvPr>
@@ -5052,7 +5068,7 @@
           <p:cNvPr id="6" name="Rectangle 5">
             <a:extLst>
               <a:ext uri="{FF2B5EF4-FFF2-40B4-BE49-F238E27FC236}">
-                <a16:creationId xmlns:a16="http://schemas.microsoft.com/office/drawing/2014/main" id="{3E618FD9-31FC-4567-B182-23204706A8B0}"/>
+                <a16:creationId xmlns:a16="http://schemas.microsoft.com/office/drawing/2014/main" xmlns="" id="{3E618FD9-31FC-4567-B182-23204706A8B0}"/>
               </a:ext>
             </a:extLst>
           </p:cNvPr>
@@ -5109,7 +5125,7 @@
           <p:cNvPr id="7" name="Rectangle 6">
             <a:extLst>
               <a:ext uri="{FF2B5EF4-FFF2-40B4-BE49-F238E27FC236}">
-                <a16:creationId xmlns:a16="http://schemas.microsoft.com/office/drawing/2014/main" id="{0B29B7B4-B37A-4ECF-85D2-5A66AA4D9A3E}"/>
+                <a16:creationId xmlns:a16="http://schemas.microsoft.com/office/drawing/2014/main" xmlns="" id="{0B29B7B4-B37A-4ECF-85D2-5A66AA4D9A3E}"/>
               </a:ext>
             </a:extLst>
           </p:cNvPr>
@@ -5171,7 +5187,7 @@
           <p:cNvPr id="8" name="Rectangle 7">
             <a:extLst>
               <a:ext uri="{FF2B5EF4-FFF2-40B4-BE49-F238E27FC236}">
-                <a16:creationId xmlns:a16="http://schemas.microsoft.com/office/drawing/2014/main" id="{CCF4FB33-76DE-4704-8B1A-C3FE16F507E2}"/>
+                <a16:creationId xmlns:a16="http://schemas.microsoft.com/office/drawing/2014/main" xmlns="" id="{CCF4FB33-76DE-4704-8B1A-C3FE16F507E2}"/>
               </a:ext>
             </a:extLst>
           </p:cNvPr>
@@ -5233,7 +5249,7 @@
           <p:cNvPr id="9" name="Rectangle 8">
             <a:extLst>
               <a:ext uri="{FF2B5EF4-FFF2-40B4-BE49-F238E27FC236}">
-                <a16:creationId xmlns:a16="http://schemas.microsoft.com/office/drawing/2014/main" id="{58A894C9-4BA3-403A-B5F2-D596A188AF2F}"/>
+                <a16:creationId xmlns:a16="http://schemas.microsoft.com/office/drawing/2014/main" xmlns="" id="{58A894C9-4BA3-403A-B5F2-D596A188AF2F}"/>
               </a:ext>
             </a:extLst>
           </p:cNvPr>
@@ -5295,7 +5311,7 @@
           <p:cNvPr id="10" name="Rectangle 9">
             <a:extLst>
               <a:ext uri="{FF2B5EF4-FFF2-40B4-BE49-F238E27FC236}">
-                <a16:creationId xmlns:a16="http://schemas.microsoft.com/office/drawing/2014/main" id="{970B9174-D03E-4D6F-A8E5-B9D3C8C2DB80}"/>
+                <a16:creationId xmlns:a16="http://schemas.microsoft.com/office/drawing/2014/main" xmlns="" id="{970B9174-D03E-4D6F-A8E5-B9D3C8C2DB80}"/>
               </a:ext>
             </a:extLst>
           </p:cNvPr>
@@ -5357,7 +5373,7 @@
           <p:cNvPr id="11" name="Picture 10">
             <a:extLst>
               <a:ext uri="{FF2B5EF4-FFF2-40B4-BE49-F238E27FC236}">
-                <a16:creationId xmlns:a16="http://schemas.microsoft.com/office/drawing/2014/main" id="{16EAC91E-9BE5-4729-AA9E-F5E9394A8D1C}"/>
+                <a16:creationId xmlns:a16="http://schemas.microsoft.com/office/drawing/2014/main" xmlns="" id="{16EAC91E-9BE5-4729-AA9E-F5E9394A8D1C}"/>
               </a:ext>
             </a:extLst>
           </p:cNvPr>
@@ -5367,10 +5383,10 @@
           <p:nvPr/>
         </p:nvPicPr>
         <p:blipFill>
-          <a:blip r:embed="rId2">
+          <a:blip r:embed="rId2" cstate="print">
             <a:extLst>
               <a:ext uri="{28A0092B-C50C-407E-A947-70E740481C1C}">
-                <a14:useLocalDpi xmlns:a14="http://schemas.microsoft.com/office/drawing/2010/main" val="0"/>
+                <a14:useLocalDpi xmlns:a14="http://schemas.microsoft.com/office/drawing/2010/main" xmlns="" val="0"/>
               </a:ext>
             </a:extLst>
           </a:blip>
@@ -5393,7 +5409,7 @@
           <p:cNvPr id="2" name="Date Placeholder 1">
             <a:extLst>
               <a:ext uri="{FF2B5EF4-FFF2-40B4-BE49-F238E27FC236}">
-                <a16:creationId xmlns:a16="http://schemas.microsoft.com/office/drawing/2014/main" id="{7839A89A-4F67-468F-80FE-0E3680B1A7D2}"/>
+                <a16:creationId xmlns:a16="http://schemas.microsoft.com/office/drawing/2014/main" xmlns="" id="{7839A89A-4F67-468F-80FE-0E3680B1A7D2}"/>
               </a:ext>
             </a:extLst>
           </p:cNvPr>
@@ -5411,7 +5427,8 @@
           <a:p>
             <a:fld id="{D2474CCF-98B4-411A-8810-C31E8C29E19B}" type="datetimeFigureOut">
               <a:rPr lang="en-US" smtClean="0"/>
-              <a:t>11/10/2022</a:t>
+              <a:pPr/>
+              <a:t>9/10/2023</a:t>
             </a:fld>
             <a:endParaRPr lang="en-US"/>
           </a:p>
@@ -5422,7 +5439,7 @@
           <p:cNvPr id="3" name="Footer Placeholder 2">
             <a:extLst>
               <a:ext uri="{FF2B5EF4-FFF2-40B4-BE49-F238E27FC236}">
-                <a16:creationId xmlns:a16="http://schemas.microsoft.com/office/drawing/2014/main" id="{5C101976-8FCF-4B4F-B90A-B5E724625AE4}"/>
+                <a16:creationId xmlns:a16="http://schemas.microsoft.com/office/drawing/2014/main" xmlns="" id="{5C101976-8FCF-4B4F-B90A-B5E724625AE4}"/>
               </a:ext>
             </a:extLst>
           </p:cNvPr>
@@ -5447,7 +5464,7 @@
           <p:cNvPr id="4" name="Slide Number Placeholder 3">
             <a:extLst>
               <a:ext uri="{FF2B5EF4-FFF2-40B4-BE49-F238E27FC236}">
-                <a16:creationId xmlns:a16="http://schemas.microsoft.com/office/drawing/2014/main" id="{706AE299-AC97-4CB0-8712-61CB13DAB778}"/>
+                <a16:creationId xmlns:a16="http://schemas.microsoft.com/office/drawing/2014/main" xmlns="" id="{706AE299-AC97-4CB0-8712-61CB13DAB778}"/>
               </a:ext>
             </a:extLst>
           </p:cNvPr>
@@ -5465,6 +5482,7 @@
           <a:p>
             <a:fld id="{A1FD0E78-183D-4F7D-A18B-8A4BED7B6988}" type="slidenum">
               <a:rPr lang="en-US" smtClean="0"/>
+              <a:pPr/>
               <a:t>‹#›</a:t>
             </a:fld>
             <a:endParaRPr lang="en-US"/>
@@ -5474,7 +5492,7 @@
     </p:spTree>
     <p:extLst>
       <p:ext uri="{BB962C8B-B14F-4D97-AF65-F5344CB8AC3E}">
-        <p14:creationId xmlns:p14="http://schemas.microsoft.com/office/powerpoint/2010/main" val="3528334488"/>
+        <p14:creationId xmlns:p14="http://schemas.microsoft.com/office/powerpoint/2010/main" xmlns="" val="3528334488"/>
       </p:ext>
     </p:extLst>
   </p:cSld>
@@ -5506,7 +5524,7 @@
           <p:cNvPr id="2" name="Title 1">
             <a:extLst>
               <a:ext uri="{FF2B5EF4-FFF2-40B4-BE49-F238E27FC236}">
-                <a16:creationId xmlns:a16="http://schemas.microsoft.com/office/drawing/2014/main" id="{0AB6CCC9-CB97-4066-B6DA-4148BB88F608}"/>
+                <a16:creationId xmlns:a16="http://schemas.microsoft.com/office/drawing/2014/main" xmlns="" id="{0AB6CCC9-CB97-4066-B6DA-4148BB88F608}"/>
               </a:ext>
             </a:extLst>
           </p:cNvPr>
@@ -5543,7 +5561,7 @@
           <p:cNvPr id="3" name="Content Placeholder 2">
             <a:extLst>
               <a:ext uri="{FF2B5EF4-FFF2-40B4-BE49-F238E27FC236}">
-                <a16:creationId xmlns:a16="http://schemas.microsoft.com/office/drawing/2014/main" id="{F8B6ECEE-E57D-455E-A22A-6DE67E6B8B65}"/>
+                <a16:creationId xmlns:a16="http://schemas.microsoft.com/office/drawing/2014/main" xmlns="" id="{F8B6ECEE-E57D-455E-A22A-6DE67E6B8B65}"/>
               </a:ext>
             </a:extLst>
           </p:cNvPr>
@@ -5633,7 +5651,7 @@
           <p:cNvPr id="4" name="Text Placeholder 3">
             <a:extLst>
               <a:ext uri="{FF2B5EF4-FFF2-40B4-BE49-F238E27FC236}">
-                <a16:creationId xmlns:a16="http://schemas.microsoft.com/office/drawing/2014/main" id="{23E2D1F0-214E-43F0-A7BC-42F93E547BE6}"/>
+                <a16:creationId xmlns:a16="http://schemas.microsoft.com/office/drawing/2014/main" xmlns="" id="{23E2D1F0-214E-43F0-A7BC-42F93E547BE6}"/>
               </a:ext>
             </a:extLst>
           </p:cNvPr>
@@ -5704,7 +5722,7 @@
           <p:cNvPr id="5" name="Date Placeholder 4">
             <a:extLst>
               <a:ext uri="{FF2B5EF4-FFF2-40B4-BE49-F238E27FC236}">
-                <a16:creationId xmlns:a16="http://schemas.microsoft.com/office/drawing/2014/main" id="{D0B125E7-FC1E-4111-8E29-520E9E6AFC29}"/>
+                <a16:creationId xmlns:a16="http://schemas.microsoft.com/office/drawing/2014/main" xmlns="" id="{D0B125E7-FC1E-4111-8E29-520E9E6AFC29}"/>
               </a:ext>
             </a:extLst>
           </p:cNvPr>
@@ -5722,7 +5740,8 @@
           <a:p>
             <a:fld id="{D2474CCF-98B4-411A-8810-C31E8C29E19B}" type="datetimeFigureOut">
               <a:rPr lang="en-US" smtClean="0"/>
-              <a:t>11/10/2022</a:t>
+              <a:pPr/>
+              <a:t>9/10/2023</a:t>
             </a:fld>
             <a:endParaRPr lang="en-US"/>
           </a:p>
@@ -5733,7 +5752,7 @@
           <p:cNvPr id="6" name="Footer Placeholder 5">
             <a:extLst>
               <a:ext uri="{FF2B5EF4-FFF2-40B4-BE49-F238E27FC236}">
-                <a16:creationId xmlns:a16="http://schemas.microsoft.com/office/drawing/2014/main" id="{856E390C-8CD6-41DF-B8A7-0EA86E70449B}"/>
+                <a16:creationId xmlns:a16="http://schemas.microsoft.com/office/drawing/2014/main" xmlns="" id="{856E390C-8CD6-41DF-B8A7-0EA86E70449B}"/>
               </a:ext>
             </a:extLst>
           </p:cNvPr>
@@ -5758,7 +5777,7 @@
           <p:cNvPr id="7" name="Slide Number Placeholder 6">
             <a:extLst>
               <a:ext uri="{FF2B5EF4-FFF2-40B4-BE49-F238E27FC236}">
-                <a16:creationId xmlns:a16="http://schemas.microsoft.com/office/drawing/2014/main" id="{F24D1209-8122-481B-93F3-CD9D18358AD5}"/>
+                <a16:creationId xmlns:a16="http://schemas.microsoft.com/office/drawing/2014/main" xmlns="" id="{F24D1209-8122-481B-93F3-CD9D18358AD5}"/>
               </a:ext>
             </a:extLst>
           </p:cNvPr>
@@ -5776,6 +5795,7 @@
           <a:p>
             <a:fld id="{A1FD0E78-183D-4F7D-A18B-8A4BED7B6988}" type="slidenum">
               <a:rPr lang="en-US" smtClean="0"/>
+              <a:pPr/>
               <a:t>‹#›</a:t>
             </a:fld>
             <a:endParaRPr lang="en-US"/>
@@ -5785,7 +5805,7 @@
     </p:spTree>
     <p:extLst>
       <p:ext uri="{BB962C8B-B14F-4D97-AF65-F5344CB8AC3E}">
-        <p14:creationId xmlns:p14="http://schemas.microsoft.com/office/powerpoint/2010/main" val="2872829762"/>
+        <p14:creationId xmlns:p14="http://schemas.microsoft.com/office/powerpoint/2010/main" xmlns="" val="2872829762"/>
       </p:ext>
     </p:extLst>
   </p:cSld>
@@ -5817,7 +5837,7 @@
           <p:cNvPr id="2" name="Title 1">
             <a:extLst>
               <a:ext uri="{FF2B5EF4-FFF2-40B4-BE49-F238E27FC236}">
-                <a16:creationId xmlns:a16="http://schemas.microsoft.com/office/drawing/2014/main" id="{D0421060-B002-4A29-A677-95E1A92CC3EB}"/>
+                <a16:creationId xmlns:a16="http://schemas.microsoft.com/office/drawing/2014/main" xmlns="" id="{D0421060-B002-4A29-A677-95E1A92CC3EB}"/>
               </a:ext>
             </a:extLst>
           </p:cNvPr>
@@ -5854,7 +5874,7 @@
           <p:cNvPr id="3" name="Picture Placeholder 2">
             <a:extLst>
               <a:ext uri="{FF2B5EF4-FFF2-40B4-BE49-F238E27FC236}">
-                <a16:creationId xmlns:a16="http://schemas.microsoft.com/office/drawing/2014/main" id="{4DA23B8C-6470-4EFE-BA18-C7C748C1CA29}"/>
+                <a16:creationId xmlns:a16="http://schemas.microsoft.com/office/drawing/2014/main" xmlns="" id="{4DA23B8C-6470-4EFE-BA18-C7C748C1CA29}"/>
               </a:ext>
             </a:extLst>
           </p:cNvPr>
@@ -5924,7 +5944,7 @@
           <p:cNvPr id="4" name="Text Placeholder 3">
             <a:extLst>
               <a:ext uri="{FF2B5EF4-FFF2-40B4-BE49-F238E27FC236}">
-                <a16:creationId xmlns:a16="http://schemas.microsoft.com/office/drawing/2014/main" id="{0C14D961-FD3B-461E-A88E-64AC4821E64F}"/>
+                <a16:creationId xmlns:a16="http://schemas.microsoft.com/office/drawing/2014/main" xmlns="" id="{0C14D961-FD3B-461E-A88E-64AC4821E64F}"/>
               </a:ext>
             </a:extLst>
           </p:cNvPr>
@@ -5995,7 +6015,7 @@
           <p:cNvPr id="5" name="Date Placeholder 4">
             <a:extLst>
               <a:ext uri="{FF2B5EF4-FFF2-40B4-BE49-F238E27FC236}">
-                <a16:creationId xmlns:a16="http://schemas.microsoft.com/office/drawing/2014/main" id="{C64AF84C-0554-4D2A-95E2-84C361AAEDFA}"/>
+                <a16:creationId xmlns:a16="http://schemas.microsoft.com/office/drawing/2014/main" xmlns="" id="{C64AF84C-0554-4D2A-95E2-84C361AAEDFA}"/>
               </a:ext>
             </a:extLst>
           </p:cNvPr>
@@ -6013,7 +6033,8 @@
           <a:p>
             <a:fld id="{D2474CCF-98B4-411A-8810-C31E8C29E19B}" type="datetimeFigureOut">
               <a:rPr lang="en-US" smtClean="0"/>
-              <a:t>11/10/2022</a:t>
+              <a:pPr/>
+              <a:t>9/10/2023</a:t>
             </a:fld>
             <a:endParaRPr lang="en-US"/>
           </a:p>
@@ -6024,7 +6045,7 @@
           <p:cNvPr id="6" name="Footer Placeholder 5">
             <a:extLst>
               <a:ext uri="{FF2B5EF4-FFF2-40B4-BE49-F238E27FC236}">
-                <a16:creationId xmlns:a16="http://schemas.microsoft.com/office/drawing/2014/main" id="{682BC5B5-70F3-4D7C-9421-4846A194AF84}"/>
+                <a16:creationId xmlns:a16="http://schemas.microsoft.com/office/drawing/2014/main" xmlns="" id="{682BC5B5-70F3-4D7C-9421-4846A194AF84}"/>
               </a:ext>
             </a:extLst>
           </p:cNvPr>
@@ -6049,7 +6070,7 @@
           <p:cNvPr id="7" name="Slide Number Placeholder 6">
             <a:extLst>
               <a:ext uri="{FF2B5EF4-FFF2-40B4-BE49-F238E27FC236}">
-                <a16:creationId xmlns:a16="http://schemas.microsoft.com/office/drawing/2014/main" id="{040C9E27-8F16-42E6-B25A-6357B56B30CB}"/>
+                <a16:creationId xmlns:a16="http://schemas.microsoft.com/office/drawing/2014/main" xmlns="" id="{040C9E27-8F16-42E6-B25A-6357B56B30CB}"/>
               </a:ext>
             </a:extLst>
           </p:cNvPr>
@@ -6067,6 +6088,7 @@
           <a:p>
             <a:fld id="{A1FD0E78-183D-4F7D-A18B-8A4BED7B6988}" type="slidenum">
               <a:rPr lang="en-US" smtClean="0"/>
+              <a:pPr/>
               <a:t>‹#›</a:t>
             </a:fld>
             <a:endParaRPr lang="en-US"/>
@@ -6076,7 +6098,7 @@
     </p:spTree>
     <p:extLst>
       <p:ext uri="{BB962C8B-B14F-4D97-AF65-F5344CB8AC3E}">
-        <p14:creationId xmlns:p14="http://schemas.microsoft.com/office/powerpoint/2010/main" val="3978059408"/>
+        <p14:creationId xmlns:p14="http://schemas.microsoft.com/office/powerpoint/2010/main" xmlns="" val="3978059408"/>
       </p:ext>
     </p:extLst>
   </p:cSld>
@@ -6113,7 +6135,7 @@
           <p:cNvPr id="2" name="Title Placeholder 1">
             <a:extLst>
               <a:ext uri="{FF2B5EF4-FFF2-40B4-BE49-F238E27FC236}">
-                <a16:creationId xmlns:a16="http://schemas.microsoft.com/office/drawing/2014/main" id="{5672EF02-B3FB-409B-B71D-7DB59224D03E}"/>
+                <a16:creationId xmlns:a16="http://schemas.microsoft.com/office/drawing/2014/main" xmlns="" id="{5672EF02-B3FB-409B-B71D-7DB59224D03E}"/>
               </a:ext>
             </a:extLst>
           </p:cNvPr>
@@ -6151,7 +6173,7 @@
           <p:cNvPr id="3" name="Text Placeholder 2">
             <a:extLst>
               <a:ext uri="{FF2B5EF4-FFF2-40B4-BE49-F238E27FC236}">
-                <a16:creationId xmlns:a16="http://schemas.microsoft.com/office/drawing/2014/main" id="{1FD66FC5-8BC1-45FA-8841-F34FA58FDF13}"/>
+                <a16:creationId xmlns:a16="http://schemas.microsoft.com/office/drawing/2014/main" xmlns="" id="{1FD66FC5-8BC1-45FA-8841-F34FA58FDF13}"/>
               </a:ext>
             </a:extLst>
           </p:cNvPr>
@@ -6218,7 +6240,7 @@
           <p:cNvPr id="4" name="Date Placeholder 3">
             <a:extLst>
               <a:ext uri="{FF2B5EF4-FFF2-40B4-BE49-F238E27FC236}">
-                <a16:creationId xmlns:a16="http://schemas.microsoft.com/office/drawing/2014/main" id="{4107B98F-173F-4961-A753-124D5F25AED6}"/>
+                <a16:creationId xmlns:a16="http://schemas.microsoft.com/office/drawing/2014/main" xmlns="" id="{4107B98F-173F-4961-A753-124D5F25AED6}"/>
               </a:ext>
             </a:extLst>
           </p:cNvPr>
@@ -6254,7 +6276,8 @@
           <a:p>
             <a:fld id="{D2474CCF-98B4-411A-8810-C31E8C29E19B}" type="datetimeFigureOut">
               <a:rPr lang="en-US" smtClean="0"/>
-              <a:t>11/10/2022</a:t>
+              <a:pPr/>
+              <a:t>9/10/2023</a:t>
             </a:fld>
             <a:endParaRPr lang="en-US"/>
           </a:p>
@@ -6265,7 +6288,7 @@
           <p:cNvPr id="5" name="Footer Placeholder 4">
             <a:extLst>
               <a:ext uri="{FF2B5EF4-FFF2-40B4-BE49-F238E27FC236}">
-                <a16:creationId xmlns:a16="http://schemas.microsoft.com/office/drawing/2014/main" id="{69DB7A21-CD9E-479E-AAB2-6CC376E9F692}"/>
+                <a16:creationId xmlns:a16="http://schemas.microsoft.com/office/drawing/2014/main" xmlns="" id="{69DB7A21-CD9E-479E-AAB2-6CC376E9F692}"/>
               </a:ext>
             </a:extLst>
           </p:cNvPr>
@@ -6308,7 +6331,7 @@
           <p:cNvPr id="6" name="Slide Number Placeholder 5">
             <a:extLst>
               <a:ext uri="{FF2B5EF4-FFF2-40B4-BE49-F238E27FC236}">
-                <a16:creationId xmlns:a16="http://schemas.microsoft.com/office/drawing/2014/main" id="{C6ABC126-58FF-4F4D-A936-FEFCC877EF3A}"/>
+                <a16:creationId xmlns:a16="http://schemas.microsoft.com/office/drawing/2014/main" xmlns="" id="{C6ABC126-58FF-4F4D-A936-FEFCC877EF3A}"/>
               </a:ext>
             </a:extLst>
           </p:cNvPr>
@@ -6344,6 +6367,7 @@
           <a:p>
             <a:fld id="{A1FD0E78-183D-4F7D-A18B-8A4BED7B6988}" type="slidenum">
               <a:rPr lang="en-US" smtClean="0"/>
+              <a:pPr/>
               <a:t>‹#›</a:t>
             </a:fld>
             <a:endParaRPr lang="en-US"/>
@@ -6353,7 +6377,7 @@
     </p:spTree>
     <p:extLst>
       <p:ext uri="{BB962C8B-B14F-4D97-AF65-F5344CB8AC3E}">
-        <p14:creationId xmlns:p14="http://schemas.microsoft.com/office/powerpoint/2010/main" val="3606927380"/>
+        <p14:creationId xmlns:p14="http://schemas.microsoft.com/office/powerpoint/2010/main" xmlns="" val="3606927380"/>
       </p:ext>
     </p:extLst>
   </p:cSld>
@@ -6676,7 +6700,7 @@
           <p:cNvPr id="2" name="Title 1">
             <a:extLst>
               <a:ext uri="{FF2B5EF4-FFF2-40B4-BE49-F238E27FC236}">
-                <a16:creationId xmlns:a16="http://schemas.microsoft.com/office/drawing/2014/main" id="{5C4A314C-E7D4-2E4C-4351-89B1A08EB15C}"/>
+                <a16:creationId xmlns:a16="http://schemas.microsoft.com/office/drawing/2014/main" xmlns="" id="{5C4A314C-E7D4-2E4C-4351-89B1A08EB15C}"/>
               </a:ext>
             </a:extLst>
           </p:cNvPr>
@@ -6712,7 +6736,7 @@
           <p:cNvPr id="3" name="Text Placeholder 2">
             <a:extLst>
               <a:ext uri="{FF2B5EF4-FFF2-40B4-BE49-F238E27FC236}">
-                <a16:creationId xmlns:a16="http://schemas.microsoft.com/office/drawing/2014/main" id="{0DFDC96E-7152-7B88-36AE-DC136259B396}"/>
+                <a16:creationId xmlns:a16="http://schemas.microsoft.com/office/drawing/2014/main" xmlns="" id="{0DFDC96E-7152-7B88-36AE-DC136259B396}"/>
               </a:ext>
             </a:extLst>
           </p:cNvPr>
@@ -6735,7 +6759,7 @@
     </p:spTree>
     <p:extLst>
       <p:ext uri="{BB962C8B-B14F-4D97-AF65-F5344CB8AC3E}">
-        <p14:creationId xmlns:p14="http://schemas.microsoft.com/office/powerpoint/2010/main" val="2178970066"/>
+        <p14:creationId xmlns:p14="http://schemas.microsoft.com/office/powerpoint/2010/main" xmlns="" val="2178970066"/>
       </p:ext>
     </p:extLst>
   </p:cSld>
@@ -6767,7 +6791,7 @@
           <p:cNvPr id="2" name="Title 1">
             <a:extLst>
               <a:ext uri="{FF2B5EF4-FFF2-40B4-BE49-F238E27FC236}">
-                <a16:creationId xmlns:a16="http://schemas.microsoft.com/office/drawing/2014/main" id="{5333A4B6-4F9F-A5EC-AB75-8CEB405AA328}"/>
+                <a16:creationId xmlns:a16="http://schemas.microsoft.com/office/drawing/2014/main" xmlns="" id="{5333A4B6-4F9F-A5EC-AB75-8CEB405AA328}"/>
               </a:ext>
             </a:extLst>
           </p:cNvPr>
@@ -6795,7 +6819,7 @@
           <p:cNvPr id="4" name="TextBox 3">
             <a:extLst>
               <a:ext uri="{FF2B5EF4-FFF2-40B4-BE49-F238E27FC236}">
-                <a16:creationId xmlns:a16="http://schemas.microsoft.com/office/drawing/2014/main" id="{A9B917CE-073D-5F81-C231-29179E8191B7}"/>
+                <a16:creationId xmlns:a16="http://schemas.microsoft.com/office/drawing/2014/main" xmlns="" id="{A9B917CE-073D-5F81-C231-29179E8191B7}"/>
               </a:ext>
             </a:extLst>
           </p:cNvPr>
@@ -6980,7 +7004,7 @@
     </p:spTree>
     <p:extLst>
       <p:ext uri="{BB962C8B-B14F-4D97-AF65-F5344CB8AC3E}">
-        <p14:creationId xmlns:p14="http://schemas.microsoft.com/office/powerpoint/2010/main" val="3821995058"/>
+        <p14:creationId xmlns:p14="http://schemas.microsoft.com/office/powerpoint/2010/main" xmlns="" val="3821995058"/>
       </p:ext>
     </p:extLst>
   </p:cSld>
@@ -7012,7 +7036,7 @@
           <p:cNvPr id="2" name="Title 1">
             <a:extLst>
               <a:ext uri="{FF2B5EF4-FFF2-40B4-BE49-F238E27FC236}">
-                <a16:creationId xmlns:a16="http://schemas.microsoft.com/office/drawing/2014/main" id="{EA6C3AD5-0BB8-AF87-8FE2-17661DEADF0A}"/>
+                <a16:creationId xmlns:a16="http://schemas.microsoft.com/office/drawing/2014/main" xmlns="" id="{EA6C3AD5-0BB8-AF87-8FE2-17661DEADF0A}"/>
               </a:ext>
             </a:extLst>
           </p:cNvPr>
@@ -7070,7 +7094,7 @@
           <p:cNvPr id="4" name="TextBox 3">
             <a:extLst>
               <a:ext uri="{FF2B5EF4-FFF2-40B4-BE49-F238E27FC236}">
-                <a16:creationId xmlns:a16="http://schemas.microsoft.com/office/drawing/2014/main" id="{8BF5852C-6FED-1CEA-4E38-1AFD4DEFEFA8}"/>
+                <a16:creationId xmlns:a16="http://schemas.microsoft.com/office/drawing/2014/main" xmlns="" id="{8BF5852C-6FED-1CEA-4E38-1AFD4DEFEFA8}"/>
               </a:ext>
             </a:extLst>
           </p:cNvPr>
@@ -7174,7 +7198,7 @@
           <p:cNvPr id="6" name="TextBox 5">
             <a:extLst>
               <a:ext uri="{FF2B5EF4-FFF2-40B4-BE49-F238E27FC236}">
-                <a16:creationId xmlns:a16="http://schemas.microsoft.com/office/drawing/2014/main" id="{7CEC57E2-91C4-82DD-D339-40448A1A92D6}"/>
+                <a16:creationId xmlns:a16="http://schemas.microsoft.com/office/drawing/2014/main" xmlns="" id="{7CEC57E2-91C4-82DD-D339-40448A1A92D6}"/>
               </a:ext>
             </a:extLst>
           </p:cNvPr>
@@ -7253,7 +7277,7 @@
     </p:spTree>
     <p:extLst>
       <p:ext uri="{BB962C8B-B14F-4D97-AF65-F5344CB8AC3E}">
-        <p14:creationId xmlns:p14="http://schemas.microsoft.com/office/powerpoint/2010/main" val="2076506310"/>
+        <p14:creationId xmlns:p14="http://schemas.microsoft.com/office/powerpoint/2010/main" xmlns="" val="2076506310"/>
       </p:ext>
     </p:extLst>
   </p:cSld>
@@ -7285,7 +7309,7 @@
           <p:cNvPr id="2" name="Title 1">
             <a:extLst>
               <a:ext uri="{FF2B5EF4-FFF2-40B4-BE49-F238E27FC236}">
-                <a16:creationId xmlns:a16="http://schemas.microsoft.com/office/drawing/2014/main" id="{732C3457-5567-DF9F-B3F7-667310E0772C}"/>
+                <a16:creationId xmlns:a16="http://schemas.microsoft.com/office/drawing/2014/main" xmlns="" id="{732C3457-5567-DF9F-B3F7-667310E0772C}"/>
               </a:ext>
             </a:extLst>
           </p:cNvPr>
@@ -7354,7 +7378,7 @@
           <p:cNvPr id="6" name="TextBox 5">
             <a:extLst>
               <a:ext uri="{FF2B5EF4-FFF2-40B4-BE49-F238E27FC236}">
-                <a16:creationId xmlns:a16="http://schemas.microsoft.com/office/drawing/2014/main" id="{4F9EF39B-893C-69CF-E3E7-6B5A0F8BF33A}"/>
+                <a16:creationId xmlns:a16="http://schemas.microsoft.com/office/drawing/2014/main" xmlns="" id="{4F9EF39B-893C-69CF-E3E7-6B5A0F8BF33A}"/>
               </a:ext>
             </a:extLst>
           </p:cNvPr>
@@ -7446,7 +7470,7 @@
           <p:cNvPr id="8" name="TextBox 7">
             <a:extLst>
               <a:ext uri="{FF2B5EF4-FFF2-40B4-BE49-F238E27FC236}">
-                <a16:creationId xmlns:a16="http://schemas.microsoft.com/office/drawing/2014/main" id="{2D3660A7-AAFC-302B-BB7D-D82075FDE8B7}"/>
+                <a16:creationId xmlns:a16="http://schemas.microsoft.com/office/drawing/2014/main" xmlns="" id="{2D3660A7-AAFC-302B-BB7D-D82075FDE8B7}"/>
               </a:ext>
             </a:extLst>
           </p:cNvPr>
@@ -7506,7 +7530,7 @@
     </p:spTree>
     <p:extLst>
       <p:ext uri="{BB962C8B-B14F-4D97-AF65-F5344CB8AC3E}">
-        <p14:creationId xmlns:p14="http://schemas.microsoft.com/office/powerpoint/2010/main" val="1037235493"/>
+        <p14:creationId xmlns:p14="http://schemas.microsoft.com/office/powerpoint/2010/main" xmlns="" val="1037235493"/>
       </p:ext>
     </p:extLst>
   </p:cSld>
@@ -7538,7 +7562,7 @@
           <p:cNvPr id="2" name="TextBox 1">
             <a:extLst>
               <a:ext uri="{FF2B5EF4-FFF2-40B4-BE49-F238E27FC236}">
-                <a16:creationId xmlns:a16="http://schemas.microsoft.com/office/drawing/2014/main" id="{CDF3FB98-70C6-5E10-8A47-69AAED0783D1}"/>
+                <a16:creationId xmlns:a16="http://schemas.microsoft.com/office/drawing/2014/main" xmlns="" id="{CDF3FB98-70C6-5E10-8A47-69AAED0783D1}"/>
               </a:ext>
             </a:extLst>
           </p:cNvPr>
@@ -7729,7 +7753,7 @@
     </p:spTree>
     <p:extLst>
       <p:ext uri="{BB962C8B-B14F-4D97-AF65-F5344CB8AC3E}">
-        <p14:creationId xmlns:p14="http://schemas.microsoft.com/office/powerpoint/2010/main" val="571535923"/>
+        <p14:creationId xmlns:p14="http://schemas.microsoft.com/office/powerpoint/2010/main" xmlns="" val="571535923"/>
       </p:ext>
     </p:extLst>
   </p:cSld>
@@ -7761,7 +7785,7 @@
           <p:cNvPr id="2" name="Title 1">
             <a:extLst>
               <a:ext uri="{FF2B5EF4-FFF2-40B4-BE49-F238E27FC236}">
-                <a16:creationId xmlns:a16="http://schemas.microsoft.com/office/drawing/2014/main" id="{91119099-CE86-2EDD-C1C3-81C1140BDC9C}"/>
+                <a16:creationId xmlns:a16="http://schemas.microsoft.com/office/drawing/2014/main" xmlns="" id="{91119099-CE86-2EDD-C1C3-81C1140BDC9C}"/>
               </a:ext>
             </a:extLst>
           </p:cNvPr>
@@ -7799,7 +7823,7 @@
           <p:cNvPr id="4" name="TextBox 3">
             <a:extLst>
               <a:ext uri="{FF2B5EF4-FFF2-40B4-BE49-F238E27FC236}">
-                <a16:creationId xmlns:a16="http://schemas.microsoft.com/office/drawing/2014/main" id="{59D5E6C9-FD90-033B-0B72-ED145C6B3306}"/>
+                <a16:creationId xmlns:a16="http://schemas.microsoft.com/office/drawing/2014/main" xmlns="" id="{59D5E6C9-FD90-033B-0B72-ED145C6B3306}"/>
               </a:ext>
             </a:extLst>
           </p:cNvPr>
@@ -8035,7 +8059,7 @@
     </p:spTree>
     <p:extLst>
       <p:ext uri="{BB962C8B-B14F-4D97-AF65-F5344CB8AC3E}">
-        <p14:creationId xmlns:p14="http://schemas.microsoft.com/office/powerpoint/2010/main" val="3106005737"/>
+        <p14:creationId xmlns:p14="http://schemas.microsoft.com/office/powerpoint/2010/main" xmlns="" val="3106005737"/>
       </p:ext>
     </p:extLst>
   </p:cSld>
@@ -8067,7 +8091,7 @@
           <p:cNvPr id="2" name="Title 1">
             <a:extLst>
               <a:ext uri="{FF2B5EF4-FFF2-40B4-BE49-F238E27FC236}">
-                <a16:creationId xmlns:a16="http://schemas.microsoft.com/office/drawing/2014/main" id="{52EE88E7-931A-AF97-857A-1EE1C3F642C1}"/>
+                <a16:creationId xmlns:a16="http://schemas.microsoft.com/office/drawing/2014/main" xmlns="" id="{52EE88E7-931A-AF97-857A-1EE1C3F642C1}"/>
               </a:ext>
             </a:extLst>
           </p:cNvPr>
@@ -8105,7 +8129,7 @@
           <p:cNvPr id="4" name="TextBox 3">
             <a:extLst>
               <a:ext uri="{FF2B5EF4-FFF2-40B4-BE49-F238E27FC236}">
-                <a16:creationId xmlns:a16="http://schemas.microsoft.com/office/drawing/2014/main" id="{A67C7E75-FF13-17C6-7683-0DA1724F25A9}"/>
+                <a16:creationId xmlns:a16="http://schemas.microsoft.com/office/drawing/2014/main" xmlns="" id="{A67C7E75-FF13-17C6-7683-0DA1724F25A9}"/>
               </a:ext>
             </a:extLst>
           </p:cNvPr>
@@ -8147,7 +8171,7 @@
           <p:cNvPr id="7" name="TextBox 6">
             <a:extLst>
               <a:ext uri="{FF2B5EF4-FFF2-40B4-BE49-F238E27FC236}">
-                <a16:creationId xmlns:a16="http://schemas.microsoft.com/office/drawing/2014/main" id="{4E793D02-29AB-BA02-EC14-411AE2EA8C52}"/>
+                <a16:creationId xmlns:a16="http://schemas.microsoft.com/office/drawing/2014/main" xmlns="" id="{4E793D02-29AB-BA02-EC14-411AE2EA8C52}"/>
               </a:ext>
             </a:extLst>
           </p:cNvPr>
@@ -8223,7 +8247,7 @@
     </p:spTree>
     <p:extLst>
       <p:ext uri="{BB962C8B-B14F-4D97-AF65-F5344CB8AC3E}">
-        <p14:creationId xmlns:p14="http://schemas.microsoft.com/office/powerpoint/2010/main" val="3835580607"/>
+        <p14:creationId xmlns:p14="http://schemas.microsoft.com/office/powerpoint/2010/main" xmlns="" val="3835580607"/>
       </p:ext>
     </p:extLst>
   </p:cSld>
@@ -8255,7 +8279,7 @@
           <p:cNvPr id="3" name="TextBox 2">
             <a:extLst>
               <a:ext uri="{FF2B5EF4-FFF2-40B4-BE49-F238E27FC236}">
-                <a16:creationId xmlns:a16="http://schemas.microsoft.com/office/drawing/2014/main" id="{42A09280-E5DE-DB8C-6EB1-B5B036914C0C}"/>
+                <a16:creationId xmlns:a16="http://schemas.microsoft.com/office/drawing/2014/main" xmlns="" id="{42A09280-E5DE-DB8C-6EB1-B5B036914C0C}"/>
               </a:ext>
             </a:extLst>
           </p:cNvPr>
@@ -8310,7 +8334,7 @@
           <p:cNvPr id="7" name="TextBox 6">
             <a:extLst>
               <a:ext uri="{FF2B5EF4-FFF2-40B4-BE49-F238E27FC236}">
-                <a16:creationId xmlns:a16="http://schemas.microsoft.com/office/drawing/2014/main" id="{BA11A866-30B2-34FF-6230-A71120919C14}"/>
+                <a16:creationId xmlns:a16="http://schemas.microsoft.com/office/drawing/2014/main" xmlns="" id="{BA11A866-30B2-34FF-6230-A71120919C14}"/>
               </a:ext>
             </a:extLst>
           </p:cNvPr>
@@ -8375,7 +8399,7 @@
           <p:cNvPr id="8" name="Table 7">
             <a:extLst>
               <a:ext uri="{FF2B5EF4-FFF2-40B4-BE49-F238E27FC236}">
-                <a16:creationId xmlns:a16="http://schemas.microsoft.com/office/drawing/2014/main" id="{456A69CD-E020-2E34-FEBD-185ABE08F155}"/>
+                <a16:creationId xmlns:a16="http://schemas.microsoft.com/office/drawing/2014/main" xmlns="" id="{456A69CD-E020-2E34-FEBD-185ABE08F155}"/>
               </a:ext>
             </a:extLst>
           </p:cNvPr>
@@ -8385,7 +8409,7 @@
           <p:nvPr>
             <p:extLst>
               <p:ext uri="{D42A27DB-BD31-4B8C-83A1-F6EECF244321}">
-                <p14:modId xmlns:p14="http://schemas.microsoft.com/office/powerpoint/2010/main" val="2438538860"/>
+                <p14:modId xmlns:p14="http://schemas.microsoft.com/office/powerpoint/2010/main" xmlns="" val="2438538860"/>
               </p:ext>
             </p:extLst>
           </p:nvPr>
@@ -8406,14 +8430,14 @@
                 <a:gridCol w="2128147">
                   <a:extLst>
                     <a:ext uri="{9D8B030D-6E8A-4147-A177-3AD203B41FA5}">
-                      <a16:colId xmlns:a16="http://schemas.microsoft.com/office/drawing/2014/main" val="1716448447"/>
+                      <a16:colId xmlns:a16="http://schemas.microsoft.com/office/drawing/2014/main" xmlns="" val="1716448447"/>
                     </a:ext>
                   </a:extLst>
                 </a:gridCol>
                 <a:gridCol w="4044053">
                   <a:extLst>
                     <a:ext uri="{9D8B030D-6E8A-4147-A177-3AD203B41FA5}">
-                      <a16:colId xmlns:a16="http://schemas.microsoft.com/office/drawing/2014/main" val="2606373765"/>
+                      <a16:colId xmlns:a16="http://schemas.microsoft.com/office/drawing/2014/main" xmlns="" val="2606373765"/>
                     </a:ext>
                   </a:extLst>
                 </a:gridCol>
@@ -8493,7 +8517,7 @@
                 </a:tc>
                 <a:extLst>
                   <a:ext uri="{0D108BD9-81ED-4DB2-BD59-A6C34878D82A}">
-                    <a16:rowId xmlns:a16="http://schemas.microsoft.com/office/drawing/2014/main" val="2083854229"/>
+                    <a16:rowId xmlns:a16="http://schemas.microsoft.com/office/drawing/2014/main" xmlns="" val="2083854229"/>
                   </a:ext>
                 </a:extLst>
               </a:tr>
@@ -8584,7 +8608,7 @@
                 </a:tc>
                 <a:extLst>
                   <a:ext uri="{0D108BD9-81ED-4DB2-BD59-A6C34878D82A}">
-                    <a16:rowId xmlns:a16="http://schemas.microsoft.com/office/drawing/2014/main" val="2348735364"/>
+                    <a16:rowId xmlns:a16="http://schemas.microsoft.com/office/drawing/2014/main" xmlns="" val="2348735364"/>
                   </a:ext>
                 </a:extLst>
               </a:tr>
@@ -8677,7 +8701,7 @@
                 </a:tc>
                 <a:extLst>
                   <a:ext uri="{0D108BD9-81ED-4DB2-BD59-A6C34878D82A}">
-                    <a16:rowId xmlns:a16="http://schemas.microsoft.com/office/drawing/2014/main" val="4224190342"/>
+                    <a16:rowId xmlns:a16="http://schemas.microsoft.com/office/drawing/2014/main" xmlns="" val="4224190342"/>
                   </a:ext>
                 </a:extLst>
               </a:tr>
@@ -8688,7 +8712,7 @@
     </p:spTree>
     <p:extLst>
       <p:ext uri="{BB962C8B-B14F-4D97-AF65-F5344CB8AC3E}">
-        <p14:creationId xmlns:p14="http://schemas.microsoft.com/office/powerpoint/2010/main" val="3479360435"/>
+        <p14:creationId xmlns:p14="http://schemas.microsoft.com/office/powerpoint/2010/main" xmlns="" val="3479360435"/>
       </p:ext>
     </p:extLst>
   </p:cSld>
@@ -8720,7 +8744,7 @@
           <p:cNvPr id="3" name="TextBox 2">
             <a:extLst>
               <a:ext uri="{FF2B5EF4-FFF2-40B4-BE49-F238E27FC236}">
-                <a16:creationId xmlns:a16="http://schemas.microsoft.com/office/drawing/2014/main" id="{A1251B10-768B-1BE4-2F66-C6E1C0380310}"/>
+                <a16:creationId xmlns:a16="http://schemas.microsoft.com/office/drawing/2014/main" xmlns="" id="{A1251B10-768B-1BE4-2F66-C6E1C0380310}"/>
               </a:ext>
             </a:extLst>
           </p:cNvPr>
@@ -8770,7 +8794,7 @@
           <p:cNvPr id="4" name="Table 3">
             <a:extLst>
               <a:ext uri="{FF2B5EF4-FFF2-40B4-BE49-F238E27FC236}">
-                <a16:creationId xmlns:a16="http://schemas.microsoft.com/office/drawing/2014/main" id="{6B47F12A-47AD-2E39-8E7D-B5087D697D63}"/>
+                <a16:creationId xmlns:a16="http://schemas.microsoft.com/office/drawing/2014/main" xmlns="" id="{6B47F12A-47AD-2E39-8E7D-B5087D697D63}"/>
               </a:ext>
             </a:extLst>
           </p:cNvPr>
@@ -8780,7 +8804,7 @@
           <p:nvPr>
             <p:extLst>
               <p:ext uri="{D42A27DB-BD31-4B8C-83A1-F6EECF244321}">
-                <p14:modId xmlns:p14="http://schemas.microsoft.com/office/powerpoint/2010/main" val="1655986217"/>
+                <p14:modId xmlns:p14="http://schemas.microsoft.com/office/powerpoint/2010/main" xmlns="" val="1655986217"/>
               </p:ext>
             </p:extLst>
           </p:nvPr>
@@ -8801,14 +8825,14 @@
                 <a:gridCol w="3339009">
                   <a:extLst>
                     <a:ext uri="{9D8B030D-6E8A-4147-A177-3AD203B41FA5}">
-                      <a16:colId xmlns:a16="http://schemas.microsoft.com/office/drawing/2014/main" val="3100906776"/>
+                      <a16:colId xmlns:a16="http://schemas.microsoft.com/office/drawing/2014/main" xmlns="" val="3100906776"/>
                     </a:ext>
                   </a:extLst>
                 </a:gridCol>
                 <a:gridCol w="3607666">
                   <a:extLst>
                     <a:ext uri="{9D8B030D-6E8A-4147-A177-3AD203B41FA5}">
-                      <a16:colId xmlns:a16="http://schemas.microsoft.com/office/drawing/2014/main" val="2118863815"/>
+                      <a16:colId xmlns:a16="http://schemas.microsoft.com/office/drawing/2014/main" xmlns="" val="2118863815"/>
                     </a:ext>
                   </a:extLst>
                 </a:gridCol>
@@ -8888,7 +8912,7 @@
                 </a:tc>
                 <a:extLst>
                   <a:ext uri="{0D108BD9-81ED-4DB2-BD59-A6C34878D82A}">
-                    <a16:rowId xmlns:a16="http://schemas.microsoft.com/office/drawing/2014/main" val="1948600294"/>
+                    <a16:rowId xmlns:a16="http://schemas.microsoft.com/office/drawing/2014/main" xmlns="" val="1948600294"/>
                   </a:ext>
                 </a:extLst>
               </a:tr>
@@ -8979,7 +9003,7 @@
                 </a:tc>
                 <a:extLst>
                   <a:ext uri="{0D108BD9-81ED-4DB2-BD59-A6C34878D82A}">
-                    <a16:rowId xmlns:a16="http://schemas.microsoft.com/office/drawing/2014/main" val="1116552232"/>
+                    <a16:rowId xmlns:a16="http://schemas.microsoft.com/office/drawing/2014/main" xmlns="" val="1116552232"/>
                   </a:ext>
                 </a:extLst>
               </a:tr>
@@ -9072,7 +9096,7 @@
                 </a:tc>
                 <a:extLst>
                   <a:ext uri="{0D108BD9-81ED-4DB2-BD59-A6C34878D82A}">
-                    <a16:rowId xmlns:a16="http://schemas.microsoft.com/office/drawing/2014/main" val="3767021116"/>
+                    <a16:rowId xmlns:a16="http://schemas.microsoft.com/office/drawing/2014/main" xmlns="" val="3767021116"/>
                   </a:ext>
                 </a:extLst>
               </a:tr>
@@ -9171,7 +9195,7 @@
                 </a:tc>
                 <a:extLst>
                   <a:ext uri="{0D108BD9-81ED-4DB2-BD59-A6C34878D82A}">
-                    <a16:rowId xmlns:a16="http://schemas.microsoft.com/office/drawing/2014/main" val="1164581742"/>
+                    <a16:rowId xmlns:a16="http://schemas.microsoft.com/office/drawing/2014/main" xmlns="" val="1164581742"/>
                   </a:ext>
                 </a:extLst>
               </a:tr>
@@ -9264,7 +9288,7 @@
                 </a:tc>
                 <a:extLst>
                   <a:ext uri="{0D108BD9-81ED-4DB2-BD59-A6C34878D82A}">
-                    <a16:rowId xmlns:a16="http://schemas.microsoft.com/office/drawing/2014/main" val="2556455321"/>
+                    <a16:rowId xmlns:a16="http://schemas.microsoft.com/office/drawing/2014/main" xmlns="" val="2556455321"/>
                   </a:ext>
                 </a:extLst>
               </a:tr>
@@ -9361,7 +9385,7 @@
                 </a:tc>
                 <a:extLst>
                   <a:ext uri="{0D108BD9-81ED-4DB2-BD59-A6C34878D82A}">
-                    <a16:rowId xmlns:a16="http://schemas.microsoft.com/office/drawing/2014/main" val="1930975003"/>
+                    <a16:rowId xmlns:a16="http://schemas.microsoft.com/office/drawing/2014/main" xmlns="" val="1930975003"/>
                   </a:ext>
                 </a:extLst>
               </a:tr>
@@ -9372,7 +9396,7 @@
     </p:spTree>
     <p:extLst>
       <p:ext uri="{BB962C8B-B14F-4D97-AF65-F5344CB8AC3E}">
-        <p14:creationId xmlns:p14="http://schemas.microsoft.com/office/powerpoint/2010/main" val="1580461403"/>
+        <p14:creationId xmlns:p14="http://schemas.microsoft.com/office/powerpoint/2010/main" xmlns="" val="1580461403"/>
       </p:ext>
     </p:extLst>
   </p:cSld>
@@ -9409,7 +9433,7 @@
           <p:cNvPr id="3" name="TextBox 2">
             <a:extLst>
               <a:ext uri="{FF2B5EF4-FFF2-40B4-BE49-F238E27FC236}">
-                <a16:creationId xmlns:a16="http://schemas.microsoft.com/office/drawing/2014/main" id="{F8239260-C087-2EE4-C574-4E7068E06A2E}"/>
+                <a16:creationId xmlns:a16="http://schemas.microsoft.com/office/drawing/2014/main" xmlns="" id="{F8239260-C087-2EE4-C574-4E7068E06A2E}"/>
               </a:ext>
             </a:extLst>
           </p:cNvPr>
@@ -9464,7 +9488,7 @@
           <p:cNvPr id="4" name="Table 3">
             <a:extLst>
               <a:ext uri="{FF2B5EF4-FFF2-40B4-BE49-F238E27FC236}">
-                <a16:creationId xmlns:a16="http://schemas.microsoft.com/office/drawing/2014/main" id="{27E0DDEC-D0D6-2E6A-DF3A-B12C2A61F8AB}"/>
+                <a16:creationId xmlns:a16="http://schemas.microsoft.com/office/drawing/2014/main" xmlns="" id="{27E0DDEC-D0D6-2E6A-DF3A-B12C2A61F8AB}"/>
               </a:ext>
             </a:extLst>
           </p:cNvPr>
@@ -9474,7 +9498,7 @@
           <p:nvPr>
             <p:extLst>
               <p:ext uri="{D42A27DB-BD31-4B8C-83A1-F6EECF244321}">
-                <p14:modId xmlns:p14="http://schemas.microsoft.com/office/powerpoint/2010/main" val="1407408991"/>
+                <p14:modId xmlns:p14="http://schemas.microsoft.com/office/powerpoint/2010/main" xmlns="" val="1407408991"/>
               </p:ext>
             </p:extLst>
           </p:nvPr>
@@ -9498,14 +9522,14 @@
                 <a:gridCol w="3280258">
                   <a:extLst>
                     <a:ext uri="{9D8B030D-6E8A-4147-A177-3AD203B41FA5}">
-                      <a16:colId xmlns:a16="http://schemas.microsoft.com/office/drawing/2014/main" val="2273933008"/>
+                      <a16:colId xmlns:a16="http://schemas.microsoft.com/office/drawing/2014/main" xmlns="" val="2273933008"/>
                     </a:ext>
                   </a:extLst>
                 </a:gridCol>
                 <a:gridCol w="7759195">
                   <a:extLst>
                     <a:ext uri="{9D8B030D-6E8A-4147-A177-3AD203B41FA5}">
-                      <a16:colId xmlns:a16="http://schemas.microsoft.com/office/drawing/2014/main" val="2710382527"/>
+                      <a16:colId xmlns:a16="http://schemas.microsoft.com/office/drawing/2014/main" xmlns="" val="2710382527"/>
                     </a:ext>
                   </a:extLst>
                 </a:gridCol>
@@ -9595,7 +9619,7 @@
                 </a:tc>
                 <a:extLst>
                   <a:ext uri="{0D108BD9-81ED-4DB2-BD59-A6C34878D82A}">
-                    <a16:rowId xmlns:a16="http://schemas.microsoft.com/office/drawing/2014/main" val="1552747243"/>
+                    <a16:rowId xmlns:a16="http://schemas.microsoft.com/office/drawing/2014/main" xmlns="" val="1552747243"/>
                   </a:ext>
                 </a:extLst>
               </a:tr>
@@ -9704,7 +9728,7 @@
                 </a:tc>
                 <a:extLst>
                   <a:ext uri="{0D108BD9-81ED-4DB2-BD59-A6C34878D82A}">
-                    <a16:rowId xmlns:a16="http://schemas.microsoft.com/office/drawing/2014/main" val="660722470"/>
+                    <a16:rowId xmlns:a16="http://schemas.microsoft.com/office/drawing/2014/main" xmlns="" val="660722470"/>
                   </a:ext>
                 </a:extLst>
               </a:tr>
@@ -9820,7 +9844,7 @@
                 </a:tc>
                 <a:extLst>
                   <a:ext uri="{0D108BD9-81ED-4DB2-BD59-A6C34878D82A}">
-                    <a16:rowId xmlns:a16="http://schemas.microsoft.com/office/drawing/2014/main" val="2733867856"/>
+                    <a16:rowId xmlns:a16="http://schemas.microsoft.com/office/drawing/2014/main" xmlns="" val="2733867856"/>
                   </a:ext>
                 </a:extLst>
               </a:tr>
@@ -9931,7 +9955,7 @@
                 </a:tc>
                 <a:extLst>
                   <a:ext uri="{0D108BD9-81ED-4DB2-BD59-A6C34878D82A}">
-                    <a16:rowId xmlns:a16="http://schemas.microsoft.com/office/drawing/2014/main" val="4247186765"/>
+                    <a16:rowId xmlns:a16="http://schemas.microsoft.com/office/drawing/2014/main" xmlns="" val="4247186765"/>
                   </a:ext>
                 </a:extLst>
               </a:tr>
@@ -10047,7 +10071,7 @@
                 </a:tc>
                 <a:extLst>
                   <a:ext uri="{0D108BD9-81ED-4DB2-BD59-A6C34878D82A}">
-                    <a16:rowId xmlns:a16="http://schemas.microsoft.com/office/drawing/2014/main" val="985336185"/>
+                    <a16:rowId xmlns:a16="http://schemas.microsoft.com/office/drawing/2014/main" xmlns="" val="985336185"/>
                   </a:ext>
                 </a:extLst>
               </a:tr>
@@ -10194,7 +10218,7 @@
                 </a:tc>
                 <a:extLst>
                   <a:ext uri="{0D108BD9-81ED-4DB2-BD59-A6C34878D82A}">
-                    <a16:rowId xmlns:a16="http://schemas.microsoft.com/office/drawing/2014/main" val="1880039644"/>
+                    <a16:rowId xmlns:a16="http://schemas.microsoft.com/office/drawing/2014/main" xmlns="" val="1880039644"/>
                   </a:ext>
                 </a:extLst>
               </a:tr>
@@ -10328,7 +10352,7 @@
                 </a:tc>
                 <a:extLst>
                   <a:ext uri="{0D108BD9-81ED-4DB2-BD59-A6C34878D82A}">
-                    <a16:rowId xmlns:a16="http://schemas.microsoft.com/office/drawing/2014/main" val="361857339"/>
+                    <a16:rowId xmlns:a16="http://schemas.microsoft.com/office/drawing/2014/main" xmlns="" val="361857339"/>
                   </a:ext>
                 </a:extLst>
               </a:tr>
@@ -10454,7 +10478,7 @@
                 </a:tc>
                 <a:extLst>
                   <a:ext uri="{0D108BD9-81ED-4DB2-BD59-A6C34878D82A}">
-                    <a16:rowId xmlns:a16="http://schemas.microsoft.com/office/drawing/2014/main" val="2400507116"/>
+                    <a16:rowId xmlns:a16="http://schemas.microsoft.com/office/drawing/2014/main" xmlns="" val="2400507116"/>
                   </a:ext>
                 </a:extLst>
               </a:tr>
@@ -10588,7 +10612,7 @@
                 </a:tc>
                 <a:extLst>
                   <a:ext uri="{0D108BD9-81ED-4DB2-BD59-A6C34878D82A}">
-                    <a16:rowId xmlns:a16="http://schemas.microsoft.com/office/drawing/2014/main" val="3855958235"/>
+                    <a16:rowId xmlns:a16="http://schemas.microsoft.com/office/drawing/2014/main" xmlns="" val="3855958235"/>
                   </a:ext>
                 </a:extLst>
               </a:tr>
@@ -10599,7 +10623,7 @@
     </p:spTree>
     <p:extLst>
       <p:ext uri="{BB962C8B-B14F-4D97-AF65-F5344CB8AC3E}">
-        <p14:creationId xmlns:p14="http://schemas.microsoft.com/office/powerpoint/2010/main" val="1101634189"/>
+        <p14:creationId xmlns:p14="http://schemas.microsoft.com/office/powerpoint/2010/main" xmlns="" val="1101634189"/>
       </p:ext>
     </p:extLst>
   </p:cSld>
@@ -10631,7 +10655,7 @@
           <p:cNvPr id="3" name="TextBox 2">
             <a:extLst>
               <a:ext uri="{FF2B5EF4-FFF2-40B4-BE49-F238E27FC236}">
-                <a16:creationId xmlns:a16="http://schemas.microsoft.com/office/drawing/2014/main" id="{9EA668E7-19D0-D9C6-9EC4-86DB4490A54D}"/>
+                <a16:creationId xmlns:a16="http://schemas.microsoft.com/office/drawing/2014/main" xmlns="" id="{9EA668E7-19D0-D9C6-9EC4-86DB4490A54D}"/>
               </a:ext>
             </a:extLst>
           </p:cNvPr>
@@ -10686,7 +10710,7 @@
           <p:cNvPr id="4" name="Table 3">
             <a:extLst>
               <a:ext uri="{FF2B5EF4-FFF2-40B4-BE49-F238E27FC236}">
-                <a16:creationId xmlns:a16="http://schemas.microsoft.com/office/drawing/2014/main" id="{7B9029A3-CD10-824B-7240-EBAFB7914E49}"/>
+                <a16:creationId xmlns:a16="http://schemas.microsoft.com/office/drawing/2014/main" xmlns="" id="{7B9029A3-CD10-824B-7240-EBAFB7914E49}"/>
               </a:ext>
             </a:extLst>
           </p:cNvPr>
@@ -10696,7 +10720,7 @@
           <p:nvPr>
             <p:extLst>
               <p:ext uri="{D42A27DB-BD31-4B8C-83A1-F6EECF244321}">
-                <p14:modId xmlns:p14="http://schemas.microsoft.com/office/powerpoint/2010/main" val="1132225436"/>
+                <p14:modId xmlns:p14="http://schemas.microsoft.com/office/powerpoint/2010/main" xmlns="" val="1132225436"/>
               </p:ext>
             </p:extLst>
           </p:nvPr>
@@ -10717,14 +10741,14 @@
                 <a:gridCol w="3452418">
                   <a:extLst>
                     <a:ext uri="{9D8B030D-6E8A-4147-A177-3AD203B41FA5}">
-                      <a16:colId xmlns:a16="http://schemas.microsoft.com/office/drawing/2014/main" val="256565104"/>
+                      <a16:colId xmlns:a16="http://schemas.microsoft.com/office/drawing/2014/main" xmlns="" val="256565104"/>
                     </a:ext>
                   </a:extLst>
                 </a:gridCol>
                 <a:gridCol w="5956944">
                   <a:extLst>
                     <a:ext uri="{9D8B030D-6E8A-4147-A177-3AD203B41FA5}">
-                      <a16:colId xmlns:a16="http://schemas.microsoft.com/office/drawing/2014/main" val="3799695415"/>
+                      <a16:colId xmlns:a16="http://schemas.microsoft.com/office/drawing/2014/main" xmlns="" val="3799695415"/>
                     </a:ext>
                   </a:extLst>
                 </a:gridCol>
@@ -10817,7 +10841,7 @@
                 </a:tc>
                 <a:extLst>
                   <a:ext uri="{0D108BD9-81ED-4DB2-BD59-A6C34878D82A}">
-                    <a16:rowId xmlns:a16="http://schemas.microsoft.com/office/drawing/2014/main" val="3006842132"/>
+                    <a16:rowId xmlns:a16="http://schemas.microsoft.com/office/drawing/2014/main" xmlns="" val="3006842132"/>
                   </a:ext>
                 </a:extLst>
               </a:tr>
@@ -10914,7 +10938,7 @@
                 </a:tc>
                 <a:extLst>
                   <a:ext uri="{0D108BD9-81ED-4DB2-BD59-A6C34878D82A}">
-                    <a16:rowId xmlns:a16="http://schemas.microsoft.com/office/drawing/2014/main" val="1526846541"/>
+                    <a16:rowId xmlns:a16="http://schemas.microsoft.com/office/drawing/2014/main" xmlns="" val="1526846541"/>
                   </a:ext>
                 </a:extLst>
               </a:tr>
@@ -11022,7 +11046,7 @@
                 </a:tc>
                 <a:extLst>
                   <a:ext uri="{0D108BD9-81ED-4DB2-BD59-A6C34878D82A}">
-                    <a16:rowId xmlns:a16="http://schemas.microsoft.com/office/drawing/2014/main" val="3689052318"/>
+                    <a16:rowId xmlns:a16="http://schemas.microsoft.com/office/drawing/2014/main" xmlns="" val="3689052318"/>
                   </a:ext>
                 </a:extLst>
               </a:tr>
@@ -11130,7 +11154,7 @@
                 </a:tc>
                 <a:extLst>
                   <a:ext uri="{0D108BD9-81ED-4DB2-BD59-A6C34878D82A}">
-                    <a16:rowId xmlns:a16="http://schemas.microsoft.com/office/drawing/2014/main" val="3174254190"/>
+                    <a16:rowId xmlns:a16="http://schemas.microsoft.com/office/drawing/2014/main" xmlns="" val="3174254190"/>
                   </a:ext>
                 </a:extLst>
               </a:tr>
@@ -11238,7 +11262,7 @@
                 </a:tc>
                 <a:extLst>
                   <a:ext uri="{0D108BD9-81ED-4DB2-BD59-A6C34878D82A}">
-                    <a16:rowId xmlns:a16="http://schemas.microsoft.com/office/drawing/2014/main" val="1126335007"/>
+                    <a16:rowId xmlns:a16="http://schemas.microsoft.com/office/drawing/2014/main" xmlns="" val="1126335007"/>
                   </a:ext>
                 </a:extLst>
               </a:tr>
@@ -11337,7 +11361,7 @@
                 </a:tc>
                 <a:extLst>
                   <a:ext uri="{0D108BD9-81ED-4DB2-BD59-A6C34878D82A}">
-                    <a16:rowId xmlns:a16="http://schemas.microsoft.com/office/drawing/2014/main" val="3639026860"/>
+                    <a16:rowId xmlns:a16="http://schemas.microsoft.com/office/drawing/2014/main" xmlns="" val="3639026860"/>
                   </a:ext>
                 </a:extLst>
               </a:tr>
@@ -11445,7 +11469,7 @@
                 </a:tc>
                 <a:extLst>
                   <a:ext uri="{0D108BD9-81ED-4DB2-BD59-A6C34878D82A}">
-                    <a16:rowId xmlns:a16="http://schemas.microsoft.com/office/drawing/2014/main" val="238123304"/>
+                    <a16:rowId xmlns:a16="http://schemas.microsoft.com/office/drawing/2014/main" xmlns="" val="238123304"/>
                   </a:ext>
                 </a:extLst>
               </a:tr>
@@ -11544,7 +11568,7 @@
                 </a:tc>
                 <a:extLst>
                   <a:ext uri="{0D108BD9-81ED-4DB2-BD59-A6C34878D82A}">
-                    <a16:rowId xmlns:a16="http://schemas.microsoft.com/office/drawing/2014/main" val="2671224197"/>
+                    <a16:rowId xmlns:a16="http://schemas.microsoft.com/office/drawing/2014/main" xmlns="" val="2671224197"/>
                   </a:ext>
                 </a:extLst>
               </a:tr>
@@ -11652,7 +11676,7 @@
                 </a:tc>
                 <a:extLst>
                   <a:ext uri="{0D108BD9-81ED-4DB2-BD59-A6C34878D82A}">
-                    <a16:rowId xmlns:a16="http://schemas.microsoft.com/office/drawing/2014/main" val="3694295176"/>
+                    <a16:rowId xmlns:a16="http://schemas.microsoft.com/office/drawing/2014/main" xmlns="" val="3694295176"/>
                   </a:ext>
                 </a:extLst>
               </a:tr>
@@ -11751,7 +11775,7 @@
                 </a:tc>
                 <a:extLst>
                   <a:ext uri="{0D108BD9-81ED-4DB2-BD59-A6C34878D82A}">
-                    <a16:rowId xmlns:a16="http://schemas.microsoft.com/office/drawing/2014/main" val="464002081"/>
+                    <a16:rowId xmlns:a16="http://schemas.microsoft.com/office/drawing/2014/main" xmlns="" val="464002081"/>
                   </a:ext>
                 </a:extLst>
               </a:tr>
@@ -11859,7 +11883,7 @@
                 </a:tc>
                 <a:extLst>
                   <a:ext uri="{0D108BD9-81ED-4DB2-BD59-A6C34878D82A}">
-                    <a16:rowId xmlns:a16="http://schemas.microsoft.com/office/drawing/2014/main" val="2718817864"/>
+                    <a16:rowId xmlns:a16="http://schemas.microsoft.com/office/drawing/2014/main" xmlns="" val="2718817864"/>
                   </a:ext>
                 </a:extLst>
               </a:tr>
@@ -11958,7 +11982,7 @@
                 </a:tc>
                 <a:extLst>
                   <a:ext uri="{0D108BD9-81ED-4DB2-BD59-A6C34878D82A}">
-                    <a16:rowId xmlns:a16="http://schemas.microsoft.com/office/drawing/2014/main" val="3389997667"/>
+                    <a16:rowId xmlns:a16="http://schemas.microsoft.com/office/drawing/2014/main" xmlns="" val="3389997667"/>
                   </a:ext>
                 </a:extLst>
               </a:tr>
@@ -12066,7 +12090,7 @@
                 </a:tc>
                 <a:extLst>
                   <a:ext uri="{0D108BD9-81ED-4DB2-BD59-A6C34878D82A}">
-                    <a16:rowId xmlns:a16="http://schemas.microsoft.com/office/drawing/2014/main" val="2155966456"/>
+                    <a16:rowId xmlns:a16="http://schemas.microsoft.com/office/drawing/2014/main" xmlns="" val="2155966456"/>
                   </a:ext>
                 </a:extLst>
               </a:tr>
@@ -12165,7 +12189,7 @@
                 </a:tc>
                 <a:extLst>
                   <a:ext uri="{0D108BD9-81ED-4DB2-BD59-A6C34878D82A}">
-                    <a16:rowId xmlns:a16="http://schemas.microsoft.com/office/drawing/2014/main" val="1746222287"/>
+                    <a16:rowId xmlns:a16="http://schemas.microsoft.com/office/drawing/2014/main" xmlns="" val="1746222287"/>
                   </a:ext>
                 </a:extLst>
               </a:tr>
@@ -12273,7 +12297,7 @@
                 </a:tc>
                 <a:extLst>
                   <a:ext uri="{0D108BD9-81ED-4DB2-BD59-A6C34878D82A}">
-                    <a16:rowId xmlns:a16="http://schemas.microsoft.com/office/drawing/2014/main" val="3333784342"/>
+                    <a16:rowId xmlns:a16="http://schemas.microsoft.com/office/drawing/2014/main" xmlns="" val="3333784342"/>
                   </a:ext>
                 </a:extLst>
               </a:tr>
@@ -12284,7 +12308,7 @@
     </p:spTree>
     <p:extLst>
       <p:ext uri="{BB962C8B-B14F-4D97-AF65-F5344CB8AC3E}">
-        <p14:creationId xmlns:p14="http://schemas.microsoft.com/office/powerpoint/2010/main" val="2258327599"/>
+        <p14:creationId xmlns:p14="http://schemas.microsoft.com/office/powerpoint/2010/main" xmlns="" val="2258327599"/>
       </p:ext>
     </p:extLst>
   </p:cSld>
@@ -12316,7 +12340,7 @@
           <p:cNvPr id="2" name="Title 1">
             <a:extLst>
               <a:ext uri="{FF2B5EF4-FFF2-40B4-BE49-F238E27FC236}">
-                <a16:creationId xmlns:a16="http://schemas.microsoft.com/office/drawing/2014/main" id="{65A4A135-F8D7-24F8-6BB6-90745728E226}"/>
+                <a16:creationId xmlns:a16="http://schemas.microsoft.com/office/drawing/2014/main" xmlns="" id="{65A4A135-F8D7-24F8-6BB6-90745728E226}"/>
               </a:ext>
             </a:extLst>
           </p:cNvPr>
@@ -12344,7 +12368,7 @@
           <p:cNvPr id="4" name="TextBox 3">
             <a:extLst>
               <a:ext uri="{FF2B5EF4-FFF2-40B4-BE49-F238E27FC236}">
-                <a16:creationId xmlns:a16="http://schemas.microsoft.com/office/drawing/2014/main" id="{B1FC2763-BFB4-8D14-BD94-3C95A502C1A5}"/>
+                <a16:creationId xmlns:a16="http://schemas.microsoft.com/office/drawing/2014/main" xmlns="" id="{B1FC2763-BFB4-8D14-BD94-3C95A502C1A5}"/>
               </a:ext>
             </a:extLst>
           </p:cNvPr>
@@ -12474,7 +12498,7 @@
           <p:cNvPr id="6" name="TextBox 5">
             <a:extLst>
               <a:ext uri="{FF2B5EF4-FFF2-40B4-BE49-F238E27FC236}">
-                <a16:creationId xmlns:a16="http://schemas.microsoft.com/office/drawing/2014/main" id="{52FA9FF1-BF65-6F92-3F70-37EEDA864EB7}"/>
+                <a16:creationId xmlns:a16="http://schemas.microsoft.com/office/drawing/2014/main" xmlns="" id="{52FA9FF1-BF65-6F92-3F70-37EEDA864EB7}"/>
               </a:ext>
             </a:extLst>
           </p:cNvPr>
@@ -12514,7 +12538,7 @@
     </p:spTree>
     <p:extLst>
       <p:ext uri="{BB962C8B-B14F-4D97-AF65-F5344CB8AC3E}">
-        <p14:creationId xmlns:p14="http://schemas.microsoft.com/office/powerpoint/2010/main" val="1681722070"/>
+        <p14:creationId xmlns:p14="http://schemas.microsoft.com/office/powerpoint/2010/main" xmlns="" val="1681722070"/>
       </p:ext>
     </p:extLst>
   </p:cSld>
@@ -12546,7 +12570,7 @@
           <p:cNvPr id="2" name="Title 1">
             <a:extLst>
               <a:ext uri="{FF2B5EF4-FFF2-40B4-BE49-F238E27FC236}">
-                <a16:creationId xmlns:a16="http://schemas.microsoft.com/office/drawing/2014/main" id="{F2F46336-4AC8-7B9B-6A75-FE41D1DE646D}"/>
+                <a16:creationId xmlns:a16="http://schemas.microsoft.com/office/drawing/2014/main" xmlns="" id="{F2F46336-4AC8-7B9B-6A75-FE41D1DE646D}"/>
               </a:ext>
             </a:extLst>
           </p:cNvPr>
@@ -12584,42 +12608,12 @@
           </a:p>
         </p:txBody>
       </p:sp>
-      <p:sp>
-        <p:nvSpPr>
-          <p:cNvPr id="8" name="Text Placeholder 3">
-            <a:extLst>
-              <a:ext uri="{FF2B5EF4-FFF2-40B4-BE49-F238E27FC236}">
-                <a16:creationId xmlns:a16="http://schemas.microsoft.com/office/drawing/2014/main" id="{56A2474F-DD63-A838-946B-1486AFF29B9E}"/>
-              </a:ext>
-            </a:extLst>
-          </p:cNvPr>
-          <p:cNvSpPr>
-            <a:spLocks noGrp="1"/>
-          </p:cNvSpPr>
-          <p:nvPr>
-            <p:ph type="body" sz="half" idx="2"/>
-          </p:nvPr>
-        </p:nvSpPr>
-        <p:spPr>
-          <a:xfrm>
-            <a:off x="839788" y="2057400"/>
-            <a:ext cx="3932237" cy="3811588"/>
-          </a:xfrm>
-        </p:spPr>
-        <p:txBody>
-          <a:bodyPr/>
-          <a:lstStyle/>
-          <a:p>
-            <a:endParaRPr lang="en-US"/>
-          </a:p>
-        </p:txBody>
-      </p:sp>
       <p:graphicFrame>
         <p:nvGraphicFramePr>
           <p:cNvPr id="3" name="Table 2">
             <a:extLst>
               <a:ext uri="{FF2B5EF4-FFF2-40B4-BE49-F238E27FC236}">
-                <a16:creationId xmlns:a16="http://schemas.microsoft.com/office/drawing/2014/main" id="{4065DD91-F2E3-B770-8333-3F9C616D0957}"/>
+                <a16:creationId xmlns:a16="http://schemas.microsoft.com/office/drawing/2014/main" xmlns="" id="{4065DD91-F2E3-B770-8333-3F9C616D0957}"/>
               </a:ext>
             </a:extLst>
           </p:cNvPr>
@@ -12629,7 +12623,7 @@
           <p:nvPr>
             <p:extLst>
               <p:ext uri="{D42A27DB-BD31-4B8C-83A1-F6EECF244321}">
-                <p14:modId xmlns:p14="http://schemas.microsoft.com/office/powerpoint/2010/main" val="3297847056"/>
+                <p14:modId xmlns:p14="http://schemas.microsoft.com/office/powerpoint/2010/main" xmlns="" val="3297847056"/>
               </p:ext>
             </p:extLst>
           </p:nvPr>
@@ -12650,14 +12644,14 @@
                 <a:gridCol w="3069967">
                   <a:extLst>
                     <a:ext uri="{9D8B030D-6E8A-4147-A177-3AD203B41FA5}">
-                      <a16:colId xmlns:a16="http://schemas.microsoft.com/office/drawing/2014/main" val="3855013220"/>
+                      <a16:colId xmlns:a16="http://schemas.microsoft.com/office/drawing/2014/main" xmlns="" val="3855013220"/>
                     </a:ext>
                   </a:extLst>
                 </a:gridCol>
                 <a:gridCol w="3102234">
                   <a:extLst>
                     <a:ext uri="{9D8B030D-6E8A-4147-A177-3AD203B41FA5}">
-                      <a16:colId xmlns:a16="http://schemas.microsoft.com/office/drawing/2014/main" val="3451216127"/>
+                      <a16:colId xmlns:a16="http://schemas.microsoft.com/office/drawing/2014/main" xmlns="" val="3451216127"/>
                     </a:ext>
                   </a:extLst>
                 </a:gridCol>
@@ -12737,7 +12731,7 @@
                 </a:tc>
                 <a:extLst>
                   <a:ext uri="{0D108BD9-81ED-4DB2-BD59-A6C34878D82A}">
-                    <a16:rowId xmlns:a16="http://schemas.microsoft.com/office/drawing/2014/main" val="109291707"/>
+                    <a16:rowId xmlns:a16="http://schemas.microsoft.com/office/drawing/2014/main" xmlns="" val="109291707"/>
                   </a:ext>
                 </a:extLst>
               </a:tr>
@@ -12828,7 +12822,7 @@
                 </a:tc>
                 <a:extLst>
                   <a:ext uri="{0D108BD9-81ED-4DB2-BD59-A6C34878D82A}">
-                    <a16:rowId xmlns:a16="http://schemas.microsoft.com/office/drawing/2014/main" val="1440826213"/>
+                    <a16:rowId xmlns:a16="http://schemas.microsoft.com/office/drawing/2014/main" xmlns="" val="1440826213"/>
                   </a:ext>
                 </a:extLst>
               </a:tr>
@@ -12921,7 +12915,7 @@
                 </a:tc>
                 <a:extLst>
                   <a:ext uri="{0D108BD9-81ED-4DB2-BD59-A6C34878D82A}">
-                    <a16:rowId xmlns:a16="http://schemas.microsoft.com/office/drawing/2014/main" val="1511181659"/>
+                    <a16:rowId xmlns:a16="http://schemas.microsoft.com/office/drawing/2014/main" xmlns="" val="1511181659"/>
                   </a:ext>
                 </a:extLst>
               </a:tr>
@@ -13014,7 +13008,7 @@
                 </a:tc>
                 <a:extLst>
                   <a:ext uri="{0D108BD9-81ED-4DB2-BD59-A6C34878D82A}">
-                    <a16:rowId xmlns:a16="http://schemas.microsoft.com/office/drawing/2014/main" val="303804084"/>
+                    <a16:rowId xmlns:a16="http://schemas.microsoft.com/office/drawing/2014/main" xmlns="" val="303804084"/>
                   </a:ext>
                 </a:extLst>
               </a:tr>
@@ -13107,7 +13101,7 @@
                 </a:tc>
                 <a:extLst>
                   <a:ext uri="{0D108BD9-81ED-4DB2-BD59-A6C34878D82A}">
-                    <a16:rowId xmlns:a16="http://schemas.microsoft.com/office/drawing/2014/main" val="2727466926"/>
+                    <a16:rowId xmlns:a16="http://schemas.microsoft.com/office/drawing/2014/main" xmlns="" val="2727466926"/>
                   </a:ext>
                 </a:extLst>
               </a:tr>
@@ -13200,7 +13194,7 @@
                 </a:tc>
                 <a:extLst>
                   <a:ext uri="{0D108BD9-81ED-4DB2-BD59-A6C34878D82A}">
-                    <a16:rowId xmlns:a16="http://schemas.microsoft.com/office/drawing/2014/main" val="1583059065"/>
+                    <a16:rowId xmlns:a16="http://schemas.microsoft.com/office/drawing/2014/main" xmlns="" val="1583059065"/>
                   </a:ext>
                 </a:extLst>
               </a:tr>
@@ -13293,7 +13287,7 @@
                 </a:tc>
                 <a:extLst>
                   <a:ext uri="{0D108BD9-81ED-4DB2-BD59-A6C34878D82A}">
-                    <a16:rowId xmlns:a16="http://schemas.microsoft.com/office/drawing/2014/main" val="801454168"/>
+                    <a16:rowId xmlns:a16="http://schemas.microsoft.com/office/drawing/2014/main" xmlns="" val="801454168"/>
                   </a:ext>
                 </a:extLst>
               </a:tr>
@@ -13304,7 +13298,7 @@
     </p:spTree>
     <p:extLst>
       <p:ext uri="{BB962C8B-B14F-4D97-AF65-F5344CB8AC3E}">
-        <p14:creationId xmlns:p14="http://schemas.microsoft.com/office/powerpoint/2010/main" val="586783878"/>
+        <p14:creationId xmlns:p14="http://schemas.microsoft.com/office/powerpoint/2010/main" xmlns="" val="586783878"/>
       </p:ext>
     </p:extLst>
   </p:cSld>
@@ -13336,7 +13330,7 @@
           <p:cNvPr id="2" name="Title 1">
             <a:extLst>
               <a:ext uri="{FF2B5EF4-FFF2-40B4-BE49-F238E27FC236}">
-                <a16:creationId xmlns:a16="http://schemas.microsoft.com/office/drawing/2014/main" id="{B5DD3F2B-58D8-F9F8-A467-E7F0B0ACE138}"/>
+                <a16:creationId xmlns:a16="http://schemas.microsoft.com/office/drawing/2014/main" xmlns="" id="{B5DD3F2B-58D8-F9F8-A467-E7F0B0ACE138}"/>
               </a:ext>
             </a:extLst>
           </p:cNvPr>
@@ -13380,7 +13374,7 @@
     </p:spTree>
     <p:extLst>
       <p:ext uri="{BB962C8B-B14F-4D97-AF65-F5344CB8AC3E}">
-        <p14:creationId xmlns:p14="http://schemas.microsoft.com/office/powerpoint/2010/main" val="2378578747"/>
+        <p14:creationId xmlns:p14="http://schemas.microsoft.com/office/powerpoint/2010/main" xmlns="" val="2378578747"/>
       </p:ext>
     </p:extLst>
   </p:cSld>
@@ -13412,7 +13406,7 @@
           <p:cNvPr id="2" name="Title 1">
             <a:extLst>
               <a:ext uri="{FF2B5EF4-FFF2-40B4-BE49-F238E27FC236}">
-                <a16:creationId xmlns:a16="http://schemas.microsoft.com/office/drawing/2014/main" id="{9288426B-3E66-5E1A-870D-34D45DE6345C}"/>
+                <a16:creationId xmlns:a16="http://schemas.microsoft.com/office/drawing/2014/main" xmlns="" id="{9288426B-3E66-5E1A-870D-34D45DE6345C}"/>
               </a:ext>
             </a:extLst>
           </p:cNvPr>
@@ -13456,7 +13450,7 @@
           <p:cNvPr id="4" name="TextBox 3">
             <a:extLst>
               <a:ext uri="{FF2B5EF4-FFF2-40B4-BE49-F238E27FC236}">
-                <a16:creationId xmlns:a16="http://schemas.microsoft.com/office/drawing/2014/main" id="{EF959E37-7FBF-580F-22A3-A8EB2D20006B}"/>
+                <a16:creationId xmlns:a16="http://schemas.microsoft.com/office/drawing/2014/main" xmlns="" id="{EF959E37-7FBF-580F-22A3-A8EB2D20006B}"/>
               </a:ext>
             </a:extLst>
           </p:cNvPr>
@@ -13498,7 +13492,7 @@
           <p:cNvPr id="6" name="TextBox 5">
             <a:extLst>
               <a:ext uri="{FF2B5EF4-FFF2-40B4-BE49-F238E27FC236}">
-                <a16:creationId xmlns:a16="http://schemas.microsoft.com/office/drawing/2014/main" id="{90514350-EA3E-1D3A-6175-D1B8A07AC82D}"/>
+                <a16:creationId xmlns:a16="http://schemas.microsoft.com/office/drawing/2014/main" xmlns="" id="{90514350-EA3E-1D3A-6175-D1B8A07AC82D}"/>
               </a:ext>
             </a:extLst>
           </p:cNvPr>
@@ -13540,7 +13534,7 @@
           <p:cNvPr id="8" name="TextBox 7">
             <a:extLst>
               <a:ext uri="{FF2B5EF4-FFF2-40B4-BE49-F238E27FC236}">
-                <a16:creationId xmlns:a16="http://schemas.microsoft.com/office/drawing/2014/main" id="{543E6E94-FF80-7E71-1C91-7D41494CD95E}"/>
+                <a16:creationId xmlns:a16="http://schemas.microsoft.com/office/drawing/2014/main" xmlns="" id="{543E6E94-FF80-7E71-1C91-7D41494CD95E}"/>
               </a:ext>
             </a:extLst>
           </p:cNvPr>
@@ -13662,7 +13656,7 @@
     </p:spTree>
     <p:extLst>
       <p:ext uri="{BB962C8B-B14F-4D97-AF65-F5344CB8AC3E}">
-        <p14:creationId xmlns:p14="http://schemas.microsoft.com/office/powerpoint/2010/main" val="1180268127"/>
+        <p14:creationId xmlns:p14="http://schemas.microsoft.com/office/powerpoint/2010/main" xmlns="" val="1180268127"/>
       </p:ext>
     </p:extLst>
   </p:cSld>
@@ -13694,7 +13688,7 @@
           <p:cNvPr id="3" name="TextBox 2">
             <a:extLst>
               <a:ext uri="{FF2B5EF4-FFF2-40B4-BE49-F238E27FC236}">
-                <a16:creationId xmlns:a16="http://schemas.microsoft.com/office/drawing/2014/main" id="{1D852380-A834-1BCC-A3A5-2CAB7EA61350}"/>
+                <a16:creationId xmlns:a16="http://schemas.microsoft.com/office/drawing/2014/main" xmlns="" id="{1D852380-A834-1BCC-A3A5-2CAB7EA61350}"/>
               </a:ext>
             </a:extLst>
           </p:cNvPr>
@@ -13749,7 +13743,7 @@
           <p:cNvPr id="5" name="TextBox 4">
             <a:extLst>
               <a:ext uri="{FF2B5EF4-FFF2-40B4-BE49-F238E27FC236}">
-                <a16:creationId xmlns:a16="http://schemas.microsoft.com/office/drawing/2014/main" id="{A96F0835-C1F3-5EEA-B695-118F09CCAD07}"/>
+                <a16:creationId xmlns:a16="http://schemas.microsoft.com/office/drawing/2014/main" xmlns="" id="{A96F0835-C1F3-5EEA-B695-118F09CCAD07}"/>
               </a:ext>
             </a:extLst>
           </p:cNvPr>
@@ -13801,7 +13795,7 @@
           <p:cNvPr id="7" name="TextBox 6">
             <a:extLst>
               <a:ext uri="{FF2B5EF4-FFF2-40B4-BE49-F238E27FC236}">
-                <a16:creationId xmlns:a16="http://schemas.microsoft.com/office/drawing/2014/main" id="{C093BAC7-4645-87AC-AEF4-5EC7CB706CFC}"/>
+                <a16:creationId xmlns:a16="http://schemas.microsoft.com/office/drawing/2014/main" xmlns="" id="{C093BAC7-4645-87AC-AEF4-5EC7CB706CFC}"/>
               </a:ext>
             </a:extLst>
           </p:cNvPr>
@@ -13843,7 +13837,7 @@
           <p:cNvPr id="9" name="TextBox 8">
             <a:extLst>
               <a:ext uri="{FF2B5EF4-FFF2-40B4-BE49-F238E27FC236}">
-                <a16:creationId xmlns:a16="http://schemas.microsoft.com/office/drawing/2014/main" id="{553FC7DF-6802-66A6-7710-052452BACC3C}"/>
+                <a16:creationId xmlns:a16="http://schemas.microsoft.com/office/drawing/2014/main" xmlns="" id="{553FC7DF-6802-66A6-7710-052452BACC3C}"/>
               </a:ext>
             </a:extLst>
           </p:cNvPr>
@@ -13894,7 +13888,7 @@
           <p:cNvPr id="11" name="TextBox 10">
             <a:extLst>
               <a:ext uri="{FF2B5EF4-FFF2-40B4-BE49-F238E27FC236}">
-                <a16:creationId xmlns:a16="http://schemas.microsoft.com/office/drawing/2014/main" id="{0619CFAC-5A99-186C-37D4-DAC836A4138E}"/>
+                <a16:creationId xmlns:a16="http://schemas.microsoft.com/office/drawing/2014/main" xmlns="" id="{0619CFAC-5A99-186C-37D4-DAC836A4138E}"/>
               </a:ext>
             </a:extLst>
           </p:cNvPr>
@@ -13934,7 +13928,7 @@
     </p:spTree>
     <p:extLst>
       <p:ext uri="{BB962C8B-B14F-4D97-AF65-F5344CB8AC3E}">
-        <p14:creationId xmlns:p14="http://schemas.microsoft.com/office/powerpoint/2010/main" val="497948796"/>
+        <p14:creationId xmlns:p14="http://schemas.microsoft.com/office/powerpoint/2010/main" xmlns="" val="497948796"/>
       </p:ext>
     </p:extLst>
   </p:cSld>
@@ -13966,7 +13960,7 @@
           <p:cNvPr id="1026" name="Picture 2">
             <a:extLst>
               <a:ext uri="{FF2B5EF4-FFF2-40B4-BE49-F238E27FC236}">
-                <a16:creationId xmlns:a16="http://schemas.microsoft.com/office/drawing/2014/main" id="{D4B4525D-59B6-813F-B03A-89EA88C52EDF}"/>
+                <a16:creationId xmlns:a16="http://schemas.microsoft.com/office/drawing/2014/main" xmlns="" id="{D4B4525D-59B6-813F-B03A-89EA88C52EDF}"/>
               </a:ext>
             </a:extLst>
           </p:cNvPr>
@@ -13976,10 +13970,10 @@
           <p:nvPr/>
         </p:nvPicPr>
         <p:blipFill>
-          <a:blip r:embed="rId2">
+          <a:blip r:embed="rId2" cstate="print">
             <a:extLst>
               <a:ext uri="{28A0092B-C50C-407E-A947-70E740481C1C}">
-                <a14:useLocalDpi xmlns:a14="http://schemas.microsoft.com/office/drawing/2010/main" val="0"/>
+                <a14:useLocalDpi xmlns:a14="http://schemas.microsoft.com/office/drawing/2010/main" xmlns="" val="0"/>
               </a:ext>
             </a:extLst>
           </a:blip>
@@ -13999,7 +13993,7 @@
           <a:noFill/>
           <a:extLst>
             <a:ext uri="{909E8E84-426E-40DD-AFC4-6F175D3DCCD1}">
-              <a14:hiddenFill xmlns:a14="http://schemas.microsoft.com/office/drawing/2010/main">
+              <a14:hiddenFill xmlns:a14="http://schemas.microsoft.com/office/drawing/2010/main" xmlns="">
                 <a:solidFill>
                   <a:srgbClr val="FFFFFF"/>
                 </a:solidFill>
@@ -14011,7 +14005,7 @@
     </p:spTree>
     <p:extLst>
       <p:ext uri="{BB962C8B-B14F-4D97-AF65-F5344CB8AC3E}">
-        <p14:creationId xmlns:p14="http://schemas.microsoft.com/office/powerpoint/2010/main" val="3487157558"/>
+        <p14:creationId xmlns:p14="http://schemas.microsoft.com/office/powerpoint/2010/main" xmlns="" val="3487157558"/>
       </p:ext>
     </p:extLst>
   </p:cSld>
@@ -14043,7 +14037,7 @@
           <p:cNvPr id="2" name="Table 1">
             <a:extLst>
               <a:ext uri="{FF2B5EF4-FFF2-40B4-BE49-F238E27FC236}">
-                <a16:creationId xmlns:a16="http://schemas.microsoft.com/office/drawing/2014/main" id="{4C84AC00-A5A5-17A6-B3E7-788DBF544364}"/>
+                <a16:creationId xmlns:a16="http://schemas.microsoft.com/office/drawing/2014/main" xmlns="" id="{4C84AC00-A5A5-17A6-B3E7-788DBF544364}"/>
               </a:ext>
             </a:extLst>
           </p:cNvPr>
@@ -14053,7 +14047,7 @@
           <p:nvPr>
             <p:extLst>
               <p:ext uri="{D42A27DB-BD31-4B8C-83A1-F6EECF244321}">
-                <p14:modId xmlns:p14="http://schemas.microsoft.com/office/powerpoint/2010/main" val="836762665"/>
+                <p14:modId xmlns:p14="http://schemas.microsoft.com/office/powerpoint/2010/main" xmlns="" val="836762665"/>
               </p:ext>
             </p:extLst>
           </p:nvPr>
@@ -14070,21 +14064,21 @@
                 <a:gridCol w="4260904">
                   <a:extLst>
                     <a:ext uri="{9D8B030D-6E8A-4147-A177-3AD203B41FA5}">
-                      <a16:colId xmlns:a16="http://schemas.microsoft.com/office/drawing/2014/main" val="2351096120"/>
+                      <a16:colId xmlns:a16="http://schemas.microsoft.com/office/drawing/2014/main" xmlns="" val="2351096120"/>
                     </a:ext>
                   </a:extLst>
                 </a:gridCol>
                 <a:gridCol w="3519311">
                   <a:extLst>
                     <a:ext uri="{9D8B030D-6E8A-4147-A177-3AD203B41FA5}">
-                      <a16:colId xmlns:a16="http://schemas.microsoft.com/office/drawing/2014/main" val="3217867043"/>
+                      <a16:colId xmlns:a16="http://schemas.microsoft.com/office/drawing/2014/main" xmlns="" val="3217867043"/>
                     </a:ext>
                   </a:extLst>
                 </a:gridCol>
                 <a:gridCol w="3890108">
                   <a:extLst>
                     <a:ext uri="{9D8B030D-6E8A-4147-A177-3AD203B41FA5}">
-                      <a16:colId xmlns:a16="http://schemas.microsoft.com/office/drawing/2014/main" val="3703197472"/>
+                      <a16:colId xmlns:a16="http://schemas.microsoft.com/office/drawing/2014/main" xmlns="" val="3703197472"/>
                     </a:ext>
                   </a:extLst>
                 </a:gridCol>
@@ -14191,7 +14185,7 @@
                 </a:tc>
                 <a:extLst>
                   <a:ext uri="{0D108BD9-81ED-4DB2-BD59-A6C34878D82A}">
-                    <a16:rowId xmlns:a16="http://schemas.microsoft.com/office/drawing/2014/main" val="2905591297"/>
+                    <a16:rowId xmlns:a16="http://schemas.microsoft.com/office/drawing/2014/main" xmlns="" val="2905591297"/>
                   </a:ext>
                 </a:extLst>
               </a:tr>
@@ -14297,7 +14291,7 @@
                 </a:tc>
                 <a:extLst>
                   <a:ext uri="{0D108BD9-81ED-4DB2-BD59-A6C34878D82A}">
-                    <a16:rowId xmlns:a16="http://schemas.microsoft.com/office/drawing/2014/main" val="4180700542"/>
+                    <a16:rowId xmlns:a16="http://schemas.microsoft.com/office/drawing/2014/main" xmlns="" val="4180700542"/>
                   </a:ext>
                 </a:extLst>
               </a:tr>
@@ -14403,7 +14397,7 @@
                 </a:tc>
                 <a:extLst>
                   <a:ext uri="{0D108BD9-81ED-4DB2-BD59-A6C34878D82A}">
-                    <a16:rowId xmlns:a16="http://schemas.microsoft.com/office/drawing/2014/main" val="4002819042"/>
+                    <a16:rowId xmlns:a16="http://schemas.microsoft.com/office/drawing/2014/main" xmlns="" val="4002819042"/>
                   </a:ext>
                 </a:extLst>
               </a:tr>
@@ -14509,7 +14503,7 @@
                 </a:tc>
                 <a:extLst>
                   <a:ext uri="{0D108BD9-81ED-4DB2-BD59-A6C34878D82A}">
-                    <a16:rowId xmlns:a16="http://schemas.microsoft.com/office/drawing/2014/main" val="1382640513"/>
+                    <a16:rowId xmlns:a16="http://schemas.microsoft.com/office/drawing/2014/main" xmlns="" val="1382640513"/>
                   </a:ext>
                 </a:extLst>
               </a:tr>
@@ -14626,7 +14620,7 @@
                 </a:tc>
                 <a:extLst>
                   <a:ext uri="{0D108BD9-81ED-4DB2-BD59-A6C34878D82A}">
-                    <a16:rowId xmlns:a16="http://schemas.microsoft.com/office/drawing/2014/main" val="1950315260"/>
+                    <a16:rowId xmlns:a16="http://schemas.microsoft.com/office/drawing/2014/main" xmlns="" val="1950315260"/>
                   </a:ext>
                 </a:extLst>
               </a:tr>
@@ -14637,7 +14631,7 @@
     </p:spTree>
     <p:extLst>
       <p:ext uri="{BB962C8B-B14F-4D97-AF65-F5344CB8AC3E}">
-        <p14:creationId xmlns:p14="http://schemas.microsoft.com/office/powerpoint/2010/main" val="1553864837"/>
+        <p14:creationId xmlns:p14="http://schemas.microsoft.com/office/powerpoint/2010/main" xmlns="" val="1553864837"/>
       </p:ext>
     </p:extLst>
   </p:cSld>
@@ -14669,7 +14663,7 @@
           <p:cNvPr id="5" name="Picture 4">
             <a:extLst>
               <a:ext uri="{FF2B5EF4-FFF2-40B4-BE49-F238E27FC236}">
-                <a16:creationId xmlns:a16="http://schemas.microsoft.com/office/drawing/2014/main" id="{DB71B171-2267-98AC-3B37-1CFF88B0CCF9}"/>
+                <a16:creationId xmlns:a16="http://schemas.microsoft.com/office/drawing/2014/main" xmlns="" id="{DB71B171-2267-98AC-3B37-1CFF88B0CCF9}"/>
               </a:ext>
             </a:extLst>
           </p:cNvPr>
@@ -14697,7 +14691,7 @@
     </p:spTree>
     <p:extLst>
       <p:ext uri="{BB962C8B-B14F-4D97-AF65-F5344CB8AC3E}">
-        <p14:creationId xmlns:p14="http://schemas.microsoft.com/office/powerpoint/2010/main" val="594261710"/>
+        <p14:creationId xmlns:p14="http://schemas.microsoft.com/office/powerpoint/2010/main" xmlns="" val="594261710"/>
       </p:ext>
     </p:extLst>
   </p:cSld>
@@ -14729,7 +14723,7 @@
           <p:cNvPr id="3" name="Picture 2">
             <a:extLst>
               <a:ext uri="{FF2B5EF4-FFF2-40B4-BE49-F238E27FC236}">
-                <a16:creationId xmlns:a16="http://schemas.microsoft.com/office/drawing/2014/main" id="{2ED86234-2AE3-9BD0-CCDB-09DACE5ED625}"/>
+                <a16:creationId xmlns:a16="http://schemas.microsoft.com/office/drawing/2014/main" xmlns="" id="{2ED86234-2AE3-9BD0-CCDB-09DACE5ED625}"/>
               </a:ext>
             </a:extLst>
           </p:cNvPr>
@@ -14757,7 +14751,7 @@
     </p:spTree>
     <p:extLst>
       <p:ext uri="{BB962C8B-B14F-4D97-AF65-F5344CB8AC3E}">
-        <p14:creationId xmlns:p14="http://schemas.microsoft.com/office/powerpoint/2010/main" val="3626613605"/>
+        <p14:creationId xmlns:p14="http://schemas.microsoft.com/office/powerpoint/2010/main" xmlns="" val="3626613605"/>
       </p:ext>
     </p:extLst>
   </p:cSld>
@@ -14789,7 +14783,7 @@
           <p:cNvPr id="2" name="Title 1">
             <a:extLst>
               <a:ext uri="{FF2B5EF4-FFF2-40B4-BE49-F238E27FC236}">
-                <a16:creationId xmlns:a16="http://schemas.microsoft.com/office/drawing/2014/main" id="{C70F88C2-D62C-496E-8359-A6E42ABBE5C2}"/>
+                <a16:creationId xmlns:a16="http://schemas.microsoft.com/office/drawing/2014/main" xmlns="" id="{C70F88C2-D62C-496E-8359-A6E42ABBE5C2}"/>
               </a:ext>
             </a:extLst>
           </p:cNvPr>
@@ -14839,7 +14833,7 @@
           <p:cNvPr id="3" name="Subtitle 2">
             <a:extLst>
               <a:ext uri="{FF2B5EF4-FFF2-40B4-BE49-F238E27FC236}">
-                <a16:creationId xmlns:a16="http://schemas.microsoft.com/office/drawing/2014/main" id="{D66627D2-8B6B-4DCC-9D83-1FA969EFAFA0}"/>
+                <a16:creationId xmlns:a16="http://schemas.microsoft.com/office/drawing/2014/main" xmlns="" id="{D66627D2-8B6B-4DCC-9D83-1FA969EFAFA0}"/>
               </a:ext>
             </a:extLst>
           </p:cNvPr>
@@ -14880,7 +14874,7 @@
     </p:spTree>
     <p:extLst>
       <p:ext uri="{BB962C8B-B14F-4D97-AF65-F5344CB8AC3E}">
-        <p14:creationId xmlns:p14="http://schemas.microsoft.com/office/powerpoint/2010/main" val="926091206"/>
+        <p14:creationId xmlns:p14="http://schemas.microsoft.com/office/powerpoint/2010/main" xmlns="" val="926091206"/>
       </p:ext>
     </p:extLst>
   </p:cSld>
@@ -14912,7 +14906,7 @@
           <p:cNvPr id="2" name="Title 1">
             <a:extLst>
               <a:ext uri="{FF2B5EF4-FFF2-40B4-BE49-F238E27FC236}">
-                <a16:creationId xmlns:a16="http://schemas.microsoft.com/office/drawing/2014/main" id="{45F33AFC-C220-4038-ACF0-E5D4B3B57FD0}"/>
+                <a16:creationId xmlns:a16="http://schemas.microsoft.com/office/drawing/2014/main" xmlns="" id="{45F33AFC-C220-4038-ACF0-E5D4B3B57FD0}"/>
               </a:ext>
             </a:extLst>
           </p:cNvPr>
@@ -14954,7 +14948,7 @@
           <p:cNvPr id="1026" name="Picture 2" descr="What is Routing in ASP.NET Core?">
             <a:extLst>
               <a:ext uri="{FF2B5EF4-FFF2-40B4-BE49-F238E27FC236}">
-                <a16:creationId xmlns:a16="http://schemas.microsoft.com/office/drawing/2014/main" id="{B332600C-853E-37D8-8B95-2E01F217AA59}"/>
+                <a16:creationId xmlns:a16="http://schemas.microsoft.com/office/drawing/2014/main" xmlns="" id="{B332600C-853E-37D8-8B95-2E01F217AA59}"/>
               </a:ext>
             </a:extLst>
           </p:cNvPr>
@@ -14967,7 +14961,7 @@
           <a:blip r:embed="rId2">
             <a:extLst>
               <a:ext uri="{28A0092B-C50C-407E-A947-70E740481C1C}">
-                <a14:useLocalDpi xmlns:a14="http://schemas.microsoft.com/office/drawing/2010/main" val="0"/>
+                <a14:useLocalDpi xmlns:a14="http://schemas.microsoft.com/office/drawing/2010/main" xmlns="" val="0"/>
               </a:ext>
             </a:extLst>
           </a:blip>
@@ -14987,7 +14981,7 @@
           <a:noFill/>
           <a:extLst>
             <a:ext uri="{909E8E84-426E-40DD-AFC4-6F175D3DCCD1}">
-              <a14:hiddenFill xmlns:a14="http://schemas.microsoft.com/office/drawing/2010/main">
+              <a14:hiddenFill xmlns:a14="http://schemas.microsoft.com/office/drawing/2010/main" xmlns="">
                 <a:solidFill>
                   <a:srgbClr val="FFFFFF"/>
                 </a:solidFill>
@@ -15001,7 +14995,7 @@
           <p:cNvPr id="5" name="TextBox 4">
             <a:extLst>
               <a:ext uri="{FF2B5EF4-FFF2-40B4-BE49-F238E27FC236}">
-                <a16:creationId xmlns:a16="http://schemas.microsoft.com/office/drawing/2014/main" id="{378237C3-5E54-6520-6F6E-159A98FC8682}"/>
+                <a16:creationId xmlns:a16="http://schemas.microsoft.com/office/drawing/2014/main" xmlns="" id="{378237C3-5E54-6520-6F6E-159A98FC8682}"/>
               </a:ext>
             </a:extLst>
           </p:cNvPr>
@@ -15041,7 +15035,7 @@
     </p:spTree>
     <p:extLst>
       <p:ext uri="{BB962C8B-B14F-4D97-AF65-F5344CB8AC3E}">
-        <p14:creationId xmlns:p14="http://schemas.microsoft.com/office/powerpoint/2010/main" val="1071779574"/>
+        <p14:creationId xmlns:p14="http://schemas.microsoft.com/office/powerpoint/2010/main" xmlns="" val="1071779574"/>
       </p:ext>
     </p:extLst>
   </p:cSld>
@@ -15073,7 +15067,7 @@
           <p:cNvPr id="3" name="TextBox 2">
             <a:extLst>
               <a:ext uri="{FF2B5EF4-FFF2-40B4-BE49-F238E27FC236}">
-                <a16:creationId xmlns:a16="http://schemas.microsoft.com/office/drawing/2014/main" id="{5A0B98A3-E22A-2147-8707-63EDD462CB19}"/>
+                <a16:creationId xmlns:a16="http://schemas.microsoft.com/office/drawing/2014/main" xmlns="" id="{5A0B98A3-E22A-2147-8707-63EDD462CB19}"/>
               </a:ext>
             </a:extLst>
           </p:cNvPr>
@@ -15115,7 +15109,7 @@
           <p:cNvPr id="5" name="TextBox 4">
             <a:extLst>
               <a:ext uri="{FF2B5EF4-FFF2-40B4-BE49-F238E27FC236}">
-                <a16:creationId xmlns:a16="http://schemas.microsoft.com/office/drawing/2014/main" id="{83CE9B68-68DF-68B7-102A-BB17782AAC84}"/>
+                <a16:creationId xmlns:a16="http://schemas.microsoft.com/office/drawing/2014/main" xmlns="" id="{83CE9B68-68DF-68B7-102A-BB17782AAC84}"/>
               </a:ext>
             </a:extLst>
           </p:cNvPr>
@@ -15238,7 +15232,7 @@
     </p:spTree>
     <p:extLst>
       <p:ext uri="{BB962C8B-B14F-4D97-AF65-F5344CB8AC3E}">
-        <p14:creationId xmlns:p14="http://schemas.microsoft.com/office/powerpoint/2010/main" val="4204429112"/>
+        <p14:creationId xmlns:p14="http://schemas.microsoft.com/office/powerpoint/2010/main" xmlns="" val="4204429112"/>
       </p:ext>
     </p:extLst>
   </p:cSld>
@@ -15270,7 +15264,7 @@
           <p:cNvPr id="4" name="TextBox 3">
             <a:extLst>
               <a:ext uri="{FF2B5EF4-FFF2-40B4-BE49-F238E27FC236}">
-                <a16:creationId xmlns:a16="http://schemas.microsoft.com/office/drawing/2014/main" id="{BCE4FE5D-0BB2-F372-1768-2A6C0A99F097}"/>
+                <a16:creationId xmlns:a16="http://schemas.microsoft.com/office/drawing/2014/main" xmlns="" id="{BCE4FE5D-0BB2-F372-1768-2A6C0A99F097}"/>
               </a:ext>
             </a:extLst>
           </p:cNvPr>
@@ -15312,7 +15306,7 @@
           <p:cNvPr id="6" name="TextBox 5">
             <a:extLst>
               <a:ext uri="{FF2B5EF4-FFF2-40B4-BE49-F238E27FC236}">
-                <a16:creationId xmlns:a16="http://schemas.microsoft.com/office/drawing/2014/main" id="{F414403A-4076-C332-6D86-CAEAAA93705D}"/>
+                <a16:creationId xmlns:a16="http://schemas.microsoft.com/office/drawing/2014/main" xmlns="" id="{F414403A-4076-C332-6D86-CAEAAA93705D}"/>
               </a:ext>
             </a:extLst>
           </p:cNvPr>
@@ -15354,7 +15348,7 @@
           <p:cNvPr id="7" name="TextBox 6">
             <a:extLst>
               <a:ext uri="{FF2B5EF4-FFF2-40B4-BE49-F238E27FC236}">
-                <a16:creationId xmlns:a16="http://schemas.microsoft.com/office/drawing/2014/main" id="{1972B66B-0809-47A2-881C-91ACCB0B9887}"/>
+                <a16:creationId xmlns:a16="http://schemas.microsoft.com/office/drawing/2014/main" xmlns="" id="{1972B66B-0809-47A2-881C-91ACCB0B9887}"/>
               </a:ext>
             </a:extLst>
           </p:cNvPr>
@@ -15404,7 +15398,7 @@
     </p:spTree>
     <p:extLst>
       <p:ext uri="{BB962C8B-B14F-4D97-AF65-F5344CB8AC3E}">
-        <p14:creationId xmlns:p14="http://schemas.microsoft.com/office/powerpoint/2010/main" val="119279230"/>
+        <p14:creationId xmlns:p14="http://schemas.microsoft.com/office/powerpoint/2010/main" xmlns="" val="119279230"/>
       </p:ext>
     </p:extLst>
   </p:cSld>
@@ -15436,7 +15430,7 @@
           <p:cNvPr id="6" name="TextBox 5">
             <a:extLst>
               <a:ext uri="{FF2B5EF4-FFF2-40B4-BE49-F238E27FC236}">
-                <a16:creationId xmlns:a16="http://schemas.microsoft.com/office/drawing/2014/main" id="{A588C078-E180-0A21-A5CC-C0214124BD72}"/>
+                <a16:creationId xmlns:a16="http://schemas.microsoft.com/office/drawing/2014/main" xmlns="" id="{A588C078-E180-0A21-A5CC-C0214124BD72}"/>
               </a:ext>
             </a:extLst>
           </p:cNvPr>
@@ -15485,7 +15479,7 @@
           <p:cNvPr id="8" name="TextBox 7">
             <a:extLst>
               <a:ext uri="{FF2B5EF4-FFF2-40B4-BE49-F238E27FC236}">
-                <a16:creationId xmlns:a16="http://schemas.microsoft.com/office/drawing/2014/main" id="{6C48BF2A-3E64-2F38-E7DF-3B0B0B1ABEBE}"/>
+                <a16:creationId xmlns:a16="http://schemas.microsoft.com/office/drawing/2014/main" xmlns="" id="{6C48BF2A-3E64-2F38-E7DF-3B0B0B1ABEBE}"/>
               </a:ext>
             </a:extLst>
           </p:cNvPr>
@@ -15534,7 +15528,7 @@
           <p:cNvPr id="10" name="TextBox 9">
             <a:extLst>
               <a:ext uri="{FF2B5EF4-FFF2-40B4-BE49-F238E27FC236}">
-                <a16:creationId xmlns:a16="http://schemas.microsoft.com/office/drawing/2014/main" id="{48EA61A4-B844-3C3A-982E-229421B059F4}"/>
+                <a16:creationId xmlns:a16="http://schemas.microsoft.com/office/drawing/2014/main" xmlns="" id="{48EA61A4-B844-3C3A-982E-229421B059F4}"/>
               </a:ext>
             </a:extLst>
           </p:cNvPr>
@@ -15629,7 +15623,7 @@
           <p:cNvPr id="14" name="TextBox 13">
             <a:extLst>
               <a:ext uri="{FF2B5EF4-FFF2-40B4-BE49-F238E27FC236}">
-                <a16:creationId xmlns:a16="http://schemas.microsoft.com/office/drawing/2014/main" id="{6773F38D-F3EF-9B49-8946-96E4B3AFDEE8}"/>
+                <a16:creationId xmlns:a16="http://schemas.microsoft.com/office/drawing/2014/main" xmlns="" id="{6773F38D-F3EF-9B49-8946-96E4B3AFDEE8}"/>
               </a:ext>
             </a:extLst>
           </p:cNvPr>
@@ -15706,7 +15700,7 @@
           <p:cNvPr id="16" name="TextBox 15">
             <a:extLst>
               <a:ext uri="{FF2B5EF4-FFF2-40B4-BE49-F238E27FC236}">
-                <a16:creationId xmlns:a16="http://schemas.microsoft.com/office/drawing/2014/main" id="{13BC1EA4-D281-07AB-3066-4FA3C85A0C4A}"/>
+                <a16:creationId xmlns:a16="http://schemas.microsoft.com/office/drawing/2014/main" xmlns="" id="{13BC1EA4-D281-07AB-3066-4FA3C85A0C4A}"/>
               </a:ext>
             </a:extLst>
           </p:cNvPr>
@@ -15859,7 +15853,7 @@
     </p:spTree>
     <p:extLst>
       <p:ext uri="{BB962C8B-B14F-4D97-AF65-F5344CB8AC3E}">
-        <p14:creationId xmlns:p14="http://schemas.microsoft.com/office/powerpoint/2010/main" val="682617519"/>
+        <p14:creationId xmlns:p14="http://schemas.microsoft.com/office/powerpoint/2010/main" xmlns="" val="682617519"/>
       </p:ext>
     </p:extLst>
   </p:cSld>
@@ -15891,7 +15885,7 @@
           <p:cNvPr id="2" name="Title 1">
             <a:extLst>
               <a:ext uri="{FF2B5EF4-FFF2-40B4-BE49-F238E27FC236}">
-                <a16:creationId xmlns:a16="http://schemas.microsoft.com/office/drawing/2014/main" id="{2B02F1CE-2AF4-B658-9A57-0D44E692A64D}"/>
+                <a16:creationId xmlns:a16="http://schemas.microsoft.com/office/drawing/2014/main" xmlns="" id="{2B02F1CE-2AF4-B658-9A57-0D44E692A64D}"/>
               </a:ext>
             </a:extLst>
           </p:cNvPr>
@@ -15944,6 +15938,16 @@
               </a:rPr>
               <a:t> in ASP.NET Core:</a:t>
             </a:r>
+            <a:r>
+              <a:rPr lang="en-US" b="0" i="0" dirty="0">
+                <a:solidFill>
+                  <a:srgbClr val="3A3A3A"/>
+                </a:solidFill>
+                <a:effectLst/>
+                <a:latin typeface="-apple-system"/>
+              </a:rPr>
+              <a:t/>
+            </a:r>
             <a:br>
               <a:rPr lang="en-US" b="0" i="0" dirty="0">
                 <a:solidFill>
@@ -15962,7 +15966,7 @@
           <p:cNvPr id="4" name="TextBox 3">
             <a:extLst>
               <a:ext uri="{FF2B5EF4-FFF2-40B4-BE49-F238E27FC236}">
-                <a16:creationId xmlns:a16="http://schemas.microsoft.com/office/drawing/2014/main" id="{688B4485-02B6-2CF1-843E-E70F383F50EE}"/>
+                <a16:creationId xmlns:a16="http://schemas.microsoft.com/office/drawing/2014/main" xmlns="" id="{688B4485-02B6-2CF1-843E-E70F383F50EE}"/>
               </a:ext>
             </a:extLst>
           </p:cNvPr>
@@ -16104,7 +16108,7 @@
           <p:cNvPr id="7" name="TextBox 6">
             <a:extLst>
               <a:ext uri="{FF2B5EF4-FFF2-40B4-BE49-F238E27FC236}">
-                <a16:creationId xmlns:a16="http://schemas.microsoft.com/office/drawing/2014/main" id="{BA2396E4-729F-4820-E9B1-AF31EDCEAB49}"/>
+                <a16:creationId xmlns:a16="http://schemas.microsoft.com/office/drawing/2014/main" xmlns="" id="{BA2396E4-729F-4820-E9B1-AF31EDCEAB49}"/>
               </a:ext>
             </a:extLst>
           </p:cNvPr>
@@ -16256,7 +16260,7 @@
     </p:spTree>
     <p:extLst>
       <p:ext uri="{BB962C8B-B14F-4D97-AF65-F5344CB8AC3E}">
-        <p14:creationId xmlns:p14="http://schemas.microsoft.com/office/powerpoint/2010/main" val="2799300289"/>
+        <p14:creationId xmlns:p14="http://schemas.microsoft.com/office/powerpoint/2010/main" xmlns="" val="2799300289"/>
       </p:ext>
     </p:extLst>
   </p:cSld>
@@ -16288,7 +16292,7 @@
           <p:cNvPr id="3" name="TextBox 2">
             <a:extLst>
               <a:ext uri="{FF2B5EF4-FFF2-40B4-BE49-F238E27FC236}">
-                <a16:creationId xmlns:a16="http://schemas.microsoft.com/office/drawing/2014/main" id="{98E3BFDC-1A65-59DA-B121-5B385CB2BBCB}"/>
+                <a16:creationId xmlns:a16="http://schemas.microsoft.com/office/drawing/2014/main" xmlns="" id="{98E3BFDC-1A65-59DA-B121-5B385CB2BBCB}"/>
               </a:ext>
             </a:extLst>
           </p:cNvPr>
@@ -16330,7 +16334,7 @@
           <p:cNvPr id="7" name="TextBox 6">
             <a:extLst>
               <a:ext uri="{FF2B5EF4-FFF2-40B4-BE49-F238E27FC236}">
-                <a16:creationId xmlns:a16="http://schemas.microsoft.com/office/drawing/2014/main" id="{AEBC4A76-DEC1-8666-0993-31069DF00A81}"/>
+                <a16:creationId xmlns:a16="http://schemas.microsoft.com/office/drawing/2014/main" xmlns="" id="{AEBC4A76-DEC1-8666-0993-31069DF00A81}"/>
               </a:ext>
             </a:extLst>
           </p:cNvPr>
@@ -16418,7 +16422,7 @@
           <p:cNvPr id="9" name="TextBox 8">
             <a:extLst>
               <a:ext uri="{FF2B5EF4-FFF2-40B4-BE49-F238E27FC236}">
-                <a16:creationId xmlns:a16="http://schemas.microsoft.com/office/drawing/2014/main" id="{72323E7A-4627-3248-0193-DA104E53452A}"/>
+                <a16:creationId xmlns:a16="http://schemas.microsoft.com/office/drawing/2014/main" xmlns="" id="{72323E7A-4627-3248-0193-DA104E53452A}"/>
               </a:ext>
             </a:extLst>
           </p:cNvPr>
@@ -16458,7 +16462,7 @@
     </p:spTree>
     <p:extLst>
       <p:ext uri="{BB962C8B-B14F-4D97-AF65-F5344CB8AC3E}">
-        <p14:creationId xmlns:p14="http://schemas.microsoft.com/office/powerpoint/2010/main" val="2585093606"/>
+        <p14:creationId xmlns:p14="http://schemas.microsoft.com/office/powerpoint/2010/main" xmlns="" val="2585093606"/>
       </p:ext>
     </p:extLst>
   </p:cSld>
@@ -16490,7 +16494,7 @@
           <p:cNvPr id="3074" name="Picture 2" descr="Understanding Route Attribute in ASP.NET Core">
             <a:extLst>
               <a:ext uri="{FF2B5EF4-FFF2-40B4-BE49-F238E27FC236}">
-                <a16:creationId xmlns:a16="http://schemas.microsoft.com/office/drawing/2014/main" id="{C283CAE4-8D14-4AAD-62EE-527CFF7EAB47}"/>
+                <a16:creationId xmlns:a16="http://schemas.microsoft.com/office/drawing/2014/main" xmlns="" id="{C283CAE4-8D14-4AAD-62EE-527CFF7EAB47}"/>
               </a:ext>
             </a:extLst>
           </p:cNvPr>
@@ -16503,7 +16507,7 @@
           <a:blip r:embed="rId2">
             <a:extLst>
               <a:ext uri="{28A0092B-C50C-407E-A947-70E740481C1C}">
-                <a14:useLocalDpi xmlns:a14="http://schemas.microsoft.com/office/drawing/2010/main" val="0"/>
+                <a14:useLocalDpi xmlns:a14="http://schemas.microsoft.com/office/drawing/2010/main" xmlns="" val="0"/>
               </a:ext>
             </a:extLst>
           </a:blip>
@@ -16523,7 +16527,7 @@
           <a:noFill/>
           <a:extLst>
             <a:ext uri="{909E8E84-426E-40DD-AFC4-6F175D3DCCD1}">
-              <a14:hiddenFill xmlns:a14="http://schemas.microsoft.com/office/drawing/2010/main">
+              <a14:hiddenFill xmlns:a14="http://schemas.microsoft.com/office/drawing/2010/main" xmlns="">
                 <a:solidFill>
                   <a:srgbClr val="FFFFFF"/>
                 </a:solidFill>
@@ -16537,7 +16541,7 @@
           <p:cNvPr id="3" name="TextBox 2">
             <a:extLst>
               <a:ext uri="{FF2B5EF4-FFF2-40B4-BE49-F238E27FC236}">
-                <a16:creationId xmlns:a16="http://schemas.microsoft.com/office/drawing/2014/main" id="{D3390157-281A-07FC-682D-B40D172CC7A4}"/>
+                <a16:creationId xmlns:a16="http://schemas.microsoft.com/office/drawing/2014/main" xmlns="" id="{D3390157-281A-07FC-682D-B40D172CC7A4}"/>
               </a:ext>
             </a:extLst>
           </p:cNvPr>
@@ -16587,7 +16591,7 @@
     </p:spTree>
     <p:extLst>
       <p:ext uri="{BB962C8B-B14F-4D97-AF65-F5344CB8AC3E}">
-        <p14:creationId xmlns:p14="http://schemas.microsoft.com/office/powerpoint/2010/main" val="3206330372"/>
+        <p14:creationId xmlns:p14="http://schemas.microsoft.com/office/powerpoint/2010/main" xmlns="" val="3206330372"/>
       </p:ext>
     </p:extLst>
   </p:cSld>
@@ -16619,7 +16623,7 @@
           <p:cNvPr id="2" name="Title 1">
             <a:extLst>
               <a:ext uri="{FF2B5EF4-FFF2-40B4-BE49-F238E27FC236}">
-                <a16:creationId xmlns:a16="http://schemas.microsoft.com/office/drawing/2014/main" id="{42F5744B-A641-E415-9E16-BBDB88684D89}"/>
+                <a16:creationId xmlns:a16="http://schemas.microsoft.com/office/drawing/2014/main" xmlns="" id="{42F5744B-A641-E415-9E16-BBDB88684D89}"/>
               </a:ext>
             </a:extLst>
           </p:cNvPr>
@@ -16652,6 +16656,16 @@
               </a:rPr>
               <a:t>Adding Attribute Routing in ASP.NET Core Web Application:</a:t>
             </a:r>
+            <a:r>
+              <a:rPr lang="en-US" b="0" i="0" dirty="0">
+                <a:solidFill>
+                  <a:srgbClr val="3A3A3A"/>
+                </a:solidFill>
+                <a:effectLst/>
+                <a:latin typeface="-apple-system"/>
+              </a:rPr>
+              <a:t/>
+            </a:r>
             <a:br>
               <a:rPr lang="en-US" b="0" i="0" dirty="0">
                 <a:solidFill>
@@ -16670,7 +16684,7 @@
           <p:cNvPr id="4" name="TextBox 3">
             <a:extLst>
               <a:ext uri="{FF2B5EF4-FFF2-40B4-BE49-F238E27FC236}">
-                <a16:creationId xmlns:a16="http://schemas.microsoft.com/office/drawing/2014/main" id="{90A763FE-66C8-8AFF-3DE5-DCD451A36CD1}"/>
+                <a16:creationId xmlns:a16="http://schemas.microsoft.com/office/drawing/2014/main" xmlns="" id="{90A763FE-66C8-8AFF-3DE5-DCD451A36CD1}"/>
               </a:ext>
             </a:extLst>
           </p:cNvPr>
@@ -16900,7 +16914,7 @@
     </p:spTree>
     <p:extLst>
       <p:ext uri="{BB962C8B-B14F-4D97-AF65-F5344CB8AC3E}">
-        <p14:creationId xmlns:p14="http://schemas.microsoft.com/office/powerpoint/2010/main" val="1848568276"/>
+        <p14:creationId xmlns:p14="http://schemas.microsoft.com/office/powerpoint/2010/main" xmlns="" val="1848568276"/>
       </p:ext>
     </p:extLst>
   </p:cSld>
@@ -16932,7 +16946,7 @@
           <p:cNvPr id="2" name="Picture 1">
             <a:extLst>
               <a:ext uri="{FF2B5EF4-FFF2-40B4-BE49-F238E27FC236}">
-                <a16:creationId xmlns:a16="http://schemas.microsoft.com/office/drawing/2014/main" id="{AD00A28A-ABB0-ED43-6A31-C68F515EB09B}"/>
+                <a16:creationId xmlns:a16="http://schemas.microsoft.com/office/drawing/2014/main" xmlns="" id="{AD00A28A-ABB0-ED43-6A31-C68F515EB09B}"/>
               </a:ext>
             </a:extLst>
           </p:cNvPr>
@@ -16960,7 +16974,7 @@
     </p:spTree>
     <p:extLst>
       <p:ext uri="{BB962C8B-B14F-4D97-AF65-F5344CB8AC3E}">
-        <p14:creationId xmlns:p14="http://schemas.microsoft.com/office/powerpoint/2010/main" val="593097640"/>
+        <p14:creationId xmlns:p14="http://schemas.microsoft.com/office/powerpoint/2010/main" xmlns="" val="593097640"/>
       </p:ext>
     </p:extLst>
   </p:cSld>
@@ -16992,7 +17006,7 @@
           <p:cNvPr id="2" name="Picture 1">
             <a:extLst>
               <a:ext uri="{FF2B5EF4-FFF2-40B4-BE49-F238E27FC236}">
-                <a16:creationId xmlns:a16="http://schemas.microsoft.com/office/drawing/2014/main" id="{CDA78DD0-3AB3-1C0C-A8E3-7C95B2D59368}"/>
+                <a16:creationId xmlns:a16="http://schemas.microsoft.com/office/drawing/2014/main" xmlns="" id="{CDA78DD0-3AB3-1C0C-A8E3-7C95B2D59368}"/>
               </a:ext>
             </a:extLst>
           </p:cNvPr>
@@ -17020,7 +17034,7 @@
     </p:spTree>
     <p:extLst>
       <p:ext uri="{BB962C8B-B14F-4D97-AF65-F5344CB8AC3E}">
-        <p14:creationId xmlns:p14="http://schemas.microsoft.com/office/powerpoint/2010/main" val="2565509585"/>
+        <p14:creationId xmlns:p14="http://schemas.microsoft.com/office/powerpoint/2010/main" xmlns="" val="2565509585"/>
       </p:ext>
     </p:extLst>
   </p:cSld>
@@ -17052,7 +17066,7 @@
           <p:cNvPr id="2" name="Title 1">
             <a:extLst>
               <a:ext uri="{FF2B5EF4-FFF2-40B4-BE49-F238E27FC236}">
-                <a16:creationId xmlns:a16="http://schemas.microsoft.com/office/drawing/2014/main" id="{A31BC26D-B618-9F61-029E-1E77B54F70C8}"/>
+                <a16:creationId xmlns:a16="http://schemas.microsoft.com/office/drawing/2014/main" xmlns="" id="{A31BC26D-B618-9F61-029E-1E77B54F70C8}"/>
               </a:ext>
             </a:extLst>
           </p:cNvPr>
@@ -17085,6 +17099,16 @@
               </a:rPr>
               <a:t>Working with Variables in ASP.NET Core Web API Routing:</a:t>
             </a:r>
+            <a:r>
+              <a:rPr lang="en-US" b="0" i="0" dirty="0">
+                <a:solidFill>
+                  <a:srgbClr val="3A3A3A"/>
+                </a:solidFill>
+                <a:effectLst/>
+                <a:latin typeface="-apple-system"/>
+              </a:rPr>
+              <a:t/>
+            </a:r>
             <a:br>
               <a:rPr lang="en-US" b="0" i="0" dirty="0">
                 <a:solidFill>
@@ -17103,7 +17127,7 @@
           <p:cNvPr id="4" name="TextBox 3">
             <a:extLst>
               <a:ext uri="{FF2B5EF4-FFF2-40B4-BE49-F238E27FC236}">
-                <a16:creationId xmlns:a16="http://schemas.microsoft.com/office/drawing/2014/main" id="{5B78F0F1-F0D0-220E-3A08-E560C7944DD5}"/>
+                <a16:creationId xmlns:a16="http://schemas.microsoft.com/office/drawing/2014/main" xmlns="" id="{5B78F0F1-F0D0-220E-3A08-E560C7944DD5}"/>
               </a:ext>
             </a:extLst>
           </p:cNvPr>
@@ -17175,7 +17199,7 @@
           <p:cNvPr id="5" name="Picture 4">
             <a:extLst>
               <a:ext uri="{FF2B5EF4-FFF2-40B4-BE49-F238E27FC236}">
-                <a16:creationId xmlns:a16="http://schemas.microsoft.com/office/drawing/2014/main" id="{70C27B58-A71F-A361-AB9F-8895F17AA22B}"/>
+                <a16:creationId xmlns:a16="http://schemas.microsoft.com/office/drawing/2014/main" xmlns="" id="{70C27B58-A71F-A361-AB9F-8895F17AA22B}"/>
               </a:ext>
             </a:extLst>
           </p:cNvPr>
@@ -17205,7 +17229,7 @@
           <p:cNvPr id="7" name="TextBox 6">
             <a:extLst>
               <a:ext uri="{FF2B5EF4-FFF2-40B4-BE49-F238E27FC236}">
-                <a16:creationId xmlns:a16="http://schemas.microsoft.com/office/drawing/2014/main" id="{898A0644-A9AB-6D40-8DF0-0575F658952F}"/>
+                <a16:creationId xmlns:a16="http://schemas.microsoft.com/office/drawing/2014/main" xmlns="" id="{898A0644-A9AB-6D40-8DF0-0575F658952F}"/>
               </a:ext>
             </a:extLst>
           </p:cNvPr>
@@ -17247,7 +17271,7 @@
     </p:spTree>
     <p:extLst>
       <p:ext uri="{BB962C8B-B14F-4D97-AF65-F5344CB8AC3E}">
-        <p14:creationId xmlns:p14="http://schemas.microsoft.com/office/powerpoint/2010/main" val="1323868241"/>
+        <p14:creationId xmlns:p14="http://schemas.microsoft.com/office/powerpoint/2010/main" xmlns="" val="1323868241"/>
       </p:ext>
     </p:extLst>
   </p:cSld>
@@ -17279,7 +17303,7 @@
           <p:cNvPr id="2" name="Picture 2" descr="Working with Variables in ASP.NET Core Web API Routing">
             <a:extLst>
               <a:ext uri="{FF2B5EF4-FFF2-40B4-BE49-F238E27FC236}">
-                <a16:creationId xmlns:a16="http://schemas.microsoft.com/office/drawing/2014/main" id="{1B9C14A6-1025-F874-7673-880072838DDD}"/>
+                <a16:creationId xmlns:a16="http://schemas.microsoft.com/office/drawing/2014/main" xmlns="" id="{1B9C14A6-1025-F874-7673-880072838DDD}"/>
               </a:ext>
             </a:extLst>
           </p:cNvPr>
@@ -17292,7 +17316,7 @@
           <a:blip r:embed="rId2">
             <a:extLst>
               <a:ext uri="{28A0092B-C50C-407E-A947-70E740481C1C}">
-                <a14:useLocalDpi xmlns:a14="http://schemas.microsoft.com/office/drawing/2010/main" val="0"/>
+                <a14:useLocalDpi xmlns:a14="http://schemas.microsoft.com/office/drawing/2010/main" xmlns="" val="0"/>
               </a:ext>
             </a:extLst>
           </a:blip>
@@ -17312,7 +17336,7 @@
           <a:noFill/>
           <a:extLst>
             <a:ext uri="{909E8E84-426E-40DD-AFC4-6F175D3DCCD1}">
-              <a14:hiddenFill xmlns:a14="http://schemas.microsoft.com/office/drawing/2010/main">
+              <a14:hiddenFill xmlns:a14="http://schemas.microsoft.com/office/drawing/2010/main" xmlns="">
                 <a:solidFill>
                   <a:srgbClr val="FFFFFF"/>
                 </a:solidFill>
@@ -17324,7 +17348,7 @@
     </p:spTree>
     <p:extLst>
       <p:ext uri="{BB962C8B-B14F-4D97-AF65-F5344CB8AC3E}">
-        <p14:creationId xmlns:p14="http://schemas.microsoft.com/office/powerpoint/2010/main" val="572432813"/>
+        <p14:creationId xmlns:p14="http://schemas.microsoft.com/office/powerpoint/2010/main" xmlns="" val="572432813"/>
       </p:ext>
     </p:extLst>
   </p:cSld>
@@ -17356,7 +17380,7 @@
           <p:cNvPr id="2052" name="Picture 4">
             <a:extLst>
               <a:ext uri="{FF2B5EF4-FFF2-40B4-BE49-F238E27FC236}">
-                <a16:creationId xmlns:a16="http://schemas.microsoft.com/office/drawing/2014/main" id="{9FC29DC2-725C-9C58-FA1D-A9B1EA086DE3}"/>
+                <a16:creationId xmlns:a16="http://schemas.microsoft.com/office/drawing/2014/main" xmlns="" id="{9FC29DC2-725C-9C58-FA1D-A9B1EA086DE3}"/>
               </a:ext>
             </a:extLst>
           </p:cNvPr>
@@ -17366,10 +17390,10 @@
           <p:nvPr/>
         </p:nvPicPr>
         <p:blipFill rotWithShape="1">
-          <a:blip r:embed="rId2">
+          <a:blip r:embed="rId2" cstate="print">
             <a:extLst>
               <a:ext uri="{28A0092B-C50C-407E-A947-70E740481C1C}">
-                <a14:useLocalDpi xmlns:a14="http://schemas.microsoft.com/office/drawing/2010/main" val="0"/>
+                <a14:useLocalDpi xmlns:a14="http://schemas.microsoft.com/office/drawing/2010/main" xmlns="" val="0"/>
               </a:ext>
             </a:extLst>
           </a:blip>
@@ -17387,7 +17411,7 @@
           <a:noFill/>
           <a:extLst>
             <a:ext uri="{909E8E84-426E-40DD-AFC4-6F175D3DCCD1}">
-              <a14:hiddenFill xmlns:a14="http://schemas.microsoft.com/office/drawing/2010/main">
+              <a14:hiddenFill xmlns:a14="http://schemas.microsoft.com/office/drawing/2010/main" xmlns="">
                 <a:solidFill>
                   <a:srgbClr val="FFFFFF"/>
                 </a:solidFill>
@@ -17399,7 +17423,7 @@
     </p:spTree>
     <p:extLst>
       <p:ext uri="{BB962C8B-B14F-4D97-AF65-F5344CB8AC3E}">
-        <p14:creationId xmlns:p14="http://schemas.microsoft.com/office/powerpoint/2010/main" val="1168422593"/>
+        <p14:creationId xmlns:p14="http://schemas.microsoft.com/office/powerpoint/2010/main" xmlns="" val="1168422593"/>
       </p:ext>
     </p:extLst>
   </p:cSld>
@@ -17431,7 +17455,7 @@
           <p:cNvPr id="3" name="TextBox 2">
             <a:extLst>
               <a:ext uri="{FF2B5EF4-FFF2-40B4-BE49-F238E27FC236}">
-                <a16:creationId xmlns:a16="http://schemas.microsoft.com/office/drawing/2014/main" id="{63CF91DA-D023-AE16-268D-2B96ADDEC377}"/>
+                <a16:creationId xmlns:a16="http://schemas.microsoft.com/office/drawing/2014/main" xmlns="" id="{63CF91DA-D023-AE16-268D-2B96ADDEC377}"/>
               </a:ext>
             </a:extLst>
           </p:cNvPr>
@@ -17480,7 +17504,7 @@
           <p:cNvPr id="4" name="Picture 3">
             <a:extLst>
               <a:ext uri="{FF2B5EF4-FFF2-40B4-BE49-F238E27FC236}">
-                <a16:creationId xmlns:a16="http://schemas.microsoft.com/office/drawing/2014/main" id="{999A4FDA-CE80-F707-D7F7-2420B38AE512}"/>
+                <a16:creationId xmlns:a16="http://schemas.microsoft.com/office/drawing/2014/main" xmlns="" id="{999A4FDA-CE80-F707-D7F7-2420B38AE512}"/>
               </a:ext>
             </a:extLst>
           </p:cNvPr>
@@ -17510,7 +17534,7 @@
           <p:cNvPr id="6" name="TextBox 5">
             <a:extLst>
               <a:ext uri="{FF2B5EF4-FFF2-40B4-BE49-F238E27FC236}">
-                <a16:creationId xmlns:a16="http://schemas.microsoft.com/office/drawing/2014/main" id="{1F9CE8A6-1F29-10F3-06D1-2F2E45A6584C}"/>
+                <a16:creationId xmlns:a16="http://schemas.microsoft.com/office/drawing/2014/main" xmlns="" id="{1F9CE8A6-1F29-10F3-06D1-2F2E45A6584C}"/>
               </a:ext>
             </a:extLst>
           </p:cNvPr>
@@ -17570,7 +17594,7 @@
     </p:spTree>
     <p:extLst>
       <p:ext uri="{BB962C8B-B14F-4D97-AF65-F5344CB8AC3E}">
-        <p14:creationId xmlns:p14="http://schemas.microsoft.com/office/powerpoint/2010/main" val="3708287519"/>
+        <p14:creationId xmlns:p14="http://schemas.microsoft.com/office/powerpoint/2010/main" xmlns="" val="3708287519"/>
       </p:ext>
     </p:extLst>
   </p:cSld>
@@ -17602,7 +17626,7 @@
           <p:cNvPr id="2" name="Rectangle 1">
             <a:extLst>
               <a:ext uri="{FF2B5EF4-FFF2-40B4-BE49-F238E27FC236}">
-                <a16:creationId xmlns:a16="http://schemas.microsoft.com/office/drawing/2014/main" id="{DFEA6A2B-9825-397B-7E6D-C4756FC8AA8B}"/>
+                <a16:creationId xmlns:a16="http://schemas.microsoft.com/office/drawing/2014/main" xmlns="" id="{DFEA6A2B-9825-397B-7E6D-C4756FC8AA8B}"/>
               </a:ext>
             </a:extLst>
           </p:cNvPr>
@@ -17962,7 +17986,7 @@
     </p:spTree>
     <p:extLst>
       <p:ext uri="{BB962C8B-B14F-4D97-AF65-F5344CB8AC3E}">
-        <p14:creationId xmlns:p14="http://schemas.microsoft.com/office/powerpoint/2010/main" val="1408287699"/>
+        <p14:creationId xmlns:p14="http://schemas.microsoft.com/office/powerpoint/2010/main" xmlns="" val="1408287699"/>
       </p:ext>
     </p:extLst>
   </p:cSld>
@@ -17994,7 +18018,7 @@
           <p:cNvPr id="2" name="Title 1">
             <a:extLst>
               <a:ext uri="{FF2B5EF4-FFF2-40B4-BE49-F238E27FC236}">
-                <a16:creationId xmlns:a16="http://schemas.microsoft.com/office/drawing/2014/main" id="{2450D7C4-8798-D828-F13C-B8F974CC31A1}"/>
+                <a16:creationId xmlns:a16="http://schemas.microsoft.com/office/drawing/2014/main" xmlns="" id="{2450D7C4-8798-D828-F13C-B8F974CC31A1}"/>
               </a:ext>
             </a:extLst>
           </p:cNvPr>
@@ -18022,6 +18046,16 @@
               </a:rPr>
               <a:t>How to pass Multiple Query Strings in ASP.NET Core Web API?</a:t>
             </a:r>
+            <a:r>
+              <a:rPr lang="en-US" b="0" i="0" dirty="0">
+                <a:solidFill>
+                  <a:srgbClr val="3A3A3A"/>
+                </a:solidFill>
+                <a:effectLst/>
+                <a:latin typeface="-apple-system"/>
+              </a:rPr>
+              <a:t/>
+            </a:r>
             <a:br>
               <a:rPr lang="en-US" b="0" i="0" dirty="0">
                 <a:solidFill>
@@ -18040,7 +18074,7 @@
           <p:cNvPr id="4" name="TextBox 3">
             <a:extLst>
               <a:ext uri="{FF2B5EF4-FFF2-40B4-BE49-F238E27FC236}">
-                <a16:creationId xmlns:a16="http://schemas.microsoft.com/office/drawing/2014/main" id="{7956A6A5-D63F-38AE-5E11-22731226F84A}"/>
+                <a16:creationId xmlns:a16="http://schemas.microsoft.com/office/drawing/2014/main" xmlns="" id="{7956A6A5-D63F-38AE-5E11-22731226F84A}"/>
               </a:ext>
             </a:extLst>
           </p:cNvPr>
@@ -18102,7 +18136,7 @@
           <p:cNvPr id="5" name="Rectangle 4">
             <a:extLst>
               <a:ext uri="{FF2B5EF4-FFF2-40B4-BE49-F238E27FC236}">
-                <a16:creationId xmlns:a16="http://schemas.microsoft.com/office/drawing/2014/main" id="{ABFF20CE-EFD4-4D75-BD51-E17118775122}"/>
+                <a16:creationId xmlns:a16="http://schemas.microsoft.com/office/drawing/2014/main" xmlns="" id="{ABFF20CE-EFD4-4D75-BD51-E17118775122}"/>
               </a:ext>
             </a:extLst>
           </p:cNvPr>
@@ -18432,7 +18466,7 @@
     </p:spTree>
     <p:extLst>
       <p:ext uri="{BB962C8B-B14F-4D97-AF65-F5344CB8AC3E}">
-        <p14:creationId xmlns:p14="http://schemas.microsoft.com/office/powerpoint/2010/main" val="1877113374"/>
+        <p14:creationId xmlns:p14="http://schemas.microsoft.com/office/powerpoint/2010/main" xmlns="" val="1877113374"/>
       </p:ext>
     </p:extLst>
   </p:cSld>
@@ -18464,7 +18498,7 @@
           <p:cNvPr id="2" name="Title 1">
             <a:extLst>
               <a:ext uri="{FF2B5EF4-FFF2-40B4-BE49-F238E27FC236}">
-                <a16:creationId xmlns:a16="http://schemas.microsoft.com/office/drawing/2014/main" id="{93D2B7DB-C5CC-EC48-B621-95C0E3EDD340}"/>
+                <a16:creationId xmlns:a16="http://schemas.microsoft.com/office/drawing/2014/main" xmlns="" id="{93D2B7DB-C5CC-EC48-B621-95C0E3EDD340}"/>
               </a:ext>
             </a:extLst>
           </p:cNvPr>
@@ -18515,7 +18549,7 @@
           <p:cNvPr id="3" name="Picture 2">
             <a:extLst>
               <a:ext uri="{FF2B5EF4-FFF2-40B4-BE49-F238E27FC236}">
-                <a16:creationId xmlns:a16="http://schemas.microsoft.com/office/drawing/2014/main" id="{7FB50F8B-2E4D-DAE5-5155-36CE00E9B05F}"/>
+                <a16:creationId xmlns:a16="http://schemas.microsoft.com/office/drawing/2014/main" xmlns="" id="{7FB50F8B-2E4D-DAE5-5155-36CE00E9B05F}"/>
               </a:ext>
             </a:extLst>
           </p:cNvPr>
@@ -18545,7 +18579,7 @@
           <p:cNvPr id="5" name="TextBox 4">
             <a:extLst>
               <a:ext uri="{FF2B5EF4-FFF2-40B4-BE49-F238E27FC236}">
-                <a16:creationId xmlns:a16="http://schemas.microsoft.com/office/drawing/2014/main" id="{D41F4A62-DD89-3EAC-3688-C0DF9A6CB467}"/>
+                <a16:creationId xmlns:a16="http://schemas.microsoft.com/office/drawing/2014/main" xmlns="" id="{D41F4A62-DD89-3EAC-3688-C0DF9A6CB467}"/>
               </a:ext>
             </a:extLst>
           </p:cNvPr>
@@ -18648,6 +18682,10 @@
             </a:endParaRPr>
           </a:p>
           <a:p>
+            <a:r>
+              <a:rPr lang="en-US" dirty="0"/>
+              <a:t/>
+            </a:r>
             <a:br>
               <a:rPr lang="en-US" dirty="0"/>
             </a:br>
@@ -18660,7 +18698,7 @@
           <p:cNvPr id="6" name="Picture 5">
             <a:extLst>
               <a:ext uri="{FF2B5EF4-FFF2-40B4-BE49-F238E27FC236}">
-                <a16:creationId xmlns:a16="http://schemas.microsoft.com/office/drawing/2014/main" id="{7132F56C-B9C7-E447-5AC1-E85AA352D369}"/>
+                <a16:creationId xmlns:a16="http://schemas.microsoft.com/office/drawing/2014/main" xmlns="" id="{7132F56C-B9C7-E447-5AC1-E85AA352D369}"/>
               </a:ext>
             </a:extLst>
           </p:cNvPr>
@@ -18688,7 +18726,7 @@
     </p:spTree>
     <p:extLst>
       <p:ext uri="{BB962C8B-B14F-4D97-AF65-F5344CB8AC3E}">
-        <p14:creationId xmlns:p14="http://schemas.microsoft.com/office/powerpoint/2010/main" val="3390360170"/>
+        <p14:creationId xmlns:p14="http://schemas.microsoft.com/office/powerpoint/2010/main" xmlns="" val="3390360170"/>
       </p:ext>
     </p:extLst>
   </p:cSld>
@@ -18720,7 +18758,7 @@
           <p:cNvPr id="2" name="Title 1">
             <a:extLst>
               <a:ext uri="{FF2B5EF4-FFF2-40B4-BE49-F238E27FC236}">
-                <a16:creationId xmlns:a16="http://schemas.microsoft.com/office/drawing/2014/main" id="{AF560178-52E2-047F-3FF7-6C9061968893}"/>
+                <a16:creationId xmlns:a16="http://schemas.microsoft.com/office/drawing/2014/main" xmlns="" id="{AF560178-52E2-047F-3FF7-6C9061968893}"/>
               </a:ext>
             </a:extLst>
           </p:cNvPr>
@@ -18748,6 +18786,16 @@
               </a:rPr>
               <a:t>What are Tokens in ASP.NET Core Attribute Routing?</a:t>
             </a:r>
+            <a:r>
+              <a:rPr lang="en-US" b="0" i="0" dirty="0">
+                <a:solidFill>
+                  <a:srgbClr val="3A3A3A"/>
+                </a:solidFill>
+                <a:effectLst/>
+                <a:latin typeface="-apple-system"/>
+              </a:rPr>
+              <a:t/>
+            </a:r>
             <a:br>
               <a:rPr lang="en-US" b="0" i="0" dirty="0">
                 <a:solidFill>
@@ -18766,7 +18814,7 @@
           <p:cNvPr id="4" name="TextBox 3">
             <a:extLst>
               <a:ext uri="{FF2B5EF4-FFF2-40B4-BE49-F238E27FC236}">
-                <a16:creationId xmlns:a16="http://schemas.microsoft.com/office/drawing/2014/main" id="{4F12EB0F-611E-53E3-BEDA-BD3F3A258DD3}"/>
+                <a16:creationId xmlns:a16="http://schemas.microsoft.com/office/drawing/2014/main" xmlns="" id="{4F12EB0F-611E-53E3-BEDA-BD3F3A258DD3}"/>
               </a:ext>
             </a:extLst>
           </p:cNvPr>
@@ -18809,7 +18857,7 @@
     </p:spTree>
     <p:extLst>
       <p:ext uri="{BB962C8B-B14F-4D97-AF65-F5344CB8AC3E}">
-        <p14:creationId xmlns:p14="http://schemas.microsoft.com/office/powerpoint/2010/main" val="652758379"/>
+        <p14:creationId xmlns:p14="http://schemas.microsoft.com/office/powerpoint/2010/main" xmlns="" val="652758379"/>
       </p:ext>
     </p:extLst>
   </p:cSld>
@@ -18841,7 +18889,7 @@
           <p:cNvPr id="2" name="Rectangle 1">
             <a:extLst>
               <a:ext uri="{FF2B5EF4-FFF2-40B4-BE49-F238E27FC236}">
-                <a16:creationId xmlns:a16="http://schemas.microsoft.com/office/drawing/2014/main" id="{924E2AFB-F795-F840-2C38-54E9B31CCE89}"/>
+                <a16:creationId xmlns:a16="http://schemas.microsoft.com/office/drawing/2014/main" xmlns="" id="{924E2AFB-F795-F840-2C38-54E9B31CCE89}"/>
               </a:ext>
             </a:extLst>
           </p:cNvPr>
@@ -19691,7 +19739,7 @@
     </p:spTree>
     <p:extLst>
       <p:ext uri="{BB962C8B-B14F-4D97-AF65-F5344CB8AC3E}">
-        <p14:creationId xmlns:p14="http://schemas.microsoft.com/office/powerpoint/2010/main" val="2780429159"/>
+        <p14:creationId xmlns:p14="http://schemas.microsoft.com/office/powerpoint/2010/main" xmlns="" val="2780429159"/>
       </p:ext>
     </p:extLst>
   </p:cSld>
@@ -19723,7 +19771,7 @@
           <p:cNvPr id="2" name="Rectangle 1">
             <a:extLst>
               <a:ext uri="{FF2B5EF4-FFF2-40B4-BE49-F238E27FC236}">
-                <a16:creationId xmlns:a16="http://schemas.microsoft.com/office/drawing/2014/main" id="{FDA69946-067B-F363-0D0B-609CE3CFF1A7}"/>
+                <a16:creationId xmlns:a16="http://schemas.microsoft.com/office/drawing/2014/main" xmlns="" id="{FDA69946-067B-F363-0D0B-609CE3CFF1A7}"/>
               </a:ext>
             </a:extLst>
           </p:cNvPr>
@@ -20373,7 +20421,7 @@
     </p:spTree>
     <p:extLst>
       <p:ext uri="{BB962C8B-B14F-4D97-AF65-F5344CB8AC3E}">
-        <p14:creationId xmlns:p14="http://schemas.microsoft.com/office/powerpoint/2010/main" val="3370380078"/>
+        <p14:creationId xmlns:p14="http://schemas.microsoft.com/office/powerpoint/2010/main" xmlns="" val="3370380078"/>
       </p:ext>
     </p:extLst>
   </p:cSld>
@@ -20405,7 +20453,7 @@
           <p:cNvPr id="8" name="Rectangle 7">
             <a:extLst>
               <a:ext uri="{FF2B5EF4-FFF2-40B4-BE49-F238E27FC236}">
-                <a16:creationId xmlns:a16="http://schemas.microsoft.com/office/drawing/2014/main" id="{8447E0CD-84B7-75DB-B9DE-33B72220511C}"/>
+                <a16:creationId xmlns:a16="http://schemas.microsoft.com/office/drawing/2014/main" xmlns="" id="{8447E0CD-84B7-75DB-B9DE-33B72220511C}"/>
               </a:ext>
             </a:extLst>
           </p:cNvPr>
@@ -20451,7 +20499,7 @@
           <p:cNvPr id="3" name="TextBox 2">
             <a:extLst>
               <a:ext uri="{FF2B5EF4-FFF2-40B4-BE49-F238E27FC236}">
-                <a16:creationId xmlns:a16="http://schemas.microsoft.com/office/drawing/2014/main" id="{C8D8A1AA-2EBE-EAF2-8562-7721BC7191E4}"/>
+                <a16:creationId xmlns:a16="http://schemas.microsoft.com/office/drawing/2014/main" xmlns="" id="{C8D8A1AA-2EBE-EAF2-8562-7721BC7191E4}"/>
               </a:ext>
             </a:extLst>
           </p:cNvPr>
@@ -20500,7 +20548,7 @@
           <p:cNvPr id="5" name="TextBox 4">
             <a:extLst>
               <a:ext uri="{FF2B5EF4-FFF2-40B4-BE49-F238E27FC236}">
-                <a16:creationId xmlns:a16="http://schemas.microsoft.com/office/drawing/2014/main" id="{E3DE3910-324C-6272-0900-A3311D62E9CA}"/>
+                <a16:creationId xmlns:a16="http://schemas.microsoft.com/office/drawing/2014/main" xmlns="" id="{E3DE3910-324C-6272-0900-A3311D62E9CA}"/>
               </a:ext>
             </a:extLst>
           </p:cNvPr>
@@ -20582,7 +20630,7 @@
           <p:cNvPr id="7" name="TextBox 6">
             <a:extLst>
               <a:ext uri="{FF2B5EF4-FFF2-40B4-BE49-F238E27FC236}">
-                <a16:creationId xmlns:a16="http://schemas.microsoft.com/office/drawing/2014/main" id="{FB7C2D95-61DC-DA9A-C407-E6A6CF6A9AF3}"/>
+                <a16:creationId xmlns:a16="http://schemas.microsoft.com/office/drawing/2014/main" xmlns="" id="{FB7C2D95-61DC-DA9A-C407-E6A6CF6A9AF3}"/>
               </a:ext>
             </a:extLst>
           </p:cNvPr>
@@ -20849,7 +20897,7 @@
     </p:spTree>
     <p:extLst>
       <p:ext uri="{BB962C8B-B14F-4D97-AF65-F5344CB8AC3E}">
-        <p14:creationId xmlns:p14="http://schemas.microsoft.com/office/powerpoint/2010/main" val="2690655433"/>
+        <p14:creationId xmlns:p14="http://schemas.microsoft.com/office/powerpoint/2010/main" xmlns="" val="2690655433"/>
       </p:ext>
     </p:extLst>
   </p:cSld>
@@ -20881,7 +20929,7 @@
           <p:cNvPr id="6" name="Rectangle 5">
             <a:extLst>
               <a:ext uri="{FF2B5EF4-FFF2-40B4-BE49-F238E27FC236}">
-                <a16:creationId xmlns:a16="http://schemas.microsoft.com/office/drawing/2014/main" id="{21013572-1F9E-88F5-5D75-D8CA86F9F1A8}"/>
+                <a16:creationId xmlns:a16="http://schemas.microsoft.com/office/drawing/2014/main" xmlns="" id="{21013572-1F9E-88F5-5D75-D8CA86F9F1A8}"/>
               </a:ext>
             </a:extLst>
           </p:cNvPr>
@@ -20927,7 +20975,7 @@
           <p:cNvPr id="3" name="TextBox 2">
             <a:extLst>
               <a:ext uri="{FF2B5EF4-FFF2-40B4-BE49-F238E27FC236}">
-                <a16:creationId xmlns:a16="http://schemas.microsoft.com/office/drawing/2014/main" id="{2704828F-7B62-BCD5-F6B2-68A31E94F4DE}"/>
+                <a16:creationId xmlns:a16="http://schemas.microsoft.com/office/drawing/2014/main" xmlns="" id="{2704828F-7B62-BCD5-F6B2-68A31E94F4DE}"/>
               </a:ext>
             </a:extLst>
           </p:cNvPr>
@@ -20976,7 +21024,7 @@
           <p:cNvPr id="5" name="TextBox 4">
             <a:extLst>
               <a:ext uri="{FF2B5EF4-FFF2-40B4-BE49-F238E27FC236}">
-                <a16:creationId xmlns:a16="http://schemas.microsoft.com/office/drawing/2014/main" id="{AE0048E7-9E7E-AF0F-7CBC-1123060E73BD}"/>
+                <a16:creationId xmlns:a16="http://schemas.microsoft.com/office/drawing/2014/main" xmlns="" id="{AE0048E7-9E7E-AF0F-7CBC-1123060E73BD}"/>
               </a:ext>
             </a:extLst>
           </p:cNvPr>
@@ -21295,7 +21343,7 @@
           <p:cNvPr id="8" name="TextBox 7">
             <a:extLst>
               <a:ext uri="{FF2B5EF4-FFF2-40B4-BE49-F238E27FC236}">
-                <a16:creationId xmlns:a16="http://schemas.microsoft.com/office/drawing/2014/main" id="{7022D571-1755-7D97-8F56-DC4CC0DE9299}"/>
+                <a16:creationId xmlns:a16="http://schemas.microsoft.com/office/drawing/2014/main" xmlns="" id="{7022D571-1755-7D97-8F56-DC4CC0DE9299}"/>
               </a:ext>
             </a:extLst>
           </p:cNvPr>
@@ -21365,7 +21413,7 @@
     </p:spTree>
     <p:extLst>
       <p:ext uri="{BB962C8B-B14F-4D97-AF65-F5344CB8AC3E}">
-        <p14:creationId xmlns:p14="http://schemas.microsoft.com/office/powerpoint/2010/main" val="603214563"/>
+        <p14:creationId xmlns:p14="http://schemas.microsoft.com/office/powerpoint/2010/main" xmlns="" val="603214563"/>
       </p:ext>
     </p:extLst>
   </p:cSld>
@@ -21397,7 +21445,7 @@
           <p:cNvPr id="8" name="Rectangle 7">
             <a:extLst>
               <a:ext uri="{FF2B5EF4-FFF2-40B4-BE49-F238E27FC236}">
-                <a16:creationId xmlns:a16="http://schemas.microsoft.com/office/drawing/2014/main" id="{3D0E7806-C907-814C-D7AC-777DDEA4CB15}"/>
+                <a16:creationId xmlns:a16="http://schemas.microsoft.com/office/drawing/2014/main" xmlns="" id="{3D0E7806-C907-814C-D7AC-777DDEA4CB15}"/>
               </a:ext>
             </a:extLst>
           </p:cNvPr>
@@ -21443,7 +21491,7 @@
           <p:cNvPr id="3" name="TextBox 2">
             <a:extLst>
               <a:ext uri="{FF2B5EF4-FFF2-40B4-BE49-F238E27FC236}">
-                <a16:creationId xmlns:a16="http://schemas.microsoft.com/office/drawing/2014/main" id="{B199D330-8A3B-0FD5-E5C4-8EF3538846C9}"/>
+                <a16:creationId xmlns:a16="http://schemas.microsoft.com/office/drawing/2014/main" xmlns="" id="{B199D330-8A3B-0FD5-E5C4-8EF3538846C9}"/>
               </a:ext>
             </a:extLst>
           </p:cNvPr>
@@ -21492,7 +21540,7 @@
           <p:cNvPr id="5" name="TextBox 4">
             <a:extLst>
               <a:ext uri="{FF2B5EF4-FFF2-40B4-BE49-F238E27FC236}">
-                <a16:creationId xmlns:a16="http://schemas.microsoft.com/office/drawing/2014/main" id="{77F86831-1D07-4718-270B-FD8529F201A5}"/>
+                <a16:creationId xmlns:a16="http://schemas.microsoft.com/office/drawing/2014/main" xmlns="" id="{77F86831-1D07-4718-270B-FD8529F201A5}"/>
               </a:ext>
             </a:extLst>
           </p:cNvPr>
@@ -21644,7 +21692,7 @@
           <p:cNvPr id="7" name="TextBox 6">
             <a:extLst>
               <a:ext uri="{FF2B5EF4-FFF2-40B4-BE49-F238E27FC236}">
-                <a16:creationId xmlns:a16="http://schemas.microsoft.com/office/drawing/2014/main" id="{5AF7DF10-A928-554E-B363-9263200F54D1}"/>
+                <a16:creationId xmlns:a16="http://schemas.microsoft.com/office/drawing/2014/main" xmlns="" id="{5AF7DF10-A928-554E-B363-9263200F54D1}"/>
               </a:ext>
             </a:extLst>
           </p:cNvPr>
@@ -22011,7 +22059,7 @@
     </p:spTree>
     <p:extLst>
       <p:ext uri="{BB962C8B-B14F-4D97-AF65-F5344CB8AC3E}">
-        <p14:creationId xmlns:p14="http://schemas.microsoft.com/office/powerpoint/2010/main" val="1048224820"/>
+        <p14:creationId xmlns:p14="http://schemas.microsoft.com/office/powerpoint/2010/main" xmlns="" val="1048224820"/>
       </p:ext>
     </p:extLst>
   </p:cSld>
@@ -22043,7 +22091,7 @@
           <p:cNvPr id="2" name="Title 1">
             <a:extLst>
               <a:ext uri="{FF2B5EF4-FFF2-40B4-BE49-F238E27FC236}">
-                <a16:creationId xmlns:a16="http://schemas.microsoft.com/office/drawing/2014/main" id="{97010E78-9B27-B889-3189-7421FF9FD888}"/>
+                <a16:creationId xmlns:a16="http://schemas.microsoft.com/office/drawing/2014/main" xmlns="" id="{97010E78-9B27-B889-3189-7421FF9FD888}"/>
               </a:ext>
             </a:extLst>
           </p:cNvPr>
@@ -22071,7 +22119,7 @@
           <p:cNvPr id="4" name="TextBox 3">
             <a:extLst>
               <a:ext uri="{FF2B5EF4-FFF2-40B4-BE49-F238E27FC236}">
-                <a16:creationId xmlns:a16="http://schemas.microsoft.com/office/drawing/2014/main" id="{B5EA700C-50C3-DBA5-B120-0AF56926AFA8}"/>
+                <a16:creationId xmlns:a16="http://schemas.microsoft.com/office/drawing/2014/main" xmlns="" id="{B5EA700C-50C3-DBA5-B120-0AF56926AFA8}"/>
               </a:ext>
             </a:extLst>
           </p:cNvPr>
@@ -22111,7 +22159,7 @@
     </p:spTree>
     <p:extLst>
       <p:ext uri="{BB962C8B-B14F-4D97-AF65-F5344CB8AC3E}">
-        <p14:creationId xmlns:p14="http://schemas.microsoft.com/office/powerpoint/2010/main" val="1842597439"/>
+        <p14:creationId xmlns:p14="http://schemas.microsoft.com/office/powerpoint/2010/main" xmlns="" val="1842597439"/>
       </p:ext>
     </p:extLst>
   </p:cSld>
@@ -22143,7 +22191,7 @@
           <p:cNvPr id="8" name="Rectangle 7">
             <a:extLst>
               <a:ext uri="{FF2B5EF4-FFF2-40B4-BE49-F238E27FC236}">
-                <a16:creationId xmlns:a16="http://schemas.microsoft.com/office/drawing/2014/main" id="{D64699E2-A8AC-9143-CA71-16F7E3484486}"/>
+                <a16:creationId xmlns:a16="http://schemas.microsoft.com/office/drawing/2014/main" xmlns="" id="{D64699E2-A8AC-9143-CA71-16F7E3484486}"/>
               </a:ext>
             </a:extLst>
           </p:cNvPr>
@@ -22189,7 +22237,7 @@
           <p:cNvPr id="3" name="TextBox 2">
             <a:extLst>
               <a:ext uri="{FF2B5EF4-FFF2-40B4-BE49-F238E27FC236}">
-                <a16:creationId xmlns:a16="http://schemas.microsoft.com/office/drawing/2014/main" id="{86EF1E34-EF4E-7350-AEB1-B8194F3FD169}"/>
+                <a16:creationId xmlns:a16="http://schemas.microsoft.com/office/drawing/2014/main" xmlns="" id="{86EF1E34-EF4E-7350-AEB1-B8194F3FD169}"/>
               </a:ext>
             </a:extLst>
           </p:cNvPr>
@@ -22278,7 +22326,7 @@
           <p:cNvPr id="7" name="TextBox 6">
             <a:extLst>
               <a:ext uri="{FF2B5EF4-FFF2-40B4-BE49-F238E27FC236}">
-                <a16:creationId xmlns:a16="http://schemas.microsoft.com/office/drawing/2014/main" id="{B2DE2AF0-F6FF-5E54-C083-74BA0B1A8177}"/>
+                <a16:creationId xmlns:a16="http://schemas.microsoft.com/office/drawing/2014/main" xmlns="" id="{B2DE2AF0-F6FF-5E54-C083-74BA0B1A8177}"/>
               </a:ext>
             </a:extLst>
           </p:cNvPr>
@@ -22625,7 +22673,7 @@
     </p:spTree>
     <p:extLst>
       <p:ext uri="{BB962C8B-B14F-4D97-AF65-F5344CB8AC3E}">
-        <p14:creationId xmlns:p14="http://schemas.microsoft.com/office/powerpoint/2010/main" val="991950894"/>
+        <p14:creationId xmlns:p14="http://schemas.microsoft.com/office/powerpoint/2010/main" xmlns="" val="991950894"/>
       </p:ext>
     </p:extLst>
   </p:cSld>
@@ -22657,7 +22705,7 @@
           <p:cNvPr id="3" name="Picture 2">
             <a:extLst>
               <a:ext uri="{FF2B5EF4-FFF2-40B4-BE49-F238E27FC236}">
-                <a16:creationId xmlns:a16="http://schemas.microsoft.com/office/drawing/2014/main" id="{DAEA84CA-D1DA-4FB8-DD27-2CCB2B5F91D4}"/>
+                <a16:creationId xmlns:a16="http://schemas.microsoft.com/office/drawing/2014/main" xmlns="" id="{DAEA84CA-D1DA-4FB8-DD27-2CCB2B5F91D4}"/>
               </a:ext>
             </a:extLst>
           </p:cNvPr>
@@ -22684,7 +22732,7 @@
     </p:spTree>
     <p:extLst>
       <p:ext uri="{BB962C8B-B14F-4D97-AF65-F5344CB8AC3E}">
-        <p14:creationId xmlns:p14="http://schemas.microsoft.com/office/powerpoint/2010/main" val="875699933"/>
+        <p14:creationId xmlns:p14="http://schemas.microsoft.com/office/powerpoint/2010/main" xmlns="" val="875699933"/>
       </p:ext>
     </p:extLst>
   </p:cSld>
@@ -22716,7 +22764,7 @@
           <p:cNvPr id="3" name="Picture 2">
             <a:extLst>
               <a:ext uri="{FF2B5EF4-FFF2-40B4-BE49-F238E27FC236}">
-                <a16:creationId xmlns:a16="http://schemas.microsoft.com/office/drawing/2014/main" id="{02A97955-C759-9026-4DC4-786BF467CCDB}"/>
+                <a16:creationId xmlns:a16="http://schemas.microsoft.com/office/drawing/2014/main" xmlns="" id="{02A97955-C759-9026-4DC4-786BF467CCDB}"/>
               </a:ext>
             </a:extLst>
           </p:cNvPr>
@@ -22743,7 +22791,7 @@
     </p:spTree>
     <p:extLst>
       <p:ext uri="{BB962C8B-B14F-4D97-AF65-F5344CB8AC3E}">
-        <p14:creationId xmlns:p14="http://schemas.microsoft.com/office/powerpoint/2010/main" val="3730570632"/>
+        <p14:creationId xmlns:p14="http://schemas.microsoft.com/office/powerpoint/2010/main" xmlns="" val="3730570632"/>
       </p:ext>
     </p:extLst>
   </p:cSld>
@@ -22775,7 +22823,7 @@
           <p:cNvPr id="4" name="Title 3">
             <a:extLst>
               <a:ext uri="{FF2B5EF4-FFF2-40B4-BE49-F238E27FC236}">
-                <a16:creationId xmlns:a16="http://schemas.microsoft.com/office/drawing/2014/main" id="{6A7E5E61-13E2-4755-865D-C70C8D050323}"/>
+                <a16:creationId xmlns:a16="http://schemas.microsoft.com/office/drawing/2014/main" xmlns="" id="{6A7E5E61-13E2-4755-865D-C70C8D050323}"/>
               </a:ext>
             </a:extLst>
           </p:cNvPr>
@@ -22803,7 +22851,7 @@
           <p:cNvPr id="5" name="Text Placeholder 4">
             <a:extLst>
               <a:ext uri="{FF2B5EF4-FFF2-40B4-BE49-F238E27FC236}">
-                <a16:creationId xmlns:a16="http://schemas.microsoft.com/office/drawing/2014/main" id="{FEA8CE66-7498-4D1A-B413-025DF799C0EE}"/>
+                <a16:creationId xmlns:a16="http://schemas.microsoft.com/office/drawing/2014/main" xmlns="" id="{FEA8CE66-7498-4D1A-B413-025DF799C0EE}"/>
               </a:ext>
             </a:extLst>
           </p:cNvPr>
@@ -22826,7 +22874,7 @@
     </p:spTree>
     <p:extLst>
       <p:ext uri="{BB962C8B-B14F-4D97-AF65-F5344CB8AC3E}">
-        <p14:creationId xmlns:p14="http://schemas.microsoft.com/office/powerpoint/2010/main" val="3749363430"/>
+        <p14:creationId xmlns:p14="http://schemas.microsoft.com/office/powerpoint/2010/main" xmlns="" val="3749363430"/>
       </p:ext>
     </p:extLst>
   </p:cSld>
@@ -22858,7 +22906,7 @@
           <p:cNvPr id="3074" name="Picture 2">
             <a:extLst>
               <a:ext uri="{FF2B5EF4-FFF2-40B4-BE49-F238E27FC236}">
-                <a16:creationId xmlns:a16="http://schemas.microsoft.com/office/drawing/2014/main" id="{3C670092-4EEF-B778-D58D-67B9164FC970}"/>
+                <a16:creationId xmlns:a16="http://schemas.microsoft.com/office/drawing/2014/main" xmlns="" id="{3C670092-4EEF-B778-D58D-67B9164FC970}"/>
               </a:ext>
             </a:extLst>
           </p:cNvPr>
@@ -22871,7 +22919,7 @@
           <a:blip r:embed="rId2">
             <a:extLst>
               <a:ext uri="{28A0092B-C50C-407E-A947-70E740481C1C}">
-                <a14:useLocalDpi xmlns:a14="http://schemas.microsoft.com/office/drawing/2010/main" val="0"/>
+                <a14:useLocalDpi xmlns:a14="http://schemas.microsoft.com/office/drawing/2010/main" xmlns="" val="0"/>
               </a:ext>
             </a:extLst>
           </a:blip>
@@ -22891,7 +22939,7 @@
           <a:noFill/>
           <a:extLst>
             <a:ext uri="{909E8E84-426E-40DD-AFC4-6F175D3DCCD1}">
-              <a14:hiddenFill xmlns:a14="http://schemas.microsoft.com/office/drawing/2010/main">
+              <a14:hiddenFill xmlns:a14="http://schemas.microsoft.com/office/drawing/2010/main" xmlns="">
                 <a:solidFill>
                   <a:srgbClr val="FFFFFF"/>
                 </a:solidFill>
@@ -22905,7 +22953,7 @@
           <p:cNvPr id="3" name="TextBox 2">
             <a:extLst>
               <a:ext uri="{FF2B5EF4-FFF2-40B4-BE49-F238E27FC236}">
-                <a16:creationId xmlns:a16="http://schemas.microsoft.com/office/drawing/2014/main" id="{49CA63BD-89FD-73D5-6A3E-EE4F16359AAD}"/>
+                <a16:creationId xmlns:a16="http://schemas.microsoft.com/office/drawing/2014/main" xmlns="" id="{49CA63BD-89FD-73D5-6A3E-EE4F16359AAD}"/>
               </a:ext>
             </a:extLst>
           </p:cNvPr>
@@ -22962,7 +23010,7 @@
     </p:spTree>
     <p:extLst>
       <p:ext uri="{BB962C8B-B14F-4D97-AF65-F5344CB8AC3E}">
-        <p14:creationId xmlns:p14="http://schemas.microsoft.com/office/powerpoint/2010/main" val="3499372716"/>
+        <p14:creationId xmlns:p14="http://schemas.microsoft.com/office/powerpoint/2010/main" xmlns="" val="3499372716"/>
       </p:ext>
     </p:extLst>
   </p:cSld>
@@ -22994,7 +23042,7 @@
           <p:cNvPr id="2" name="Title 1">
             <a:extLst>
               <a:ext uri="{FF2B5EF4-FFF2-40B4-BE49-F238E27FC236}">
-                <a16:creationId xmlns:a16="http://schemas.microsoft.com/office/drawing/2014/main" id="{EE23EED5-F9FD-B9C4-B619-4022AB6EC157}"/>
+                <a16:creationId xmlns:a16="http://schemas.microsoft.com/office/drawing/2014/main" xmlns="" id="{EE23EED5-F9FD-B9C4-B619-4022AB6EC157}"/>
               </a:ext>
             </a:extLst>
           </p:cNvPr>
@@ -23038,7 +23086,7 @@
           <p:cNvPr id="4" name="TextBox 3">
             <a:extLst>
               <a:ext uri="{FF2B5EF4-FFF2-40B4-BE49-F238E27FC236}">
-                <a16:creationId xmlns:a16="http://schemas.microsoft.com/office/drawing/2014/main" id="{048C456C-7F7E-B273-93C6-76A9C89CB727}"/>
+                <a16:creationId xmlns:a16="http://schemas.microsoft.com/office/drawing/2014/main" xmlns="" id="{048C456C-7F7E-B273-93C6-76A9C89CB727}"/>
               </a:ext>
             </a:extLst>
           </p:cNvPr>
@@ -23132,7 +23180,7 @@
     </p:spTree>
     <p:extLst>
       <p:ext uri="{BB962C8B-B14F-4D97-AF65-F5344CB8AC3E}">
-        <p14:creationId xmlns:p14="http://schemas.microsoft.com/office/powerpoint/2010/main" val="1621440185"/>
+        <p14:creationId xmlns:p14="http://schemas.microsoft.com/office/powerpoint/2010/main" xmlns="" val="1621440185"/>
       </p:ext>
     </p:extLst>
   </p:cSld>
@@ -23159,43 +23207,12 @@
           <a:chExt cx="0" cy="0"/>
         </a:xfrm>
       </p:grpSpPr>
-      <p:pic>
-        <p:nvPicPr>
-          <p:cNvPr id="3" name="Picture 2">
-            <a:extLst>
-              <a:ext uri="{FF2B5EF4-FFF2-40B4-BE49-F238E27FC236}">
-                <a16:creationId xmlns:a16="http://schemas.microsoft.com/office/drawing/2014/main" id="{6FB53B48-47D2-6927-B8EF-E13EABFBD39A}"/>
-              </a:ext>
-            </a:extLst>
-          </p:cNvPr>
-          <p:cNvPicPr>
-            <a:picLocks noChangeAspect="1"/>
-          </p:cNvPicPr>
-          <p:nvPr/>
-        </p:nvPicPr>
-        <p:blipFill>
-          <a:blip r:embed="rId2"/>
-          <a:stretch>
-            <a:fillRect/>
-          </a:stretch>
-        </p:blipFill>
-        <p:spPr>
-          <a:xfrm>
-            <a:off x="492263" y="3679373"/>
-            <a:ext cx="11039452" cy="2428679"/>
-          </a:xfrm>
-          <a:prstGeom prst="rect">
-            <a:avLst/>
-          </a:prstGeom>
-          <a:noFill/>
-        </p:spPr>
-      </p:pic>
       <p:sp>
         <p:nvSpPr>
           <p:cNvPr id="6" name="TextBox 5">
             <a:extLst>
               <a:ext uri="{FF2B5EF4-FFF2-40B4-BE49-F238E27FC236}">
-                <a16:creationId xmlns:a16="http://schemas.microsoft.com/office/drawing/2014/main" id="{F8BDD5D5-AB1E-BD81-769E-C8A670D1E377}"/>
+                <a16:creationId xmlns:a16="http://schemas.microsoft.com/office/drawing/2014/main" xmlns="" id="{F8BDD5D5-AB1E-BD81-769E-C8A670D1E377}"/>
               </a:ext>
             </a:extLst>
           </p:cNvPr>
@@ -23242,10 +23259,43 @@
           </a:p>
         </p:txBody>
       </p:sp>
+      <p:pic>
+        <p:nvPicPr>
+          <p:cNvPr id="1026" name="Picture 2"/>
+          <p:cNvPicPr>
+            <a:picLocks noChangeAspect="1" noChangeArrowheads="1"/>
+          </p:cNvPicPr>
+          <p:nvPr/>
+        </p:nvPicPr>
+        <p:blipFill>
+          <a:blip r:embed="rId2"/>
+          <a:srcRect/>
+          <a:stretch>
+            <a:fillRect/>
+          </a:stretch>
+        </p:blipFill>
+        <p:spPr bwMode="auto">
+          <a:xfrm>
+            <a:off x="616070" y="3242005"/>
+            <a:ext cx="11201400" cy="2409825"/>
+          </a:xfrm>
+          <a:prstGeom prst="rect">
+            <a:avLst/>
+          </a:prstGeom>
+          <a:noFill/>
+          <a:ln w="9525">
+            <a:noFill/>
+            <a:miter lim="800000"/>
+            <a:headEnd/>
+            <a:tailEnd/>
+          </a:ln>
+          <a:effectLst/>
+        </p:spPr>
+      </p:pic>
     </p:spTree>
     <p:extLst>
       <p:ext uri="{BB962C8B-B14F-4D97-AF65-F5344CB8AC3E}">
-        <p14:creationId xmlns:p14="http://schemas.microsoft.com/office/powerpoint/2010/main" val="1451917778"/>
+        <p14:creationId xmlns:p14="http://schemas.microsoft.com/office/powerpoint/2010/main" xmlns="" val="1451917778"/>
       </p:ext>
     </p:extLst>
   </p:cSld>
@@ -23277,7 +23327,7 @@
           <p:cNvPr id="3" name="TextBox 2">
             <a:extLst>
               <a:ext uri="{FF2B5EF4-FFF2-40B4-BE49-F238E27FC236}">
-                <a16:creationId xmlns:a16="http://schemas.microsoft.com/office/drawing/2014/main" id="{CAFE9AF0-8912-A0A4-C50C-82CD88D6B097}"/>
+                <a16:creationId xmlns:a16="http://schemas.microsoft.com/office/drawing/2014/main" xmlns="" id="{CAFE9AF0-8912-A0A4-C50C-82CD88D6B097}"/>
               </a:ext>
             </a:extLst>
           </p:cNvPr>
@@ -23461,7 +23511,7 @@
     </p:spTree>
     <p:extLst>
       <p:ext uri="{BB962C8B-B14F-4D97-AF65-F5344CB8AC3E}">
-        <p14:creationId xmlns:p14="http://schemas.microsoft.com/office/powerpoint/2010/main" val="4086267248"/>
+        <p14:creationId xmlns:p14="http://schemas.microsoft.com/office/powerpoint/2010/main" xmlns="" val="4086267248"/>
       </p:ext>
     </p:extLst>
   </p:cSld>
@@ -23514,7 +23564,7 @@
     </a:clrScheme>
     <a:fontScheme name="Office">
       <a:majorFont>
-        <a:latin typeface="Calibri Light" panose="020F0302020204030204"/>
+        <a:latin typeface="Calibri Light"/>
         <a:ea typeface=""/>
         <a:cs typeface=""/>
         <a:font script="Jpan" typeface="游ゴシック Light"/>
@@ -23566,7 +23616,7 @@
         <a:font script="Tfng" typeface="Ebrima"/>
       </a:majorFont>
       <a:minorFont>
-        <a:latin typeface="Calibri" panose="020F0502020204030204"/>
+        <a:latin typeface="Calibri"/>
         <a:ea typeface=""/>
         <a:cs typeface=""/>
         <a:font script="Jpan" typeface="游ゴシック"/>
@@ -23760,7 +23810,7 @@
   <a:extraClrSchemeLst/>
   <a:extLst>
     <a:ext uri="{05A4C25C-085E-4340-85A3-A5531E510DB2}">
-      <thm15:themeFamily xmlns:thm15="http://schemas.microsoft.com/office/thememl/2012/main" name="PPT format" id="{8A50584D-2DEE-47F4-8FEB-3F8557BFAA88}" vid="{CCFC1CB6-16DE-4034-A851-EBB2E5D2C37E}"/>
+      <thm15:themeFamily xmlns:thm15="http://schemas.microsoft.com/office/thememl/2012/main" xmlns="" name="PPT format" id="{8A50584D-2DEE-47F4-8FEB-3F8557BFAA88}" vid="{CCFC1CB6-16DE-4034-A851-EBB2E5D2C37E}"/>
     </a:ext>
   </a:extLst>
 </a:theme>
